--- a/מצגת האנדרויד.pptx
+++ b/מצגת האנדרויד.pptx
@@ -263,7 +263,7 @@
           <a:p>
             <a:fld id="{E0CCE10F-5DED-4112-AA23-5655795CD594}" type="datetimeFigureOut">
               <a:rPr lang="en-US" smtClean="0"/>
-              <a:t>1/18/2019</a:t>
+              <a:t>1/19/2019</a:t>
             </a:fld>
             <a:endParaRPr lang="en-US" dirty="0"/>
           </a:p>
@@ -461,7 +461,7 @@
           <a:p>
             <a:fld id="{E0CCE10F-5DED-4112-AA23-5655795CD594}" type="datetimeFigureOut">
               <a:rPr lang="en-US" smtClean="0"/>
-              <a:t>1/18/2019</a:t>
+              <a:t>1/19/2019</a:t>
             </a:fld>
             <a:endParaRPr lang="en-US" dirty="0"/>
           </a:p>
@@ -669,7 +669,7 @@
           <a:p>
             <a:fld id="{E0CCE10F-5DED-4112-AA23-5655795CD594}" type="datetimeFigureOut">
               <a:rPr lang="en-US" smtClean="0"/>
-              <a:t>1/18/2019</a:t>
+              <a:t>1/19/2019</a:t>
             </a:fld>
             <a:endParaRPr lang="en-US" dirty="0"/>
           </a:p>
@@ -867,7 +867,7 @@
           <a:p>
             <a:fld id="{E0CCE10F-5DED-4112-AA23-5655795CD594}" type="datetimeFigureOut">
               <a:rPr lang="en-US" smtClean="0"/>
-              <a:t>1/18/2019</a:t>
+              <a:t>1/19/2019</a:t>
             </a:fld>
             <a:endParaRPr lang="en-US" dirty="0"/>
           </a:p>
@@ -1142,7 +1142,7 @@
           <a:p>
             <a:fld id="{E0CCE10F-5DED-4112-AA23-5655795CD594}" type="datetimeFigureOut">
               <a:rPr lang="en-US" smtClean="0"/>
-              <a:t>1/18/2019</a:t>
+              <a:t>1/19/2019</a:t>
             </a:fld>
             <a:endParaRPr lang="en-US" dirty="0"/>
           </a:p>
@@ -1407,7 +1407,7 @@
           <a:p>
             <a:fld id="{E0CCE10F-5DED-4112-AA23-5655795CD594}" type="datetimeFigureOut">
               <a:rPr lang="en-US" smtClean="0"/>
-              <a:t>1/18/2019</a:t>
+              <a:t>1/19/2019</a:t>
             </a:fld>
             <a:endParaRPr lang="en-US" dirty="0"/>
           </a:p>
@@ -1819,7 +1819,7 @@
           <a:p>
             <a:fld id="{E0CCE10F-5DED-4112-AA23-5655795CD594}" type="datetimeFigureOut">
               <a:rPr lang="en-US" smtClean="0"/>
-              <a:t>1/18/2019</a:t>
+              <a:t>1/19/2019</a:t>
             </a:fld>
             <a:endParaRPr lang="en-US" dirty="0"/>
           </a:p>
@@ -1960,7 +1960,7 @@
           <a:p>
             <a:fld id="{E0CCE10F-5DED-4112-AA23-5655795CD594}" type="datetimeFigureOut">
               <a:rPr lang="en-US" smtClean="0"/>
-              <a:t>1/18/2019</a:t>
+              <a:t>1/19/2019</a:t>
             </a:fld>
             <a:endParaRPr lang="en-US" dirty="0"/>
           </a:p>
@@ -2073,7 +2073,7 @@
           <a:p>
             <a:fld id="{E0CCE10F-5DED-4112-AA23-5655795CD594}" type="datetimeFigureOut">
               <a:rPr lang="en-US" smtClean="0"/>
-              <a:t>1/18/2019</a:t>
+              <a:t>1/19/2019</a:t>
             </a:fld>
             <a:endParaRPr lang="en-US" dirty="0"/>
           </a:p>
@@ -2384,7 +2384,7 @@
           <a:p>
             <a:fld id="{E0CCE10F-5DED-4112-AA23-5655795CD594}" type="datetimeFigureOut">
               <a:rPr lang="en-US" smtClean="0"/>
-              <a:t>1/18/2019</a:t>
+              <a:t>1/19/2019</a:t>
             </a:fld>
             <a:endParaRPr lang="en-US" dirty="0"/>
           </a:p>
@@ -2672,7 +2672,7 @@
           <a:p>
             <a:fld id="{E0CCE10F-5DED-4112-AA23-5655795CD594}" type="datetimeFigureOut">
               <a:rPr lang="en-US" smtClean="0"/>
-              <a:t>1/18/2019</a:t>
+              <a:t>1/19/2019</a:t>
             </a:fld>
             <a:endParaRPr lang="en-US" dirty="0"/>
           </a:p>
@@ -2913,7 +2913,7 @@
           <a:p>
             <a:fld id="{E0CCE10F-5DED-4112-AA23-5655795CD594}" type="datetimeFigureOut">
               <a:rPr lang="en-US" smtClean="0"/>
-              <a:t>1/18/2019</a:t>
+              <a:t>1/19/2019</a:t>
             </a:fld>
             <a:endParaRPr lang="en-US" dirty="0"/>
           </a:p>
@@ -3659,8 +3659,8 @@
         </p:nvSpPr>
         <p:spPr>
           <a:xfrm>
-            <a:off x="2263806" y="651237"/>
-            <a:ext cx="7315200" cy="5555526"/>
+            <a:off x="2112886" y="1552956"/>
+            <a:ext cx="7315200" cy="3752087"/>
           </a:xfrm>
         </p:spPr>
         <p:txBody>
@@ -3934,8 +3934,8 @@
         </p:nvSpPr>
         <p:spPr>
           <a:xfrm>
-            <a:off x="2263806" y="651237"/>
-            <a:ext cx="7315200" cy="5555526"/>
+            <a:off x="1997476" y="1139509"/>
+            <a:ext cx="7315200" cy="4364646"/>
           </a:xfrm>
         </p:spPr>
         <p:txBody>
@@ -4024,8 +4024,8 @@
         </p:nvSpPr>
         <p:spPr>
           <a:xfrm>
-            <a:off x="2263806" y="651237"/>
-            <a:ext cx="7315200" cy="5555526"/>
+            <a:off x="2175029" y="997466"/>
+            <a:ext cx="7315200" cy="4728631"/>
           </a:xfrm>
         </p:spPr>
         <p:txBody>

--- a/מצגת האנדרויד.pptx
+++ b/מצגת האנדרויד.pptx
@@ -2,7 +2,7 @@
 <file path=ppt/presentation.xml><?xml version="1.0" encoding="utf-8"?>
 <p:presentation xmlns:a="http://schemas.openxmlformats.org/drawingml/2006/main" xmlns:r="http://schemas.openxmlformats.org/officeDocument/2006/relationships" xmlns:p="http://schemas.openxmlformats.org/presentationml/2006/main" saveSubsetFonts="1">
   <p:sldMasterIdLst>
-    <p:sldMasterId id="2147483648" r:id="rId1"/>
+    <p:sldMasterId id="2147483660" r:id="rId1"/>
   </p:sldMasterIdLst>
   <p:sldIdLst>
     <p:sldId id="256" r:id="rId2"/>
@@ -17,7 +17,7 @@
     <a:defPPr>
       <a:defRPr lang="en-US"/>
     </a:defPPr>
-    <a:lvl1pPr marL="0" algn="l" defTabSz="914400" rtl="0" eaLnBrk="1" latinLnBrk="0" hangingPunct="1">
+    <a:lvl1pPr marL="0" algn="l" defTabSz="457200" rtl="0" eaLnBrk="1" latinLnBrk="0" hangingPunct="1">
       <a:defRPr sz="1800" kern="1200">
         <a:solidFill>
           <a:schemeClr val="tx1"/>
@@ -27,7 +27,7 @@
         <a:cs typeface="+mn-cs"/>
       </a:defRPr>
     </a:lvl1pPr>
-    <a:lvl2pPr marL="457200" algn="l" defTabSz="914400" rtl="0" eaLnBrk="1" latinLnBrk="0" hangingPunct="1">
+    <a:lvl2pPr marL="457200" algn="l" defTabSz="457200" rtl="0" eaLnBrk="1" latinLnBrk="0" hangingPunct="1">
       <a:defRPr sz="1800" kern="1200">
         <a:solidFill>
           <a:schemeClr val="tx1"/>
@@ -37,7 +37,7 @@
         <a:cs typeface="+mn-cs"/>
       </a:defRPr>
     </a:lvl2pPr>
-    <a:lvl3pPr marL="914400" algn="l" defTabSz="914400" rtl="0" eaLnBrk="1" latinLnBrk="0" hangingPunct="1">
+    <a:lvl3pPr marL="914400" algn="l" defTabSz="457200" rtl="0" eaLnBrk="1" latinLnBrk="0" hangingPunct="1">
       <a:defRPr sz="1800" kern="1200">
         <a:solidFill>
           <a:schemeClr val="tx1"/>
@@ -47,7 +47,7 @@
         <a:cs typeface="+mn-cs"/>
       </a:defRPr>
     </a:lvl3pPr>
-    <a:lvl4pPr marL="1371600" algn="l" defTabSz="914400" rtl="0" eaLnBrk="1" latinLnBrk="0" hangingPunct="1">
+    <a:lvl4pPr marL="1371600" algn="l" defTabSz="457200" rtl="0" eaLnBrk="1" latinLnBrk="0" hangingPunct="1">
       <a:defRPr sz="1800" kern="1200">
         <a:solidFill>
           <a:schemeClr val="tx1"/>
@@ -57,7 +57,7 @@
         <a:cs typeface="+mn-cs"/>
       </a:defRPr>
     </a:lvl4pPr>
-    <a:lvl5pPr marL="1828800" algn="l" defTabSz="914400" rtl="0" eaLnBrk="1" latinLnBrk="0" hangingPunct="1">
+    <a:lvl5pPr marL="1828800" algn="l" defTabSz="457200" rtl="0" eaLnBrk="1" latinLnBrk="0" hangingPunct="1">
       <a:defRPr sz="1800" kern="1200">
         <a:solidFill>
           <a:schemeClr val="tx1"/>
@@ -67,7 +67,7 @@
         <a:cs typeface="+mn-cs"/>
       </a:defRPr>
     </a:lvl5pPr>
-    <a:lvl6pPr marL="2286000" algn="l" defTabSz="914400" rtl="0" eaLnBrk="1" latinLnBrk="0" hangingPunct="1">
+    <a:lvl6pPr marL="2286000" algn="l" defTabSz="457200" rtl="0" eaLnBrk="1" latinLnBrk="0" hangingPunct="1">
       <a:defRPr sz="1800" kern="1200">
         <a:solidFill>
           <a:schemeClr val="tx1"/>
@@ -77,7 +77,7 @@
         <a:cs typeface="+mn-cs"/>
       </a:defRPr>
     </a:lvl6pPr>
-    <a:lvl7pPr marL="2743200" algn="l" defTabSz="914400" rtl="0" eaLnBrk="1" latinLnBrk="0" hangingPunct="1">
+    <a:lvl7pPr marL="2743200" algn="l" defTabSz="457200" rtl="0" eaLnBrk="1" latinLnBrk="0" hangingPunct="1">
       <a:defRPr sz="1800" kern="1200">
         <a:solidFill>
           <a:schemeClr val="tx1"/>
@@ -87,7 +87,7 @@
         <a:cs typeface="+mn-cs"/>
       </a:defRPr>
     </a:lvl7pPr>
-    <a:lvl8pPr marL="3200400" algn="l" defTabSz="914400" rtl="0" eaLnBrk="1" latinLnBrk="0" hangingPunct="1">
+    <a:lvl8pPr marL="3200400" algn="l" defTabSz="457200" rtl="0" eaLnBrk="1" latinLnBrk="0" hangingPunct="1">
       <a:defRPr sz="1800" kern="1200">
         <a:solidFill>
           <a:schemeClr val="tx1"/>
@@ -97,7 +97,7 @@
         <a:cs typeface="+mn-cs"/>
       </a:defRPr>
     </a:lvl8pPr>
-    <a:lvl9pPr marL="3657600" algn="l" defTabSz="914400" rtl="0" eaLnBrk="1" latinLnBrk="0" hangingPunct="1">
+    <a:lvl9pPr marL="3657600" algn="l" defTabSz="457200" rtl="0" eaLnBrk="1" latinLnBrk="0" hangingPunct="1">
       <a:defRPr sz="1800" kern="1200">
         <a:solidFill>
           <a:schemeClr val="tx1"/>
@@ -114,6 +114,18 @@
     </p:ext>
   </p:extLst>
 </p:presentation>
+</file>
+
+<file path=ppt/commentAuthors.xml><?xml version="1.0" encoding="utf-8"?>
+<p:cmAuthorLst xmlns:a="http://schemas.openxmlformats.org/drawingml/2006/main" xmlns:r="http://schemas.openxmlformats.org/officeDocument/2006/relationships" xmlns:p="http://schemas.openxmlformats.org/presentationml/2006/main">
+  <p:cmAuthor id="1" name="ibrahim idkedek" initials="ii" lastIdx="1" clrIdx="0">
+    <p:extLst>
+      <p:ext uri="{19B8F6BF-5375-455C-9EA6-DF929625EA0E}">
+        <p15:presenceInfo xmlns:p15="http://schemas.microsoft.com/office/powerpoint/2012/main" userId="f4403240c3b8c081" providerId="Windows Live"/>
+      </p:ext>
+    </p:extLst>
+  </p:cmAuthor>
+</p:cmAuthorLst>
 </file>
 
 <file path=ppt/slideLayouts/slideLayout1.xml><?xml version="1.0" encoding="utf-8"?>
@@ -133,15 +145,39 @@
           <a:chExt cx="0" cy="0"/>
         </a:xfrm>
       </p:grpSpPr>
-      <p:sp>
-        <p:nvSpPr>
-          <p:cNvPr id="2" name="Title 1">
+      <p:pic>
+        <p:nvPicPr>
+          <p:cNvPr id="7" name="Picture 6" descr="C0-HD-BTM.png"/>
+          <p:cNvPicPr>
+            <a:picLocks noChangeAspect="1"/>
+          </p:cNvPicPr>
+          <p:nvPr/>
+        </p:nvPicPr>
+        <p:blipFill>
+          <a:blip r:embed="rId2">
             <a:extLst>
-              <a:ext uri="{FF2B5EF4-FFF2-40B4-BE49-F238E27FC236}">
-                <a16:creationId xmlns:a16="http://schemas.microsoft.com/office/drawing/2014/main" id="{8D544F5D-7456-4A28-8662-CC888BDD53A1}"/>
+              <a:ext uri="{28A0092B-C50C-407E-A947-70E740481C1C}">
+                <a14:useLocalDpi xmlns:a14="http://schemas.microsoft.com/office/drawing/2010/main" val="0"/>
               </a:ext>
             </a:extLst>
-          </p:cNvPr>
+          </a:blip>
+          <a:stretch>
+            <a:fillRect/>
+          </a:stretch>
+        </p:blipFill>
+        <p:spPr>
+          <a:xfrm>
+            <a:off x="0" y="4375150"/>
+            <a:ext cx="12192000" cy="2482850"/>
+          </a:xfrm>
+          <a:prstGeom prst="rect">
+            <a:avLst/>
+          </a:prstGeom>
+        </p:spPr>
+      </p:pic>
+      <p:sp>
+        <p:nvSpPr>
+          <p:cNvPr id="2" name="Title 1"/>
           <p:cNvSpPr>
             <a:spLocks noGrp="1"/>
           </p:cNvSpPr>
@@ -151,14 +187,16 @@
         </p:nvSpPr>
         <p:spPr>
           <a:xfrm>
-            <a:off x="1524000" y="1122363"/>
-            <a:ext cx="9144000" cy="2387600"/>
-          </a:xfrm>
-        </p:spPr>
-        <p:txBody>
-          <a:bodyPr anchor="b"/>
+            <a:off x="1371600" y="1803405"/>
+            <a:ext cx="9448800" cy="1825096"/>
+          </a:xfrm>
+        </p:spPr>
+        <p:txBody>
+          <a:bodyPr anchor="b">
+            <a:normAutofit/>
+          </a:bodyPr>
           <a:lstStyle>
-            <a:lvl1pPr algn="ctr">
+            <a:lvl1pPr algn="l">
               <a:defRPr sz="6000"/>
             </a:lvl1pPr>
           </a:lstStyle>
@@ -167,18 +205,13 @@
               <a:rPr lang="en-US"/>
               <a:t>Click to edit Master title style</a:t>
             </a:r>
-          </a:p>
-        </p:txBody>
-      </p:sp>
-      <p:sp>
-        <p:nvSpPr>
-          <p:cNvPr id="3" name="Subtitle 2">
-            <a:extLst>
-              <a:ext uri="{FF2B5EF4-FFF2-40B4-BE49-F238E27FC236}">
-                <a16:creationId xmlns:a16="http://schemas.microsoft.com/office/drawing/2014/main" id="{85B5504D-173D-4BF4-B009-35423E8EF28F}"/>
-              </a:ext>
-            </a:extLst>
-          </p:cNvPr>
+            <a:endParaRPr lang="en-US" dirty="0"/>
+          </a:p>
+        </p:txBody>
+      </p:sp>
+      <p:sp>
+        <p:nvSpPr>
+          <p:cNvPr id="3" name="Subtitle 2"/>
           <p:cNvSpPr>
             <a:spLocks noGrp="1"/>
           </p:cNvSpPr>
@@ -188,16 +221,18 @@
         </p:nvSpPr>
         <p:spPr>
           <a:xfrm>
-            <a:off x="1524000" y="3602038"/>
-            <a:ext cx="9144000" cy="1655762"/>
-          </a:xfrm>
-        </p:spPr>
-        <p:txBody>
-          <a:bodyPr/>
+            <a:off x="1371600" y="3632201"/>
+            <a:ext cx="9448800" cy="685800"/>
+          </a:xfrm>
+        </p:spPr>
+        <p:txBody>
+          <a:bodyPr>
+            <a:normAutofit/>
+          </a:bodyPr>
           <a:lstStyle>
-            <a:lvl1pPr marL="0" indent="0" algn="ctr">
-              <a:buNone/>
-              <a:defRPr sz="2400"/>
+            <a:lvl1pPr marL="0" indent="0" algn="l">
+              <a:buNone/>
+              <a:defRPr sz="2000"/>
             </a:lvl1pPr>
             <a:lvl2pPr marL="457200" indent="0" algn="ctr">
               <a:buNone/>
@@ -237,18 +272,13 @@
               <a:rPr lang="en-US"/>
               <a:t>Click to edit Master subtitle style</a:t>
             </a:r>
-          </a:p>
-        </p:txBody>
-      </p:sp>
-      <p:sp>
-        <p:nvSpPr>
-          <p:cNvPr id="4" name="Date Placeholder 3">
-            <a:extLst>
-              <a:ext uri="{FF2B5EF4-FFF2-40B4-BE49-F238E27FC236}">
-                <a16:creationId xmlns:a16="http://schemas.microsoft.com/office/drawing/2014/main" id="{04967B4E-53D9-44E8-A0EF-A10FC03FF5DF}"/>
-              </a:ext>
-            </a:extLst>
-          </p:cNvPr>
+            <a:endParaRPr lang="en-US" dirty="0"/>
+          </a:p>
+        </p:txBody>
+      </p:sp>
+      <p:sp>
+        <p:nvSpPr>
+          <p:cNvPr id="4" name="Date Placeholder 3"/>
           <p:cNvSpPr>
             <a:spLocks noGrp="1"/>
           </p:cNvSpPr>
@@ -256,7 +286,12 @@
             <p:ph type="dt" sz="half" idx="10"/>
           </p:nvPr>
         </p:nvSpPr>
-        <p:spPr/>
+        <p:spPr>
+          <a:xfrm>
+            <a:off x="7909561" y="4314328"/>
+            <a:ext cx="2910840" cy="374642"/>
+          </a:xfrm>
+        </p:spPr>
         <p:txBody>
           <a:bodyPr/>
           <a:lstStyle/>
@@ -271,13 +306,7 @@
       </p:sp>
       <p:sp>
         <p:nvSpPr>
-          <p:cNvPr id="5" name="Footer Placeholder 4">
-            <a:extLst>
-              <a:ext uri="{FF2B5EF4-FFF2-40B4-BE49-F238E27FC236}">
-                <a16:creationId xmlns:a16="http://schemas.microsoft.com/office/drawing/2014/main" id="{991CE59D-58B6-4508-854F-7CA246DD58AA}"/>
-              </a:ext>
-            </a:extLst>
-          </p:cNvPr>
+          <p:cNvPr id="5" name="Footer Placeholder 4"/>
           <p:cNvSpPr>
             <a:spLocks noGrp="1"/>
           </p:cNvSpPr>
@@ -285,7 +314,12 @@
             <p:ph type="ftr" sz="quarter" idx="11"/>
           </p:nvPr>
         </p:nvSpPr>
-        <p:spPr/>
+        <p:spPr>
+          <a:xfrm>
+            <a:off x="1371600" y="4323845"/>
+            <a:ext cx="6400800" cy="365125"/>
+          </a:xfrm>
+        </p:spPr>
         <p:txBody>
           <a:bodyPr/>
           <a:lstStyle/>
@@ -296,13 +330,7 @@
       </p:sp>
       <p:sp>
         <p:nvSpPr>
-          <p:cNvPr id="6" name="Slide Number Placeholder 5">
-            <a:extLst>
-              <a:ext uri="{FF2B5EF4-FFF2-40B4-BE49-F238E27FC236}">
-                <a16:creationId xmlns:a16="http://schemas.microsoft.com/office/drawing/2014/main" id="{6A82F63A-F48F-4B0E-8478-8621DEB31502}"/>
-              </a:ext>
-            </a:extLst>
-          </p:cNvPr>
+          <p:cNvPr id="6" name="Slide Number Placeholder 5"/>
           <p:cNvSpPr>
             <a:spLocks noGrp="1"/>
           </p:cNvSpPr>
@@ -310,7 +338,12 @@
             <p:ph type="sldNum" sz="quarter" idx="12"/>
           </p:nvPr>
         </p:nvSpPr>
-        <p:spPr/>
+        <p:spPr>
+          <a:xfrm>
+            <a:off x="8077200" y="1430866"/>
+            <a:ext cx="2743200" cy="365125"/>
+          </a:xfrm>
+        </p:spPr>
         <p:txBody>
           <a:bodyPr/>
           <a:lstStyle/>
@@ -326,7 +359,7 @@
     </p:spTree>
     <p:extLst>
       <p:ext uri="{BB962C8B-B14F-4D97-AF65-F5344CB8AC3E}">
-        <p14:creationId xmlns:p14="http://schemas.microsoft.com/office/powerpoint/2010/main" val="850270516"/>
+        <p14:creationId xmlns:p14="http://schemas.microsoft.com/office/powerpoint/2010/main" val="2219833582"/>
       </p:ext>
     </p:extLst>
   </p:cSld>
@@ -337,6 +370,2598 @@
 </file>
 
 <file path=ppt/slideLayouts/slideLayout10.xml><?xml version="1.0" encoding="utf-8"?>
+<p:sldLayout xmlns:a="http://schemas.openxmlformats.org/drawingml/2006/main" xmlns:r="http://schemas.openxmlformats.org/officeDocument/2006/relationships" xmlns:p="http://schemas.openxmlformats.org/presentationml/2006/main" preserve="1">
+  <p:cSld name="Panoramic Picture with Caption">
+    <p:spTree>
+      <p:nvGrpSpPr>
+        <p:cNvPr id="1" name=""/>
+        <p:cNvGrpSpPr/>
+        <p:nvPr/>
+      </p:nvGrpSpPr>
+      <p:grpSpPr>
+        <a:xfrm>
+          <a:off x="0" y="0"/>
+          <a:ext cx="0" cy="0"/>
+          <a:chOff x="0" y="0"/>
+          <a:chExt cx="0" cy="0"/>
+        </a:xfrm>
+      </p:grpSpPr>
+      <p:sp>
+        <p:nvSpPr>
+          <p:cNvPr id="2" name="Title 1"/>
+          <p:cNvSpPr>
+            <a:spLocks noGrp="1"/>
+          </p:cNvSpPr>
+          <p:nvPr>
+            <p:ph type="title"/>
+          </p:nvPr>
+        </p:nvSpPr>
+        <p:spPr>
+          <a:xfrm>
+            <a:off x="685777" y="4697360"/>
+            <a:ext cx="10822034" cy="819355"/>
+          </a:xfrm>
+        </p:spPr>
+        <p:txBody>
+          <a:bodyPr anchor="b"/>
+          <a:lstStyle>
+            <a:lvl1pPr algn="l">
+              <a:defRPr sz="3200"/>
+            </a:lvl1pPr>
+          </a:lstStyle>
+          <a:p>
+            <a:r>
+              <a:rPr lang="en-US"/>
+              <a:t>Click to edit Master title style</a:t>
+            </a:r>
+            <a:endParaRPr lang="en-US" dirty="0"/>
+          </a:p>
+        </p:txBody>
+      </p:sp>
+      <p:sp>
+        <p:nvSpPr>
+          <p:cNvPr id="3" name="Picture Placeholder 2"/>
+          <p:cNvSpPr>
+            <a:spLocks noGrp="1" noChangeAspect="1"/>
+          </p:cNvSpPr>
+          <p:nvPr>
+            <p:ph type="pic" idx="1"/>
+          </p:nvPr>
+        </p:nvSpPr>
+        <p:spPr>
+          <a:xfrm>
+            <a:off x="681727" y="941439"/>
+            <a:ext cx="10821840" cy="3478161"/>
+          </a:xfrm>
+        </p:spPr>
+        <p:txBody>
+          <a:bodyPr anchor="t"/>
+          <a:lstStyle>
+            <a:lvl1pPr marL="0" indent="0">
+              <a:buNone/>
+              <a:defRPr sz="3200"/>
+            </a:lvl1pPr>
+            <a:lvl2pPr marL="457200" indent="0">
+              <a:buNone/>
+              <a:defRPr sz="2800"/>
+            </a:lvl2pPr>
+            <a:lvl3pPr marL="914400" indent="0">
+              <a:buNone/>
+              <a:defRPr sz="2400"/>
+            </a:lvl3pPr>
+            <a:lvl4pPr marL="1371600" indent="0">
+              <a:buNone/>
+              <a:defRPr sz="2000"/>
+            </a:lvl4pPr>
+            <a:lvl5pPr marL="1828800" indent="0">
+              <a:buNone/>
+              <a:defRPr sz="2000"/>
+            </a:lvl5pPr>
+            <a:lvl6pPr marL="2286000" indent="0">
+              <a:buNone/>
+              <a:defRPr sz="2000"/>
+            </a:lvl6pPr>
+            <a:lvl7pPr marL="2743200" indent="0">
+              <a:buNone/>
+              <a:defRPr sz="2000"/>
+            </a:lvl7pPr>
+            <a:lvl8pPr marL="3200400" indent="0">
+              <a:buNone/>
+              <a:defRPr sz="2000"/>
+            </a:lvl8pPr>
+            <a:lvl9pPr marL="3657600" indent="0">
+              <a:buNone/>
+              <a:defRPr sz="2000"/>
+            </a:lvl9pPr>
+          </a:lstStyle>
+          <a:p>
+            <a:r>
+              <a:rPr lang="en-US"/>
+              <a:t>Click icon to add picture</a:t>
+            </a:r>
+            <a:endParaRPr lang="en-US" dirty="0"/>
+          </a:p>
+        </p:txBody>
+      </p:sp>
+      <p:sp>
+        <p:nvSpPr>
+          <p:cNvPr id="4" name="Text Placeholder 3"/>
+          <p:cNvSpPr>
+            <a:spLocks noGrp="1"/>
+          </p:cNvSpPr>
+          <p:nvPr>
+            <p:ph type="body" sz="half" idx="2"/>
+          </p:nvPr>
+        </p:nvSpPr>
+        <p:spPr>
+          <a:xfrm>
+            <a:off x="685800" y="5516715"/>
+            <a:ext cx="10820400" cy="701969"/>
+          </a:xfrm>
+        </p:spPr>
+        <p:txBody>
+          <a:bodyPr/>
+          <a:lstStyle>
+            <a:lvl1pPr marL="0" indent="0" algn="l">
+              <a:buNone/>
+              <a:defRPr sz="1600"/>
+            </a:lvl1pPr>
+            <a:lvl2pPr marL="457200" indent="0">
+              <a:buNone/>
+              <a:defRPr sz="1400"/>
+            </a:lvl2pPr>
+            <a:lvl3pPr marL="914400" indent="0">
+              <a:buNone/>
+              <a:defRPr sz="1200"/>
+            </a:lvl3pPr>
+            <a:lvl4pPr marL="1371600" indent="0">
+              <a:buNone/>
+              <a:defRPr sz="1000"/>
+            </a:lvl4pPr>
+            <a:lvl5pPr marL="1828800" indent="0">
+              <a:buNone/>
+              <a:defRPr sz="1000"/>
+            </a:lvl5pPr>
+            <a:lvl6pPr marL="2286000" indent="0">
+              <a:buNone/>
+              <a:defRPr sz="1000"/>
+            </a:lvl6pPr>
+            <a:lvl7pPr marL="2743200" indent="0">
+              <a:buNone/>
+              <a:defRPr sz="1000"/>
+            </a:lvl7pPr>
+            <a:lvl8pPr marL="3200400" indent="0">
+              <a:buNone/>
+              <a:defRPr sz="1000"/>
+            </a:lvl8pPr>
+            <a:lvl9pPr marL="3657600" indent="0">
+              <a:buNone/>
+              <a:defRPr sz="1000"/>
+            </a:lvl9pPr>
+          </a:lstStyle>
+          <a:p>
+            <a:pPr lvl="0"/>
+            <a:r>
+              <a:rPr lang="en-US"/>
+              <a:t>Edit Master text styles</a:t>
+            </a:r>
+          </a:p>
+        </p:txBody>
+      </p:sp>
+      <p:sp>
+        <p:nvSpPr>
+          <p:cNvPr id="5" name="Date Placeholder 4"/>
+          <p:cNvSpPr>
+            <a:spLocks noGrp="1"/>
+          </p:cNvSpPr>
+          <p:nvPr>
+            <p:ph type="dt" sz="half" idx="10"/>
+          </p:nvPr>
+        </p:nvSpPr>
+        <p:spPr/>
+        <p:txBody>
+          <a:bodyPr/>
+          <a:lstStyle/>
+          <a:p>
+            <a:fld id="{E0CCE10F-5DED-4112-AA23-5655795CD594}" type="datetimeFigureOut">
+              <a:rPr lang="en-US" smtClean="0"/>
+              <a:t>1/19/2019</a:t>
+            </a:fld>
+            <a:endParaRPr lang="en-US" dirty="0"/>
+          </a:p>
+        </p:txBody>
+      </p:sp>
+      <p:sp>
+        <p:nvSpPr>
+          <p:cNvPr id="6" name="Footer Placeholder 5"/>
+          <p:cNvSpPr>
+            <a:spLocks noGrp="1"/>
+          </p:cNvSpPr>
+          <p:nvPr>
+            <p:ph type="ftr" sz="quarter" idx="11"/>
+          </p:nvPr>
+        </p:nvSpPr>
+        <p:spPr/>
+        <p:txBody>
+          <a:bodyPr/>
+          <a:lstStyle/>
+          <a:p>
+            <a:endParaRPr lang="en-US" dirty="0"/>
+          </a:p>
+        </p:txBody>
+      </p:sp>
+      <p:sp>
+        <p:nvSpPr>
+          <p:cNvPr id="7" name="Slide Number Placeholder 6"/>
+          <p:cNvSpPr>
+            <a:spLocks noGrp="1"/>
+          </p:cNvSpPr>
+          <p:nvPr>
+            <p:ph type="sldNum" sz="quarter" idx="12"/>
+          </p:nvPr>
+        </p:nvSpPr>
+        <p:spPr/>
+        <p:txBody>
+          <a:bodyPr/>
+          <a:lstStyle/>
+          <a:p>
+            <a:fld id="{F52AB978-B077-4E5A-85E9-EB58F75D4152}" type="slidenum">
+              <a:rPr lang="en-US" smtClean="0"/>
+              <a:t>‹#›</a:t>
+            </a:fld>
+            <a:endParaRPr lang="en-US" dirty="0"/>
+          </a:p>
+        </p:txBody>
+      </p:sp>
+    </p:spTree>
+    <p:extLst>
+      <p:ext uri="{BB962C8B-B14F-4D97-AF65-F5344CB8AC3E}">
+        <p14:creationId xmlns:p14="http://schemas.microsoft.com/office/powerpoint/2010/main" val="2509146047"/>
+      </p:ext>
+    </p:extLst>
+  </p:cSld>
+  <p:clrMapOvr>
+    <a:masterClrMapping/>
+  </p:clrMapOvr>
+</p:sldLayout>
+</file>
+
+<file path=ppt/slideLayouts/slideLayout11.xml><?xml version="1.0" encoding="utf-8"?>
+<p:sldLayout xmlns:a="http://schemas.openxmlformats.org/drawingml/2006/main" xmlns:r="http://schemas.openxmlformats.org/officeDocument/2006/relationships" xmlns:p="http://schemas.openxmlformats.org/presentationml/2006/main" showMasterSp="0" preserve="1">
+  <p:cSld name="Title and Caption">
+    <p:spTree>
+      <p:nvGrpSpPr>
+        <p:cNvPr id="1" name=""/>
+        <p:cNvGrpSpPr/>
+        <p:nvPr/>
+      </p:nvGrpSpPr>
+      <p:grpSpPr>
+        <a:xfrm>
+          <a:off x="0" y="0"/>
+          <a:ext cx="0" cy="0"/>
+          <a:chOff x="0" y="0"/>
+          <a:chExt cx="0" cy="0"/>
+        </a:xfrm>
+      </p:grpSpPr>
+      <p:pic>
+        <p:nvPicPr>
+          <p:cNvPr id="8" name="Picture 7" descr="C0-HD-BTM.png"/>
+          <p:cNvPicPr>
+            <a:picLocks noChangeAspect="1"/>
+          </p:cNvPicPr>
+          <p:nvPr/>
+        </p:nvPicPr>
+        <p:blipFill>
+          <a:blip r:embed="rId2">
+            <a:extLst>
+              <a:ext uri="{28A0092B-C50C-407E-A947-70E740481C1C}">
+                <a14:useLocalDpi xmlns:a14="http://schemas.microsoft.com/office/drawing/2010/main" val="0"/>
+              </a:ext>
+            </a:extLst>
+          </a:blip>
+          <a:stretch>
+            <a:fillRect/>
+          </a:stretch>
+        </p:blipFill>
+        <p:spPr>
+          <a:xfrm>
+            <a:off x="0" y="4375150"/>
+            <a:ext cx="12192000" cy="2482850"/>
+          </a:xfrm>
+          <a:prstGeom prst="rect">
+            <a:avLst/>
+          </a:prstGeom>
+        </p:spPr>
+      </p:pic>
+      <p:sp>
+        <p:nvSpPr>
+          <p:cNvPr id="2" name="Title 1"/>
+          <p:cNvSpPr>
+            <a:spLocks noGrp="1"/>
+          </p:cNvSpPr>
+          <p:nvPr>
+            <p:ph type="title"/>
+          </p:nvPr>
+        </p:nvSpPr>
+        <p:spPr>
+          <a:xfrm>
+            <a:off x="685800" y="753532"/>
+            <a:ext cx="10820400" cy="2802467"/>
+          </a:xfrm>
+        </p:spPr>
+        <p:txBody>
+          <a:bodyPr anchor="ctr"/>
+          <a:lstStyle>
+            <a:lvl1pPr algn="l">
+              <a:defRPr sz="3200"/>
+            </a:lvl1pPr>
+          </a:lstStyle>
+          <a:p>
+            <a:r>
+              <a:rPr lang="en-US"/>
+              <a:t>Click to edit Master title style</a:t>
+            </a:r>
+            <a:endParaRPr lang="en-US" dirty="0"/>
+          </a:p>
+        </p:txBody>
+      </p:sp>
+      <p:sp>
+        <p:nvSpPr>
+          <p:cNvPr id="4" name="Text Placeholder 3"/>
+          <p:cNvSpPr>
+            <a:spLocks noGrp="1"/>
+          </p:cNvSpPr>
+          <p:nvPr>
+            <p:ph type="body" sz="half" idx="2"/>
+          </p:nvPr>
+        </p:nvSpPr>
+        <p:spPr>
+          <a:xfrm>
+            <a:off x="1024467" y="3649133"/>
+            <a:ext cx="10130516" cy="999067"/>
+          </a:xfrm>
+        </p:spPr>
+        <p:txBody>
+          <a:bodyPr anchor="ctr"/>
+          <a:lstStyle>
+            <a:lvl1pPr marL="0" indent="0">
+              <a:buNone/>
+              <a:defRPr sz="1600"/>
+            </a:lvl1pPr>
+            <a:lvl2pPr marL="457200" indent="0">
+              <a:buNone/>
+              <a:defRPr sz="1400"/>
+            </a:lvl2pPr>
+            <a:lvl3pPr marL="914400" indent="0">
+              <a:buNone/>
+              <a:defRPr sz="1200"/>
+            </a:lvl3pPr>
+            <a:lvl4pPr marL="1371600" indent="0">
+              <a:buNone/>
+              <a:defRPr sz="1000"/>
+            </a:lvl4pPr>
+            <a:lvl5pPr marL="1828800" indent="0">
+              <a:buNone/>
+              <a:defRPr sz="1000"/>
+            </a:lvl5pPr>
+            <a:lvl6pPr marL="2286000" indent="0">
+              <a:buNone/>
+              <a:defRPr sz="1000"/>
+            </a:lvl6pPr>
+            <a:lvl7pPr marL="2743200" indent="0">
+              <a:buNone/>
+              <a:defRPr sz="1000"/>
+            </a:lvl7pPr>
+            <a:lvl8pPr marL="3200400" indent="0">
+              <a:buNone/>
+              <a:defRPr sz="1000"/>
+            </a:lvl8pPr>
+            <a:lvl9pPr marL="3657600" indent="0">
+              <a:buNone/>
+              <a:defRPr sz="1000"/>
+            </a:lvl9pPr>
+          </a:lstStyle>
+          <a:p>
+            <a:pPr lvl="0"/>
+            <a:r>
+              <a:rPr lang="en-US"/>
+              <a:t>Edit Master text styles</a:t>
+            </a:r>
+          </a:p>
+        </p:txBody>
+      </p:sp>
+      <p:sp>
+        <p:nvSpPr>
+          <p:cNvPr id="5" name="Date Placeholder 4"/>
+          <p:cNvSpPr>
+            <a:spLocks noGrp="1"/>
+          </p:cNvSpPr>
+          <p:nvPr>
+            <p:ph type="dt" sz="half" idx="10"/>
+          </p:nvPr>
+        </p:nvSpPr>
+        <p:spPr>
+          <a:xfrm>
+            <a:off x="7814452" y="381000"/>
+            <a:ext cx="2910840" cy="365125"/>
+          </a:xfrm>
+        </p:spPr>
+        <p:txBody>
+          <a:bodyPr/>
+          <a:lstStyle>
+            <a:lvl1pPr algn="r">
+              <a:defRPr/>
+            </a:lvl1pPr>
+          </a:lstStyle>
+          <a:p>
+            <a:fld id="{E0CCE10F-5DED-4112-AA23-5655795CD594}" type="datetimeFigureOut">
+              <a:rPr lang="en-US" smtClean="0"/>
+              <a:t>1/19/2019</a:t>
+            </a:fld>
+            <a:endParaRPr lang="en-US" dirty="0"/>
+          </a:p>
+        </p:txBody>
+      </p:sp>
+      <p:sp>
+        <p:nvSpPr>
+          <p:cNvPr id="6" name="Footer Placeholder 5"/>
+          <p:cNvSpPr>
+            <a:spLocks noGrp="1"/>
+          </p:cNvSpPr>
+          <p:nvPr>
+            <p:ph type="ftr" sz="quarter" idx="11"/>
+          </p:nvPr>
+        </p:nvSpPr>
+        <p:spPr>
+          <a:xfrm>
+            <a:off x="685800" y="379941"/>
+            <a:ext cx="6991492" cy="365125"/>
+          </a:xfrm>
+        </p:spPr>
+        <p:txBody>
+          <a:bodyPr/>
+          <a:lstStyle/>
+          <a:p>
+            <a:endParaRPr lang="en-US" dirty="0"/>
+          </a:p>
+        </p:txBody>
+      </p:sp>
+      <p:sp>
+        <p:nvSpPr>
+          <p:cNvPr id="7" name="Slide Number Placeholder 6"/>
+          <p:cNvSpPr>
+            <a:spLocks noGrp="1"/>
+          </p:cNvSpPr>
+          <p:nvPr>
+            <p:ph type="sldNum" sz="quarter" idx="12"/>
+          </p:nvPr>
+        </p:nvSpPr>
+        <p:spPr>
+          <a:xfrm>
+            <a:off x="10862452" y="381000"/>
+            <a:ext cx="643748" cy="365125"/>
+          </a:xfrm>
+        </p:spPr>
+        <p:txBody>
+          <a:bodyPr/>
+          <a:lstStyle/>
+          <a:p>
+            <a:fld id="{F52AB978-B077-4E5A-85E9-EB58F75D4152}" type="slidenum">
+              <a:rPr lang="en-US" smtClean="0"/>
+              <a:t>‹#›</a:t>
+            </a:fld>
+            <a:endParaRPr lang="en-US" dirty="0"/>
+          </a:p>
+        </p:txBody>
+      </p:sp>
+    </p:spTree>
+    <p:extLst>
+      <p:ext uri="{BB962C8B-B14F-4D97-AF65-F5344CB8AC3E}">
+        <p14:creationId xmlns:p14="http://schemas.microsoft.com/office/powerpoint/2010/main" val="2685177699"/>
+      </p:ext>
+    </p:extLst>
+  </p:cSld>
+  <p:clrMapOvr>
+    <a:masterClrMapping/>
+  </p:clrMapOvr>
+</p:sldLayout>
+</file>
+
+<file path=ppt/slideLayouts/slideLayout12.xml><?xml version="1.0" encoding="utf-8"?>
+<p:sldLayout xmlns:a="http://schemas.openxmlformats.org/drawingml/2006/main" xmlns:r="http://schemas.openxmlformats.org/officeDocument/2006/relationships" xmlns:p="http://schemas.openxmlformats.org/presentationml/2006/main" showMasterSp="0" preserve="1">
+  <p:cSld name="Quote with Caption">
+    <p:spTree>
+      <p:nvGrpSpPr>
+        <p:cNvPr id="1" name=""/>
+        <p:cNvGrpSpPr/>
+        <p:nvPr/>
+      </p:nvGrpSpPr>
+      <p:grpSpPr>
+        <a:xfrm>
+          <a:off x="0" y="0"/>
+          <a:ext cx="0" cy="0"/>
+          <a:chOff x="0" y="0"/>
+          <a:chExt cx="0" cy="0"/>
+        </a:xfrm>
+      </p:grpSpPr>
+      <p:pic>
+        <p:nvPicPr>
+          <p:cNvPr id="13" name="Picture 12" descr="C0-HD-BTM.png"/>
+          <p:cNvPicPr>
+            <a:picLocks noChangeAspect="1"/>
+          </p:cNvPicPr>
+          <p:nvPr/>
+        </p:nvPicPr>
+        <p:blipFill>
+          <a:blip r:embed="rId2">
+            <a:extLst>
+              <a:ext uri="{28A0092B-C50C-407E-A947-70E740481C1C}">
+                <a14:useLocalDpi xmlns:a14="http://schemas.microsoft.com/office/drawing/2010/main" val="0"/>
+              </a:ext>
+            </a:extLst>
+          </a:blip>
+          <a:stretch>
+            <a:fillRect/>
+          </a:stretch>
+        </p:blipFill>
+        <p:spPr>
+          <a:xfrm>
+            <a:off x="0" y="4375150"/>
+            <a:ext cx="12192000" cy="2482850"/>
+          </a:xfrm>
+          <a:prstGeom prst="rect">
+            <a:avLst/>
+          </a:prstGeom>
+        </p:spPr>
+      </p:pic>
+      <p:sp>
+        <p:nvSpPr>
+          <p:cNvPr id="2" name="Title 1"/>
+          <p:cNvSpPr>
+            <a:spLocks noGrp="1"/>
+          </p:cNvSpPr>
+          <p:nvPr>
+            <p:ph type="title"/>
+          </p:nvPr>
+        </p:nvSpPr>
+        <p:spPr>
+          <a:xfrm>
+            <a:off x="1024467" y="753533"/>
+            <a:ext cx="10151533" cy="2604495"/>
+          </a:xfrm>
+        </p:spPr>
+        <p:txBody>
+          <a:bodyPr anchor="ctr"/>
+          <a:lstStyle>
+            <a:lvl1pPr algn="l">
+              <a:defRPr sz="3200"/>
+            </a:lvl1pPr>
+          </a:lstStyle>
+          <a:p>
+            <a:r>
+              <a:rPr lang="en-US"/>
+              <a:t>Click to edit Master title style</a:t>
+            </a:r>
+            <a:endParaRPr lang="en-US" dirty="0"/>
+          </a:p>
+        </p:txBody>
+      </p:sp>
+      <p:sp>
+        <p:nvSpPr>
+          <p:cNvPr id="12" name="Text Placeholder 3"/>
+          <p:cNvSpPr>
+            <a:spLocks noGrp="1"/>
+          </p:cNvSpPr>
+          <p:nvPr>
+            <p:ph type="body" sz="half" idx="13"/>
+          </p:nvPr>
+        </p:nvSpPr>
+        <p:spPr>
+          <a:xfrm>
+            <a:off x="1303865" y="3365556"/>
+            <a:ext cx="9592736" cy="444443"/>
+          </a:xfrm>
+        </p:spPr>
+        <p:txBody>
+          <a:bodyPr anchor="t">
+            <a:normAutofit/>
+          </a:bodyPr>
+          <a:lstStyle>
+            <a:lvl1pPr marL="0" indent="0">
+              <a:buNone/>
+              <a:defRPr sz="1400"/>
+            </a:lvl1pPr>
+            <a:lvl2pPr marL="457200" indent="0">
+              <a:buNone/>
+              <a:defRPr sz="1400"/>
+            </a:lvl2pPr>
+            <a:lvl3pPr marL="914400" indent="0">
+              <a:buNone/>
+              <a:defRPr sz="1200"/>
+            </a:lvl3pPr>
+            <a:lvl4pPr marL="1371600" indent="0">
+              <a:buNone/>
+              <a:defRPr sz="1000"/>
+            </a:lvl4pPr>
+            <a:lvl5pPr marL="1828800" indent="0">
+              <a:buNone/>
+              <a:defRPr sz="1000"/>
+            </a:lvl5pPr>
+            <a:lvl6pPr marL="2286000" indent="0">
+              <a:buNone/>
+              <a:defRPr sz="1000"/>
+            </a:lvl6pPr>
+            <a:lvl7pPr marL="2743200" indent="0">
+              <a:buNone/>
+              <a:defRPr sz="1000"/>
+            </a:lvl7pPr>
+            <a:lvl8pPr marL="3200400" indent="0">
+              <a:buNone/>
+              <a:defRPr sz="1000"/>
+            </a:lvl8pPr>
+            <a:lvl9pPr marL="3657600" indent="0">
+              <a:buNone/>
+              <a:defRPr sz="1000"/>
+            </a:lvl9pPr>
+          </a:lstStyle>
+          <a:p>
+            <a:pPr lvl="0"/>
+            <a:r>
+              <a:rPr lang="en-US"/>
+              <a:t>Edit Master text styles</a:t>
+            </a:r>
+          </a:p>
+        </p:txBody>
+      </p:sp>
+      <p:sp>
+        <p:nvSpPr>
+          <p:cNvPr id="4" name="Text Placeholder 3"/>
+          <p:cNvSpPr>
+            <a:spLocks noGrp="1"/>
+          </p:cNvSpPr>
+          <p:nvPr>
+            <p:ph type="body" sz="half" idx="2"/>
+          </p:nvPr>
+        </p:nvSpPr>
+        <p:spPr>
+          <a:xfrm>
+            <a:off x="1024467" y="3959862"/>
+            <a:ext cx="10151533" cy="679871"/>
+          </a:xfrm>
+        </p:spPr>
+        <p:txBody>
+          <a:bodyPr anchor="ctr">
+            <a:normAutofit/>
+          </a:bodyPr>
+          <a:lstStyle>
+            <a:lvl1pPr marL="0" indent="0">
+              <a:buNone/>
+              <a:defRPr sz="1600"/>
+            </a:lvl1pPr>
+            <a:lvl2pPr marL="457200" indent="0">
+              <a:buNone/>
+              <a:defRPr sz="1400"/>
+            </a:lvl2pPr>
+            <a:lvl3pPr marL="914400" indent="0">
+              <a:buNone/>
+              <a:defRPr sz="1200"/>
+            </a:lvl3pPr>
+            <a:lvl4pPr marL="1371600" indent="0">
+              <a:buNone/>
+              <a:defRPr sz="1000"/>
+            </a:lvl4pPr>
+            <a:lvl5pPr marL="1828800" indent="0">
+              <a:buNone/>
+              <a:defRPr sz="1000"/>
+            </a:lvl5pPr>
+            <a:lvl6pPr marL="2286000" indent="0">
+              <a:buNone/>
+              <a:defRPr sz="1000"/>
+            </a:lvl6pPr>
+            <a:lvl7pPr marL="2743200" indent="0">
+              <a:buNone/>
+              <a:defRPr sz="1000"/>
+            </a:lvl7pPr>
+            <a:lvl8pPr marL="3200400" indent="0">
+              <a:buNone/>
+              <a:defRPr sz="1000"/>
+            </a:lvl8pPr>
+            <a:lvl9pPr marL="3657600" indent="0">
+              <a:buNone/>
+              <a:defRPr sz="1000"/>
+            </a:lvl9pPr>
+          </a:lstStyle>
+          <a:p>
+            <a:pPr lvl="0"/>
+            <a:r>
+              <a:rPr lang="en-US"/>
+              <a:t>Edit Master text styles</a:t>
+            </a:r>
+          </a:p>
+        </p:txBody>
+      </p:sp>
+      <p:sp>
+        <p:nvSpPr>
+          <p:cNvPr id="5" name="Date Placeholder 4"/>
+          <p:cNvSpPr>
+            <a:spLocks noGrp="1"/>
+          </p:cNvSpPr>
+          <p:nvPr>
+            <p:ph type="dt" sz="half" idx="10"/>
+          </p:nvPr>
+        </p:nvSpPr>
+        <p:spPr>
+          <a:xfrm>
+            <a:off x="7814452" y="381000"/>
+            <a:ext cx="2910840" cy="365125"/>
+          </a:xfrm>
+        </p:spPr>
+        <p:txBody>
+          <a:bodyPr/>
+          <a:lstStyle>
+            <a:lvl1pPr algn="r">
+              <a:defRPr/>
+            </a:lvl1pPr>
+          </a:lstStyle>
+          <a:p>
+            <a:fld id="{E0CCE10F-5DED-4112-AA23-5655795CD594}" type="datetimeFigureOut">
+              <a:rPr lang="en-US" smtClean="0"/>
+              <a:t>1/19/2019</a:t>
+            </a:fld>
+            <a:endParaRPr lang="en-US" dirty="0"/>
+          </a:p>
+        </p:txBody>
+      </p:sp>
+      <p:sp>
+        <p:nvSpPr>
+          <p:cNvPr id="6" name="Footer Placeholder 5"/>
+          <p:cNvSpPr>
+            <a:spLocks noGrp="1"/>
+          </p:cNvSpPr>
+          <p:nvPr>
+            <p:ph type="ftr" sz="quarter" idx="11"/>
+          </p:nvPr>
+        </p:nvSpPr>
+        <p:spPr>
+          <a:xfrm>
+            <a:off x="685800" y="379941"/>
+            <a:ext cx="6991492" cy="365125"/>
+          </a:xfrm>
+        </p:spPr>
+        <p:txBody>
+          <a:bodyPr/>
+          <a:lstStyle/>
+          <a:p>
+            <a:endParaRPr lang="en-US" dirty="0"/>
+          </a:p>
+        </p:txBody>
+      </p:sp>
+      <p:sp>
+        <p:nvSpPr>
+          <p:cNvPr id="7" name="Slide Number Placeholder 6"/>
+          <p:cNvSpPr>
+            <a:spLocks noGrp="1"/>
+          </p:cNvSpPr>
+          <p:nvPr>
+            <p:ph type="sldNum" sz="quarter" idx="12"/>
+          </p:nvPr>
+        </p:nvSpPr>
+        <p:spPr>
+          <a:xfrm>
+            <a:off x="10862452" y="381000"/>
+            <a:ext cx="643748" cy="365125"/>
+          </a:xfrm>
+        </p:spPr>
+        <p:txBody>
+          <a:bodyPr/>
+          <a:lstStyle/>
+          <a:p>
+            <a:fld id="{F52AB978-B077-4E5A-85E9-EB58F75D4152}" type="slidenum">
+              <a:rPr lang="en-US" smtClean="0"/>
+              <a:t>‹#›</a:t>
+            </a:fld>
+            <a:endParaRPr lang="en-US" dirty="0"/>
+          </a:p>
+        </p:txBody>
+      </p:sp>
+      <p:sp>
+        <p:nvSpPr>
+          <p:cNvPr id="9" name="TextBox 8"/>
+          <p:cNvSpPr txBox="1"/>
+          <p:nvPr/>
+        </p:nvSpPr>
+        <p:spPr>
+          <a:xfrm>
+            <a:off x="476250" y="933450"/>
+            <a:ext cx="609600" cy="584776"/>
+          </a:xfrm>
+          <a:prstGeom prst="rect">
+            <a:avLst/>
+          </a:prstGeom>
+        </p:spPr>
+        <p:txBody>
+          <a:bodyPr vert="horz" lIns="91440" tIns="45720" rIns="91440" bIns="45720" rtlCol="0" anchor="ctr">
+            <a:noAutofit/>
+          </a:bodyPr>
+          <a:lstStyle>
+            <a:lvl1pPr>
+              <a:spcBef>
+                <a:spcPct val="0"/>
+              </a:spcBef>
+              <a:buNone/>
+              <a:defRPr sz="3200" b="0" cap="all">
+                <a:ln w="3175" cmpd="sng">
+                  <a:noFill/>
+                </a:ln>
+                <a:effectLst>
+                  <a:glow rad="38100">
+                    <a:schemeClr val="bg1">
+                      <a:lumMod val="65000"/>
+                      <a:lumOff val="35000"/>
+                      <a:alpha val="40000"/>
+                    </a:schemeClr>
+                  </a:glow>
+                  <a:outerShdw blurRad="28575" dist="38100" dir="14040000" algn="tl" rotWithShape="0">
+                    <a:srgbClr val="000000">
+                      <a:alpha val="25000"/>
+                    </a:srgbClr>
+                  </a:outerShdw>
+                </a:effectLst>
+              </a:defRPr>
+            </a:lvl1pPr>
+            <a:lvl2pPr>
+              <a:defRPr>
+                <a:solidFill>
+                  <a:schemeClr val="tx2"/>
+                </a:solidFill>
+              </a:defRPr>
+            </a:lvl2pPr>
+            <a:lvl3pPr>
+              <a:defRPr>
+                <a:solidFill>
+                  <a:schemeClr val="tx2"/>
+                </a:solidFill>
+              </a:defRPr>
+            </a:lvl3pPr>
+            <a:lvl4pPr>
+              <a:defRPr>
+                <a:solidFill>
+                  <a:schemeClr val="tx2"/>
+                </a:solidFill>
+              </a:defRPr>
+            </a:lvl4pPr>
+            <a:lvl5pPr>
+              <a:defRPr>
+                <a:solidFill>
+                  <a:schemeClr val="tx2"/>
+                </a:solidFill>
+              </a:defRPr>
+            </a:lvl5pPr>
+            <a:lvl6pPr>
+              <a:defRPr>
+                <a:solidFill>
+                  <a:schemeClr val="tx2"/>
+                </a:solidFill>
+              </a:defRPr>
+            </a:lvl6pPr>
+            <a:lvl7pPr>
+              <a:defRPr>
+                <a:solidFill>
+                  <a:schemeClr val="tx2"/>
+                </a:solidFill>
+              </a:defRPr>
+            </a:lvl7pPr>
+            <a:lvl8pPr>
+              <a:defRPr>
+                <a:solidFill>
+                  <a:schemeClr val="tx2"/>
+                </a:solidFill>
+              </a:defRPr>
+            </a:lvl8pPr>
+            <a:lvl9pPr>
+              <a:defRPr>
+                <a:solidFill>
+                  <a:schemeClr val="tx2"/>
+                </a:solidFill>
+              </a:defRPr>
+            </a:lvl9pPr>
+          </a:lstStyle>
+          <a:p>
+            <a:pPr lvl="0"/>
+            <a:r>
+              <a:rPr lang="en-US" sz="8000" dirty="0">
+                <a:solidFill>
+                  <a:schemeClr val="tx1"/>
+                </a:solidFill>
+                <a:effectLst/>
+              </a:rPr>
+              <a:t>“</a:t>
+            </a:r>
+          </a:p>
+        </p:txBody>
+      </p:sp>
+      <p:sp>
+        <p:nvSpPr>
+          <p:cNvPr id="10" name="TextBox 9"/>
+          <p:cNvSpPr txBox="1"/>
+          <p:nvPr/>
+        </p:nvSpPr>
+        <p:spPr>
+          <a:xfrm>
+            <a:off x="10984230" y="2701290"/>
+            <a:ext cx="609600" cy="584776"/>
+          </a:xfrm>
+          <a:prstGeom prst="rect">
+            <a:avLst/>
+          </a:prstGeom>
+        </p:spPr>
+        <p:txBody>
+          <a:bodyPr vert="horz" lIns="91440" tIns="45720" rIns="91440" bIns="45720" rtlCol="0" anchor="ctr">
+            <a:noAutofit/>
+          </a:bodyPr>
+          <a:lstStyle>
+            <a:lvl1pPr>
+              <a:spcBef>
+                <a:spcPct val="0"/>
+              </a:spcBef>
+              <a:buNone/>
+              <a:defRPr sz="3200" b="0" cap="all">
+                <a:ln w="3175" cmpd="sng">
+                  <a:noFill/>
+                </a:ln>
+                <a:effectLst>
+                  <a:glow rad="38100">
+                    <a:schemeClr val="bg1">
+                      <a:lumMod val="65000"/>
+                      <a:lumOff val="35000"/>
+                      <a:alpha val="40000"/>
+                    </a:schemeClr>
+                  </a:glow>
+                  <a:outerShdw blurRad="28575" dist="38100" dir="14040000" algn="tl" rotWithShape="0">
+                    <a:srgbClr val="000000">
+                      <a:alpha val="25000"/>
+                    </a:srgbClr>
+                  </a:outerShdw>
+                </a:effectLst>
+              </a:defRPr>
+            </a:lvl1pPr>
+            <a:lvl2pPr>
+              <a:defRPr>
+                <a:solidFill>
+                  <a:schemeClr val="tx2"/>
+                </a:solidFill>
+              </a:defRPr>
+            </a:lvl2pPr>
+            <a:lvl3pPr>
+              <a:defRPr>
+                <a:solidFill>
+                  <a:schemeClr val="tx2"/>
+                </a:solidFill>
+              </a:defRPr>
+            </a:lvl3pPr>
+            <a:lvl4pPr>
+              <a:defRPr>
+                <a:solidFill>
+                  <a:schemeClr val="tx2"/>
+                </a:solidFill>
+              </a:defRPr>
+            </a:lvl4pPr>
+            <a:lvl5pPr>
+              <a:defRPr>
+                <a:solidFill>
+                  <a:schemeClr val="tx2"/>
+                </a:solidFill>
+              </a:defRPr>
+            </a:lvl5pPr>
+            <a:lvl6pPr>
+              <a:defRPr>
+                <a:solidFill>
+                  <a:schemeClr val="tx2"/>
+                </a:solidFill>
+              </a:defRPr>
+            </a:lvl6pPr>
+            <a:lvl7pPr>
+              <a:defRPr>
+                <a:solidFill>
+                  <a:schemeClr val="tx2"/>
+                </a:solidFill>
+              </a:defRPr>
+            </a:lvl7pPr>
+            <a:lvl8pPr>
+              <a:defRPr>
+                <a:solidFill>
+                  <a:schemeClr val="tx2"/>
+                </a:solidFill>
+              </a:defRPr>
+            </a:lvl8pPr>
+            <a:lvl9pPr>
+              <a:defRPr>
+                <a:solidFill>
+                  <a:schemeClr val="tx2"/>
+                </a:solidFill>
+              </a:defRPr>
+            </a:lvl9pPr>
+          </a:lstStyle>
+          <a:p>
+            <a:pPr lvl="0" algn="r"/>
+            <a:r>
+              <a:rPr lang="en-US" sz="8000" dirty="0">
+                <a:solidFill>
+                  <a:schemeClr val="tx1"/>
+                </a:solidFill>
+                <a:effectLst/>
+              </a:rPr>
+              <a:t>”</a:t>
+            </a:r>
+          </a:p>
+        </p:txBody>
+      </p:sp>
+    </p:spTree>
+    <p:extLst>
+      <p:ext uri="{BB962C8B-B14F-4D97-AF65-F5344CB8AC3E}">
+        <p14:creationId xmlns:p14="http://schemas.microsoft.com/office/powerpoint/2010/main" val="1724286044"/>
+      </p:ext>
+    </p:extLst>
+  </p:cSld>
+  <p:clrMapOvr>
+    <a:masterClrMapping/>
+  </p:clrMapOvr>
+</p:sldLayout>
+</file>
+
+<file path=ppt/slideLayouts/slideLayout13.xml><?xml version="1.0" encoding="utf-8"?>
+<p:sldLayout xmlns:a="http://schemas.openxmlformats.org/drawingml/2006/main" xmlns:r="http://schemas.openxmlformats.org/officeDocument/2006/relationships" xmlns:p="http://schemas.openxmlformats.org/presentationml/2006/main" showMasterSp="0" preserve="1">
+  <p:cSld name="Name Card">
+    <p:spTree>
+      <p:nvGrpSpPr>
+        <p:cNvPr id="1" name=""/>
+        <p:cNvGrpSpPr/>
+        <p:nvPr/>
+      </p:nvGrpSpPr>
+      <p:grpSpPr>
+        <a:xfrm>
+          <a:off x="0" y="0"/>
+          <a:ext cx="0" cy="0"/>
+          <a:chOff x="0" y="0"/>
+          <a:chExt cx="0" cy="0"/>
+        </a:xfrm>
+      </p:grpSpPr>
+      <p:pic>
+        <p:nvPicPr>
+          <p:cNvPr id="9" name="Picture 8" descr="C0-HD-BTM.png"/>
+          <p:cNvPicPr>
+            <a:picLocks noChangeAspect="1"/>
+          </p:cNvPicPr>
+          <p:nvPr/>
+        </p:nvPicPr>
+        <p:blipFill>
+          <a:blip r:embed="rId2">
+            <a:extLst>
+              <a:ext uri="{28A0092B-C50C-407E-A947-70E740481C1C}">
+                <a14:useLocalDpi xmlns:a14="http://schemas.microsoft.com/office/drawing/2010/main" val="0"/>
+              </a:ext>
+            </a:extLst>
+          </a:blip>
+          <a:stretch>
+            <a:fillRect/>
+          </a:stretch>
+        </p:blipFill>
+        <p:spPr>
+          <a:xfrm>
+            <a:off x="0" y="4375150"/>
+            <a:ext cx="12192000" cy="2482850"/>
+          </a:xfrm>
+          <a:prstGeom prst="rect">
+            <a:avLst/>
+          </a:prstGeom>
+        </p:spPr>
+      </p:pic>
+      <p:sp>
+        <p:nvSpPr>
+          <p:cNvPr id="2" name="Title 1"/>
+          <p:cNvSpPr>
+            <a:spLocks noGrp="1"/>
+          </p:cNvSpPr>
+          <p:nvPr>
+            <p:ph type="title"/>
+          </p:nvPr>
+        </p:nvSpPr>
+        <p:spPr>
+          <a:xfrm>
+            <a:off x="1024495" y="1124701"/>
+            <a:ext cx="10146186" cy="2511835"/>
+          </a:xfrm>
+        </p:spPr>
+        <p:txBody>
+          <a:bodyPr anchor="b"/>
+          <a:lstStyle>
+            <a:lvl1pPr algn="l">
+              <a:defRPr sz="3200"/>
+            </a:lvl1pPr>
+          </a:lstStyle>
+          <a:p>
+            <a:r>
+              <a:rPr lang="en-US"/>
+              <a:t>Click to edit Master title style</a:t>
+            </a:r>
+            <a:endParaRPr lang="en-US" dirty="0"/>
+          </a:p>
+        </p:txBody>
+      </p:sp>
+      <p:sp>
+        <p:nvSpPr>
+          <p:cNvPr id="4" name="Text Placeholder 3"/>
+          <p:cNvSpPr>
+            <a:spLocks noGrp="1"/>
+          </p:cNvSpPr>
+          <p:nvPr>
+            <p:ph type="body" sz="half" idx="2"/>
+          </p:nvPr>
+        </p:nvSpPr>
+        <p:spPr>
+          <a:xfrm>
+            <a:off x="1024467" y="3648315"/>
+            <a:ext cx="10144654" cy="999885"/>
+          </a:xfrm>
+        </p:spPr>
+        <p:txBody>
+          <a:bodyPr anchor="t"/>
+          <a:lstStyle>
+            <a:lvl1pPr marL="0" indent="0">
+              <a:buNone/>
+              <a:defRPr sz="1600"/>
+            </a:lvl1pPr>
+            <a:lvl2pPr marL="457200" indent="0">
+              <a:buNone/>
+              <a:defRPr sz="1400"/>
+            </a:lvl2pPr>
+            <a:lvl3pPr marL="914400" indent="0">
+              <a:buNone/>
+              <a:defRPr sz="1200"/>
+            </a:lvl3pPr>
+            <a:lvl4pPr marL="1371600" indent="0">
+              <a:buNone/>
+              <a:defRPr sz="1000"/>
+            </a:lvl4pPr>
+            <a:lvl5pPr marL="1828800" indent="0">
+              <a:buNone/>
+              <a:defRPr sz="1000"/>
+            </a:lvl5pPr>
+            <a:lvl6pPr marL="2286000" indent="0">
+              <a:buNone/>
+              <a:defRPr sz="1000"/>
+            </a:lvl6pPr>
+            <a:lvl7pPr marL="2743200" indent="0">
+              <a:buNone/>
+              <a:defRPr sz="1000"/>
+            </a:lvl7pPr>
+            <a:lvl8pPr marL="3200400" indent="0">
+              <a:buNone/>
+              <a:defRPr sz="1000"/>
+            </a:lvl8pPr>
+            <a:lvl9pPr marL="3657600" indent="0">
+              <a:buNone/>
+              <a:defRPr sz="1000"/>
+            </a:lvl9pPr>
+          </a:lstStyle>
+          <a:p>
+            <a:pPr lvl="0"/>
+            <a:r>
+              <a:rPr lang="en-US"/>
+              <a:t>Edit Master text styles</a:t>
+            </a:r>
+          </a:p>
+        </p:txBody>
+      </p:sp>
+      <p:sp>
+        <p:nvSpPr>
+          <p:cNvPr id="5" name="Date Placeholder 4"/>
+          <p:cNvSpPr>
+            <a:spLocks noGrp="1"/>
+          </p:cNvSpPr>
+          <p:nvPr>
+            <p:ph type="dt" sz="half" idx="10"/>
+          </p:nvPr>
+        </p:nvSpPr>
+        <p:spPr>
+          <a:xfrm>
+            <a:off x="7814452" y="378883"/>
+            <a:ext cx="2910840" cy="365125"/>
+          </a:xfrm>
+        </p:spPr>
+        <p:txBody>
+          <a:bodyPr/>
+          <a:lstStyle>
+            <a:lvl1pPr algn="r">
+              <a:defRPr/>
+            </a:lvl1pPr>
+          </a:lstStyle>
+          <a:p>
+            <a:fld id="{E0CCE10F-5DED-4112-AA23-5655795CD594}" type="datetimeFigureOut">
+              <a:rPr lang="en-US" smtClean="0"/>
+              <a:t>1/19/2019</a:t>
+            </a:fld>
+            <a:endParaRPr lang="en-US" dirty="0"/>
+          </a:p>
+        </p:txBody>
+      </p:sp>
+      <p:sp>
+        <p:nvSpPr>
+          <p:cNvPr id="6" name="Footer Placeholder 5"/>
+          <p:cNvSpPr>
+            <a:spLocks noGrp="1"/>
+          </p:cNvSpPr>
+          <p:nvPr>
+            <p:ph type="ftr" sz="quarter" idx="11"/>
+          </p:nvPr>
+        </p:nvSpPr>
+        <p:spPr>
+          <a:xfrm>
+            <a:off x="685800" y="378883"/>
+            <a:ext cx="6991492" cy="365125"/>
+          </a:xfrm>
+        </p:spPr>
+        <p:txBody>
+          <a:bodyPr/>
+          <a:lstStyle/>
+          <a:p>
+            <a:endParaRPr lang="en-US" dirty="0"/>
+          </a:p>
+        </p:txBody>
+      </p:sp>
+      <p:sp>
+        <p:nvSpPr>
+          <p:cNvPr id="7" name="Slide Number Placeholder 6"/>
+          <p:cNvSpPr>
+            <a:spLocks noGrp="1"/>
+          </p:cNvSpPr>
+          <p:nvPr>
+            <p:ph type="sldNum" sz="quarter" idx="12"/>
+          </p:nvPr>
+        </p:nvSpPr>
+        <p:spPr>
+          <a:xfrm>
+            <a:off x="10862452" y="381000"/>
+            <a:ext cx="643748" cy="365125"/>
+          </a:xfrm>
+        </p:spPr>
+        <p:txBody>
+          <a:bodyPr/>
+          <a:lstStyle/>
+          <a:p>
+            <a:fld id="{F52AB978-B077-4E5A-85E9-EB58F75D4152}" type="slidenum">
+              <a:rPr lang="en-US" smtClean="0"/>
+              <a:t>‹#›</a:t>
+            </a:fld>
+            <a:endParaRPr lang="en-US" dirty="0"/>
+          </a:p>
+        </p:txBody>
+      </p:sp>
+    </p:spTree>
+    <p:extLst>
+      <p:ext uri="{BB962C8B-B14F-4D97-AF65-F5344CB8AC3E}">
+        <p14:creationId xmlns:p14="http://schemas.microsoft.com/office/powerpoint/2010/main" val="2461177021"/>
+      </p:ext>
+    </p:extLst>
+  </p:cSld>
+  <p:clrMapOvr>
+    <a:masterClrMapping/>
+  </p:clrMapOvr>
+</p:sldLayout>
+</file>
+
+<file path=ppt/slideLayouts/slideLayout14.xml><?xml version="1.0" encoding="utf-8"?>
+<p:sldLayout xmlns:a="http://schemas.openxmlformats.org/drawingml/2006/main" xmlns:r="http://schemas.openxmlformats.org/officeDocument/2006/relationships" xmlns:p="http://schemas.openxmlformats.org/presentationml/2006/main" preserve="1">
+  <p:cSld name="3 Column">
+    <p:spTree>
+      <p:nvGrpSpPr>
+        <p:cNvPr id="1" name=""/>
+        <p:cNvGrpSpPr/>
+        <p:nvPr/>
+      </p:nvGrpSpPr>
+      <p:grpSpPr>
+        <a:xfrm>
+          <a:off x="0" y="0"/>
+          <a:ext cx="0" cy="0"/>
+          <a:chOff x="0" y="0"/>
+          <a:chExt cx="0" cy="0"/>
+        </a:xfrm>
+      </p:grpSpPr>
+      <p:sp>
+        <p:nvSpPr>
+          <p:cNvPr id="15" name="Title 1"/>
+          <p:cNvSpPr>
+            <a:spLocks noGrp="1"/>
+          </p:cNvSpPr>
+          <p:nvPr>
+            <p:ph type="title"/>
+          </p:nvPr>
+        </p:nvSpPr>
+        <p:spPr>
+          <a:xfrm>
+            <a:off x="2895600" y="761999"/>
+            <a:ext cx="8610599" cy="1303867"/>
+          </a:xfrm>
+        </p:spPr>
+        <p:txBody>
+          <a:bodyPr/>
+          <a:lstStyle/>
+          <a:p>
+            <a:r>
+              <a:rPr lang="en-US"/>
+              <a:t>Click to edit Master title style</a:t>
+            </a:r>
+            <a:endParaRPr lang="en-US" dirty="0"/>
+          </a:p>
+        </p:txBody>
+      </p:sp>
+      <p:sp>
+        <p:nvSpPr>
+          <p:cNvPr id="7" name="Text Placeholder 2"/>
+          <p:cNvSpPr>
+            <a:spLocks noGrp="1"/>
+          </p:cNvSpPr>
+          <p:nvPr>
+            <p:ph type="body" idx="1"/>
+          </p:nvPr>
+        </p:nvSpPr>
+        <p:spPr>
+          <a:xfrm>
+            <a:off x="685800" y="2202080"/>
+            <a:ext cx="3456432" cy="617320"/>
+          </a:xfrm>
+        </p:spPr>
+        <p:txBody>
+          <a:bodyPr anchor="b">
+            <a:noAutofit/>
+          </a:bodyPr>
+          <a:lstStyle>
+            <a:lvl1pPr marL="0" indent="0">
+              <a:buNone/>
+              <a:defRPr sz="2400" b="0">
+                <a:solidFill>
+                  <a:schemeClr val="tx1"/>
+                </a:solidFill>
+              </a:defRPr>
+            </a:lvl1pPr>
+            <a:lvl2pPr marL="457200" indent="0">
+              <a:buNone/>
+              <a:defRPr sz="2000" b="1"/>
+            </a:lvl2pPr>
+            <a:lvl3pPr marL="914400" indent="0">
+              <a:buNone/>
+              <a:defRPr sz="1800" b="1"/>
+            </a:lvl3pPr>
+            <a:lvl4pPr marL="1371600" indent="0">
+              <a:buNone/>
+              <a:defRPr sz="1600" b="1"/>
+            </a:lvl4pPr>
+            <a:lvl5pPr marL="1828800" indent="0">
+              <a:buNone/>
+              <a:defRPr sz="1600" b="1"/>
+            </a:lvl5pPr>
+            <a:lvl6pPr marL="2286000" indent="0">
+              <a:buNone/>
+              <a:defRPr sz="1600" b="1"/>
+            </a:lvl6pPr>
+            <a:lvl7pPr marL="2743200" indent="0">
+              <a:buNone/>
+              <a:defRPr sz="1600" b="1"/>
+            </a:lvl7pPr>
+            <a:lvl8pPr marL="3200400" indent="0">
+              <a:buNone/>
+              <a:defRPr sz="1600" b="1"/>
+            </a:lvl8pPr>
+            <a:lvl9pPr marL="3657600" indent="0">
+              <a:buNone/>
+              <a:defRPr sz="1600" b="1"/>
+            </a:lvl9pPr>
+          </a:lstStyle>
+          <a:p>
+            <a:pPr lvl="0"/>
+            <a:r>
+              <a:rPr lang="en-US"/>
+              <a:t>Edit Master text styles</a:t>
+            </a:r>
+          </a:p>
+        </p:txBody>
+      </p:sp>
+      <p:sp>
+        <p:nvSpPr>
+          <p:cNvPr id="8" name="Text Placeholder 3"/>
+          <p:cNvSpPr>
+            <a:spLocks noGrp="1"/>
+          </p:cNvSpPr>
+          <p:nvPr>
+            <p:ph type="body" sz="half" idx="15"/>
+          </p:nvPr>
+        </p:nvSpPr>
+        <p:spPr>
+          <a:xfrm>
+            <a:off x="685799" y="2904565"/>
+            <a:ext cx="3456432" cy="3314132"/>
+          </a:xfrm>
+        </p:spPr>
+        <p:txBody>
+          <a:bodyPr anchor="t">
+            <a:normAutofit/>
+          </a:bodyPr>
+          <a:lstStyle>
+            <a:lvl1pPr marL="0" indent="0">
+              <a:buNone/>
+              <a:defRPr sz="1400"/>
+            </a:lvl1pPr>
+            <a:lvl2pPr marL="457200" indent="0">
+              <a:buNone/>
+              <a:defRPr sz="1200"/>
+            </a:lvl2pPr>
+            <a:lvl3pPr marL="914400" indent="0">
+              <a:buNone/>
+              <a:defRPr sz="1000"/>
+            </a:lvl3pPr>
+            <a:lvl4pPr marL="1371600" indent="0">
+              <a:buNone/>
+              <a:defRPr sz="900"/>
+            </a:lvl4pPr>
+            <a:lvl5pPr marL="1828800" indent="0">
+              <a:buNone/>
+              <a:defRPr sz="900"/>
+            </a:lvl5pPr>
+            <a:lvl6pPr marL="2286000" indent="0">
+              <a:buNone/>
+              <a:defRPr sz="900"/>
+            </a:lvl6pPr>
+            <a:lvl7pPr marL="2743200" indent="0">
+              <a:buNone/>
+              <a:defRPr sz="900"/>
+            </a:lvl7pPr>
+            <a:lvl8pPr marL="3200400" indent="0">
+              <a:buNone/>
+              <a:defRPr sz="900"/>
+            </a:lvl8pPr>
+            <a:lvl9pPr marL="3657600" indent="0">
+              <a:buNone/>
+              <a:defRPr sz="900"/>
+            </a:lvl9pPr>
+          </a:lstStyle>
+          <a:p>
+            <a:pPr lvl="0"/>
+            <a:r>
+              <a:rPr lang="en-US"/>
+              <a:t>Edit Master text styles</a:t>
+            </a:r>
+          </a:p>
+        </p:txBody>
+      </p:sp>
+      <p:sp>
+        <p:nvSpPr>
+          <p:cNvPr id="9" name="Text Placeholder 4"/>
+          <p:cNvSpPr>
+            <a:spLocks noGrp="1"/>
+          </p:cNvSpPr>
+          <p:nvPr>
+            <p:ph type="body" sz="quarter" idx="3"/>
+          </p:nvPr>
+        </p:nvSpPr>
+        <p:spPr>
+          <a:xfrm>
+            <a:off x="4368800" y="2201333"/>
+            <a:ext cx="3456432" cy="626534"/>
+          </a:xfrm>
+        </p:spPr>
+        <p:txBody>
+          <a:bodyPr anchor="b">
+            <a:noAutofit/>
+          </a:bodyPr>
+          <a:lstStyle>
+            <a:lvl1pPr marL="0" indent="0">
+              <a:buNone/>
+              <a:defRPr sz="2400" b="0">
+                <a:solidFill>
+                  <a:schemeClr val="tx1"/>
+                </a:solidFill>
+              </a:defRPr>
+            </a:lvl1pPr>
+            <a:lvl2pPr marL="457200" indent="0">
+              <a:buNone/>
+              <a:defRPr sz="2000" b="1"/>
+            </a:lvl2pPr>
+            <a:lvl3pPr marL="914400" indent="0">
+              <a:buNone/>
+              <a:defRPr sz="1800" b="1"/>
+            </a:lvl3pPr>
+            <a:lvl4pPr marL="1371600" indent="0">
+              <a:buNone/>
+              <a:defRPr sz="1600" b="1"/>
+            </a:lvl4pPr>
+            <a:lvl5pPr marL="1828800" indent="0">
+              <a:buNone/>
+              <a:defRPr sz="1600" b="1"/>
+            </a:lvl5pPr>
+            <a:lvl6pPr marL="2286000" indent="0">
+              <a:buNone/>
+              <a:defRPr sz="1600" b="1"/>
+            </a:lvl6pPr>
+            <a:lvl7pPr marL="2743200" indent="0">
+              <a:buNone/>
+              <a:defRPr sz="1600" b="1"/>
+            </a:lvl7pPr>
+            <a:lvl8pPr marL="3200400" indent="0">
+              <a:buNone/>
+              <a:defRPr sz="1600" b="1"/>
+            </a:lvl8pPr>
+            <a:lvl9pPr marL="3657600" indent="0">
+              <a:buNone/>
+              <a:defRPr sz="1600" b="1"/>
+            </a:lvl9pPr>
+          </a:lstStyle>
+          <a:p>
+            <a:pPr lvl="0"/>
+            <a:r>
+              <a:rPr lang="en-US"/>
+              <a:t>Edit Master text styles</a:t>
+            </a:r>
+          </a:p>
+        </p:txBody>
+      </p:sp>
+      <p:sp>
+        <p:nvSpPr>
+          <p:cNvPr id="10" name="Text Placeholder 3"/>
+          <p:cNvSpPr>
+            <a:spLocks noGrp="1"/>
+          </p:cNvSpPr>
+          <p:nvPr>
+            <p:ph type="body" sz="half" idx="16"/>
+          </p:nvPr>
+        </p:nvSpPr>
+        <p:spPr>
+          <a:xfrm>
+            <a:off x="4366858" y="2904067"/>
+            <a:ext cx="3456432" cy="3314618"/>
+          </a:xfrm>
+        </p:spPr>
+        <p:txBody>
+          <a:bodyPr anchor="t">
+            <a:normAutofit/>
+          </a:bodyPr>
+          <a:lstStyle>
+            <a:lvl1pPr marL="0" indent="0">
+              <a:buNone/>
+              <a:defRPr sz="1400"/>
+            </a:lvl1pPr>
+            <a:lvl2pPr marL="457200" indent="0">
+              <a:buNone/>
+              <a:defRPr sz="1200"/>
+            </a:lvl2pPr>
+            <a:lvl3pPr marL="914400" indent="0">
+              <a:buNone/>
+              <a:defRPr sz="1000"/>
+            </a:lvl3pPr>
+            <a:lvl4pPr marL="1371600" indent="0">
+              <a:buNone/>
+              <a:defRPr sz="900"/>
+            </a:lvl4pPr>
+            <a:lvl5pPr marL="1828800" indent="0">
+              <a:buNone/>
+              <a:defRPr sz="900"/>
+            </a:lvl5pPr>
+            <a:lvl6pPr marL="2286000" indent="0">
+              <a:buNone/>
+              <a:defRPr sz="900"/>
+            </a:lvl6pPr>
+            <a:lvl7pPr marL="2743200" indent="0">
+              <a:buNone/>
+              <a:defRPr sz="900"/>
+            </a:lvl7pPr>
+            <a:lvl8pPr marL="3200400" indent="0">
+              <a:buNone/>
+              <a:defRPr sz="900"/>
+            </a:lvl8pPr>
+            <a:lvl9pPr marL="3657600" indent="0">
+              <a:buNone/>
+              <a:defRPr sz="900"/>
+            </a:lvl9pPr>
+          </a:lstStyle>
+          <a:p>
+            <a:pPr lvl="0"/>
+            <a:r>
+              <a:rPr lang="en-US"/>
+              <a:t>Edit Master text styles</a:t>
+            </a:r>
+          </a:p>
+        </p:txBody>
+      </p:sp>
+      <p:sp>
+        <p:nvSpPr>
+          <p:cNvPr id="11" name="Text Placeholder 4"/>
+          <p:cNvSpPr>
+            <a:spLocks noGrp="1"/>
+          </p:cNvSpPr>
+          <p:nvPr>
+            <p:ph type="body" sz="quarter" idx="13"/>
+          </p:nvPr>
+        </p:nvSpPr>
+        <p:spPr>
+          <a:xfrm>
+            <a:off x="8051800" y="2192866"/>
+            <a:ext cx="3456432" cy="626534"/>
+          </a:xfrm>
+        </p:spPr>
+        <p:txBody>
+          <a:bodyPr anchor="b">
+            <a:noAutofit/>
+          </a:bodyPr>
+          <a:lstStyle>
+            <a:lvl1pPr marL="0" indent="0">
+              <a:buNone/>
+              <a:defRPr sz="2400" b="0">
+                <a:solidFill>
+                  <a:schemeClr val="tx1"/>
+                </a:solidFill>
+              </a:defRPr>
+            </a:lvl1pPr>
+            <a:lvl2pPr marL="457200" indent="0">
+              <a:buNone/>
+              <a:defRPr sz="2000" b="1"/>
+            </a:lvl2pPr>
+            <a:lvl3pPr marL="914400" indent="0">
+              <a:buNone/>
+              <a:defRPr sz="1800" b="1"/>
+            </a:lvl3pPr>
+            <a:lvl4pPr marL="1371600" indent="0">
+              <a:buNone/>
+              <a:defRPr sz="1600" b="1"/>
+            </a:lvl4pPr>
+            <a:lvl5pPr marL="1828800" indent="0">
+              <a:buNone/>
+              <a:defRPr sz="1600" b="1"/>
+            </a:lvl5pPr>
+            <a:lvl6pPr marL="2286000" indent="0">
+              <a:buNone/>
+              <a:defRPr sz="1600" b="1"/>
+            </a:lvl6pPr>
+            <a:lvl7pPr marL="2743200" indent="0">
+              <a:buNone/>
+              <a:defRPr sz="1600" b="1"/>
+            </a:lvl7pPr>
+            <a:lvl8pPr marL="3200400" indent="0">
+              <a:buNone/>
+              <a:defRPr sz="1600" b="1"/>
+            </a:lvl8pPr>
+            <a:lvl9pPr marL="3657600" indent="0">
+              <a:buNone/>
+              <a:defRPr sz="1600" b="1"/>
+            </a:lvl9pPr>
+          </a:lstStyle>
+          <a:p>
+            <a:pPr lvl="0"/>
+            <a:r>
+              <a:rPr lang="en-US"/>
+              <a:t>Edit Master text styles</a:t>
+            </a:r>
+          </a:p>
+        </p:txBody>
+      </p:sp>
+      <p:sp>
+        <p:nvSpPr>
+          <p:cNvPr id="12" name="Text Placeholder 3"/>
+          <p:cNvSpPr>
+            <a:spLocks noGrp="1"/>
+          </p:cNvSpPr>
+          <p:nvPr>
+            <p:ph type="body" sz="half" idx="17"/>
+          </p:nvPr>
+        </p:nvSpPr>
+        <p:spPr>
+          <a:xfrm>
+            <a:off x="8051801" y="2904565"/>
+            <a:ext cx="3456432" cy="3314132"/>
+          </a:xfrm>
+        </p:spPr>
+        <p:txBody>
+          <a:bodyPr anchor="t">
+            <a:normAutofit/>
+          </a:bodyPr>
+          <a:lstStyle>
+            <a:lvl1pPr marL="0" indent="0">
+              <a:buNone/>
+              <a:defRPr sz="1400"/>
+            </a:lvl1pPr>
+            <a:lvl2pPr marL="457200" indent="0">
+              <a:buNone/>
+              <a:defRPr sz="1200"/>
+            </a:lvl2pPr>
+            <a:lvl3pPr marL="914400" indent="0">
+              <a:buNone/>
+              <a:defRPr sz="1000"/>
+            </a:lvl3pPr>
+            <a:lvl4pPr marL="1371600" indent="0">
+              <a:buNone/>
+              <a:defRPr sz="900"/>
+            </a:lvl4pPr>
+            <a:lvl5pPr marL="1828800" indent="0">
+              <a:buNone/>
+              <a:defRPr sz="900"/>
+            </a:lvl5pPr>
+            <a:lvl6pPr marL="2286000" indent="0">
+              <a:buNone/>
+              <a:defRPr sz="900"/>
+            </a:lvl6pPr>
+            <a:lvl7pPr marL="2743200" indent="0">
+              <a:buNone/>
+              <a:defRPr sz="900"/>
+            </a:lvl7pPr>
+            <a:lvl8pPr marL="3200400" indent="0">
+              <a:buNone/>
+              <a:defRPr sz="900"/>
+            </a:lvl8pPr>
+            <a:lvl9pPr marL="3657600" indent="0">
+              <a:buNone/>
+              <a:defRPr sz="900"/>
+            </a:lvl9pPr>
+          </a:lstStyle>
+          <a:p>
+            <a:pPr lvl="0"/>
+            <a:r>
+              <a:rPr lang="en-US"/>
+              <a:t>Edit Master text styles</a:t>
+            </a:r>
+          </a:p>
+        </p:txBody>
+      </p:sp>
+      <p:sp>
+        <p:nvSpPr>
+          <p:cNvPr id="3" name="Date Placeholder 2"/>
+          <p:cNvSpPr>
+            <a:spLocks noGrp="1"/>
+          </p:cNvSpPr>
+          <p:nvPr>
+            <p:ph type="dt" sz="half" idx="10"/>
+          </p:nvPr>
+        </p:nvSpPr>
+        <p:spPr/>
+        <p:txBody>
+          <a:bodyPr/>
+          <a:lstStyle/>
+          <a:p>
+            <a:fld id="{E0CCE10F-5DED-4112-AA23-5655795CD594}" type="datetimeFigureOut">
+              <a:rPr lang="en-US" smtClean="0"/>
+              <a:t>1/19/2019</a:t>
+            </a:fld>
+            <a:endParaRPr lang="en-US" dirty="0"/>
+          </a:p>
+        </p:txBody>
+      </p:sp>
+      <p:sp>
+        <p:nvSpPr>
+          <p:cNvPr id="4" name="Footer Placeholder 3"/>
+          <p:cNvSpPr>
+            <a:spLocks noGrp="1"/>
+          </p:cNvSpPr>
+          <p:nvPr>
+            <p:ph type="ftr" sz="quarter" idx="11"/>
+          </p:nvPr>
+        </p:nvSpPr>
+        <p:spPr/>
+        <p:txBody>
+          <a:bodyPr/>
+          <a:lstStyle/>
+          <a:p>
+            <a:endParaRPr lang="en-US" dirty="0"/>
+          </a:p>
+        </p:txBody>
+      </p:sp>
+      <p:sp>
+        <p:nvSpPr>
+          <p:cNvPr id="5" name="Slide Number Placeholder 4"/>
+          <p:cNvSpPr>
+            <a:spLocks noGrp="1"/>
+          </p:cNvSpPr>
+          <p:nvPr>
+            <p:ph type="sldNum" sz="quarter" idx="12"/>
+          </p:nvPr>
+        </p:nvSpPr>
+        <p:spPr/>
+        <p:txBody>
+          <a:bodyPr/>
+          <a:lstStyle/>
+          <a:p>
+            <a:fld id="{F52AB978-B077-4E5A-85E9-EB58F75D4152}" type="slidenum">
+              <a:rPr lang="en-US" smtClean="0"/>
+              <a:t>‹#›</a:t>
+            </a:fld>
+            <a:endParaRPr lang="en-US" dirty="0"/>
+          </a:p>
+        </p:txBody>
+      </p:sp>
+    </p:spTree>
+    <p:extLst>
+      <p:ext uri="{BB962C8B-B14F-4D97-AF65-F5344CB8AC3E}">
+        <p14:creationId xmlns:p14="http://schemas.microsoft.com/office/powerpoint/2010/main" val="555473447"/>
+      </p:ext>
+    </p:extLst>
+  </p:cSld>
+  <p:clrMapOvr>
+    <a:masterClrMapping/>
+  </p:clrMapOvr>
+</p:sldLayout>
+</file>
+
+<file path=ppt/slideLayouts/slideLayout15.xml><?xml version="1.0" encoding="utf-8"?>
+<p:sldLayout xmlns:a="http://schemas.openxmlformats.org/drawingml/2006/main" xmlns:r="http://schemas.openxmlformats.org/officeDocument/2006/relationships" xmlns:p="http://schemas.openxmlformats.org/presentationml/2006/main" preserve="1">
+  <p:cSld name="3 Picture Column">
+    <p:spTree>
+      <p:nvGrpSpPr>
+        <p:cNvPr id="1" name=""/>
+        <p:cNvGrpSpPr/>
+        <p:nvPr/>
+      </p:nvGrpSpPr>
+      <p:grpSpPr>
+        <a:xfrm>
+          <a:off x="0" y="0"/>
+          <a:ext cx="0" cy="0"/>
+          <a:chOff x="0" y="0"/>
+          <a:chExt cx="0" cy="0"/>
+        </a:xfrm>
+      </p:grpSpPr>
+      <p:sp>
+        <p:nvSpPr>
+          <p:cNvPr id="30" name="Title 1"/>
+          <p:cNvSpPr>
+            <a:spLocks noGrp="1"/>
+          </p:cNvSpPr>
+          <p:nvPr>
+            <p:ph type="title"/>
+          </p:nvPr>
+        </p:nvSpPr>
+        <p:spPr>
+          <a:xfrm>
+            <a:off x="2895600" y="762000"/>
+            <a:ext cx="8610599" cy="1295400"/>
+          </a:xfrm>
+        </p:spPr>
+        <p:txBody>
+          <a:bodyPr/>
+          <a:lstStyle/>
+          <a:p>
+            <a:r>
+              <a:rPr lang="en-US"/>
+              <a:t>Click to edit Master title style</a:t>
+            </a:r>
+            <a:endParaRPr lang="en-US" dirty="0"/>
+          </a:p>
+        </p:txBody>
+      </p:sp>
+      <p:sp>
+        <p:nvSpPr>
+          <p:cNvPr id="19" name="Text Placeholder 2"/>
+          <p:cNvSpPr>
+            <a:spLocks noGrp="1"/>
+          </p:cNvSpPr>
+          <p:nvPr>
+            <p:ph type="body" idx="1"/>
+          </p:nvPr>
+        </p:nvSpPr>
+        <p:spPr>
+          <a:xfrm>
+            <a:off x="688618" y="4191000"/>
+            <a:ext cx="3451582" cy="682765"/>
+          </a:xfrm>
+        </p:spPr>
+        <p:txBody>
+          <a:bodyPr anchor="b">
+            <a:noAutofit/>
+          </a:bodyPr>
+          <a:lstStyle>
+            <a:lvl1pPr marL="0" indent="0">
+              <a:buNone/>
+              <a:defRPr sz="2400" b="0">
+                <a:solidFill>
+                  <a:schemeClr val="tx1"/>
+                </a:solidFill>
+              </a:defRPr>
+            </a:lvl1pPr>
+            <a:lvl2pPr marL="457200" indent="0">
+              <a:buNone/>
+              <a:defRPr sz="2000" b="1"/>
+            </a:lvl2pPr>
+            <a:lvl3pPr marL="914400" indent="0">
+              <a:buNone/>
+              <a:defRPr sz="1800" b="1"/>
+            </a:lvl3pPr>
+            <a:lvl4pPr marL="1371600" indent="0">
+              <a:buNone/>
+              <a:defRPr sz="1600" b="1"/>
+            </a:lvl4pPr>
+            <a:lvl5pPr marL="1828800" indent="0">
+              <a:buNone/>
+              <a:defRPr sz="1600" b="1"/>
+            </a:lvl5pPr>
+            <a:lvl6pPr marL="2286000" indent="0">
+              <a:buNone/>
+              <a:defRPr sz="1600" b="1"/>
+            </a:lvl6pPr>
+            <a:lvl7pPr marL="2743200" indent="0">
+              <a:buNone/>
+              <a:defRPr sz="1600" b="1"/>
+            </a:lvl7pPr>
+            <a:lvl8pPr marL="3200400" indent="0">
+              <a:buNone/>
+              <a:defRPr sz="1600" b="1"/>
+            </a:lvl8pPr>
+            <a:lvl9pPr marL="3657600" indent="0">
+              <a:buNone/>
+              <a:defRPr sz="1600" b="1"/>
+            </a:lvl9pPr>
+          </a:lstStyle>
+          <a:p>
+            <a:pPr lvl="0"/>
+            <a:r>
+              <a:rPr lang="en-US"/>
+              <a:t>Edit Master text styles</a:t>
+            </a:r>
+          </a:p>
+        </p:txBody>
+      </p:sp>
+      <p:sp>
+        <p:nvSpPr>
+          <p:cNvPr id="20" name="Picture Placeholder 2"/>
+          <p:cNvSpPr>
+            <a:spLocks noGrp="1" noChangeAspect="1"/>
+          </p:cNvSpPr>
+          <p:nvPr>
+            <p:ph type="pic" idx="15"/>
+          </p:nvPr>
+        </p:nvSpPr>
+        <p:spPr>
+          <a:xfrm>
+            <a:off x="688618" y="2362200"/>
+            <a:ext cx="3451582" cy="1524000"/>
+          </a:xfrm>
+          <a:prstGeom prst="roundRect">
+            <a:avLst>
+              <a:gd name="adj" fmla="val 0"/>
+            </a:avLst>
+          </a:prstGeom>
+          <a:effectLst>
+            <a:outerShdw blurRad="50800" dist="50800" dir="5400000" algn="tl" rotWithShape="0">
+              <a:srgbClr val="000000">
+                <a:alpha val="43000"/>
+              </a:srgbClr>
+            </a:outerShdw>
+          </a:effectLst>
+        </p:spPr>
+        <p:txBody>
+          <a:bodyPr anchor="t">
+            <a:normAutofit/>
+          </a:bodyPr>
+          <a:lstStyle>
+            <a:lvl1pPr marL="0" indent="0" algn="ctr">
+              <a:buNone/>
+              <a:defRPr sz="1600"/>
+            </a:lvl1pPr>
+            <a:lvl2pPr marL="457200" indent="0">
+              <a:buNone/>
+              <a:defRPr sz="1600"/>
+            </a:lvl2pPr>
+            <a:lvl3pPr marL="914400" indent="0">
+              <a:buNone/>
+              <a:defRPr sz="1600"/>
+            </a:lvl3pPr>
+            <a:lvl4pPr marL="1371600" indent="0">
+              <a:buNone/>
+              <a:defRPr sz="1600"/>
+            </a:lvl4pPr>
+            <a:lvl5pPr marL="1828800" indent="0">
+              <a:buNone/>
+              <a:defRPr sz="1600"/>
+            </a:lvl5pPr>
+            <a:lvl6pPr marL="2286000" indent="0">
+              <a:buNone/>
+              <a:defRPr sz="1600"/>
+            </a:lvl6pPr>
+            <a:lvl7pPr marL="2743200" indent="0">
+              <a:buNone/>
+              <a:defRPr sz="1600"/>
+            </a:lvl7pPr>
+            <a:lvl8pPr marL="3200400" indent="0">
+              <a:buNone/>
+              <a:defRPr sz="1600"/>
+            </a:lvl8pPr>
+            <a:lvl9pPr marL="3657600" indent="0">
+              <a:buNone/>
+              <a:defRPr sz="1600"/>
+            </a:lvl9pPr>
+          </a:lstStyle>
+          <a:p>
+            <a:r>
+              <a:rPr lang="en-US"/>
+              <a:t>Click icon to add picture</a:t>
+            </a:r>
+            <a:endParaRPr lang="en-US" dirty="0"/>
+          </a:p>
+        </p:txBody>
+      </p:sp>
+      <p:sp>
+        <p:nvSpPr>
+          <p:cNvPr id="21" name="Text Placeholder 3"/>
+          <p:cNvSpPr>
+            <a:spLocks noGrp="1"/>
+          </p:cNvSpPr>
+          <p:nvPr>
+            <p:ph type="body" sz="half" idx="18"/>
+          </p:nvPr>
+        </p:nvSpPr>
+        <p:spPr>
+          <a:xfrm>
+            <a:off x="688618" y="4873764"/>
+            <a:ext cx="3451582" cy="1344921"/>
+          </a:xfrm>
+        </p:spPr>
+        <p:txBody>
+          <a:bodyPr anchor="t">
+            <a:normAutofit/>
+          </a:bodyPr>
+          <a:lstStyle>
+            <a:lvl1pPr marL="0" indent="0">
+              <a:buNone/>
+              <a:defRPr sz="1400"/>
+            </a:lvl1pPr>
+            <a:lvl2pPr marL="457200" indent="0">
+              <a:buNone/>
+              <a:defRPr sz="1200"/>
+            </a:lvl2pPr>
+            <a:lvl3pPr marL="914400" indent="0">
+              <a:buNone/>
+              <a:defRPr sz="1000"/>
+            </a:lvl3pPr>
+            <a:lvl4pPr marL="1371600" indent="0">
+              <a:buNone/>
+              <a:defRPr sz="900"/>
+            </a:lvl4pPr>
+            <a:lvl5pPr marL="1828800" indent="0">
+              <a:buNone/>
+              <a:defRPr sz="900"/>
+            </a:lvl5pPr>
+            <a:lvl6pPr marL="2286000" indent="0">
+              <a:buNone/>
+              <a:defRPr sz="900"/>
+            </a:lvl6pPr>
+            <a:lvl7pPr marL="2743200" indent="0">
+              <a:buNone/>
+              <a:defRPr sz="900"/>
+            </a:lvl7pPr>
+            <a:lvl8pPr marL="3200400" indent="0">
+              <a:buNone/>
+              <a:defRPr sz="900"/>
+            </a:lvl8pPr>
+            <a:lvl9pPr marL="3657600" indent="0">
+              <a:buNone/>
+              <a:defRPr sz="900"/>
+            </a:lvl9pPr>
+          </a:lstStyle>
+          <a:p>
+            <a:pPr lvl="0"/>
+            <a:r>
+              <a:rPr lang="en-US"/>
+              <a:t>Edit Master text styles</a:t>
+            </a:r>
+          </a:p>
+        </p:txBody>
+      </p:sp>
+      <p:sp>
+        <p:nvSpPr>
+          <p:cNvPr id="22" name="Text Placeholder 4"/>
+          <p:cNvSpPr>
+            <a:spLocks noGrp="1"/>
+          </p:cNvSpPr>
+          <p:nvPr>
+            <p:ph type="body" sz="quarter" idx="3"/>
+          </p:nvPr>
+        </p:nvSpPr>
+        <p:spPr>
+          <a:xfrm>
+            <a:off x="4374263" y="4191000"/>
+            <a:ext cx="3448935" cy="682765"/>
+          </a:xfrm>
+        </p:spPr>
+        <p:txBody>
+          <a:bodyPr anchor="b">
+            <a:noAutofit/>
+          </a:bodyPr>
+          <a:lstStyle>
+            <a:lvl1pPr marL="0" indent="0">
+              <a:buNone/>
+              <a:defRPr sz="2400" b="0">
+                <a:solidFill>
+                  <a:schemeClr val="tx1"/>
+                </a:solidFill>
+              </a:defRPr>
+            </a:lvl1pPr>
+            <a:lvl2pPr marL="457200" indent="0">
+              <a:buNone/>
+              <a:defRPr sz="2000" b="1"/>
+            </a:lvl2pPr>
+            <a:lvl3pPr marL="914400" indent="0">
+              <a:buNone/>
+              <a:defRPr sz="1800" b="1"/>
+            </a:lvl3pPr>
+            <a:lvl4pPr marL="1371600" indent="0">
+              <a:buNone/>
+              <a:defRPr sz="1600" b="1"/>
+            </a:lvl4pPr>
+            <a:lvl5pPr marL="1828800" indent="0">
+              <a:buNone/>
+              <a:defRPr sz="1600" b="1"/>
+            </a:lvl5pPr>
+            <a:lvl6pPr marL="2286000" indent="0">
+              <a:buNone/>
+              <a:defRPr sz="1600" b="1"/>
+            </a:lvl6pPr>
+            <a:lvl7pPr marL="2743200" indent="0">
+              <a:buNone/>
+              <a:defRPr sz="1600" b="1"/>
+            </a:lvl7pPr>
+            <a:lvl8pPr marL="3200400" indent="0">
+              <a:buNone/>
+              <a:defRPr sz="1600" b="1"/>
+            </a:lvl8pPr>
+            <a:lvl9pPr marL="3657600" indent="0">
+              <a:buNone/>
+              <a:defRPr sz="1600" b="1"/>
+            </a:lvl9pPr>
+          </a:lstStyle>
+          <a:p>
+            <a:pPr lvl="0"/>
+            <a:r>
+              <a:rPr lang="en-US"/>
+              <a:t>Edit Master text styles</a:t>
+            </a:r>
+          </a:p>
+        </p:txBody>
+      </p:sp>
+      <p:sp>
+        <p:nvSpPr>
+          <p:cNvPr id="23" name="Picture Placeholder 2"/>
+          <p:cNvSpPr>
+            <a:spLocks noGrp="1" noChangeAspect="1"/>
+          </p:cNvSpPr>
+          <p:nvPr>
+            <p:ph type="pic" idx="21"/>
+          </p:nvPr>
+        </p:nvSpPr>
+        <p:spPr>
+          <a:xfrm>
+            <a:off x="4374263" y="2362200"/>
+            <a:ext cx="3448936" cy="1524000"/>
+          </a:xfrm>
+          <a:prstGeom prst="roundRect">
+            <a:avLst>
+              <a:gd name="adj" fmla="val 0"/>
+            </a:avLst>
+          </a:prstGeom>
+          <a:effectLst>
+            <a:outerShdw blurRad="50800" dist="50800" dir="5400000" algn="tl" rotWithShape="0">
+              <a:srgbClr val="000000">
+                <a:alpha val="43000"/>
+              </a:srgbClr>
+            </a:outerShdw>
+          </a:effectLst>
+        </p:spPr>
+        <p:txBody>
+          <a:bodyPr anchor="t">
+            <a:normAutofit/>
+          </a:bodyPr>
+          <a:lstStyle>
+            <a:lvl1pPr marL="0" indent="0" algn="ctr">
+              <a:buNone/>
+              <a:defRPr sz="1600"/>
+            </a:lvl1pPr>
+            <a:lvl2pPr marL="457200" indent="0">
+              <a:buNone/>
+              <a:defRPr sz="1600"/>
+            </a:lvl2pPr>
+            <a:lvl3pPr marL="914400" indent="0">
+              <a:buNone/>
+              <a:defRPr sz="1600"/>
+            </a:lvl3pPr>
+            <a:lvl4pPr marL="1371600" indent="0">
+              <a:buNone/>
+              <a:defRPr sz="1600"/>
+            </a:lvl4pPr>
+            <a:lvl5pPr marL="1828800" indent="0">
+              <a:buNone/>
+              <a:defRPr sz="1600"/>
+            </a:lvl5pPr>
+            <a:lvl6pPr marL="2286000" indent="0">
+              <a:buNone/>
+              <a:defRPr sz="1600"/>
+            </a:lvl6pPr>
+            <a:lvl7pPr marL="2743200" indent="0">
+              <a:buNone/>
+              <a:defRPr sz="1600"/>
+            </a:lvl7pPr>
+            <a:lvl8pPr marL="3200400" indent="0">
+              <a:buNone/>
+              <a:defRPr sz="1600"/>
+            </a:lvl8pPr>
+            <a:lvl9pPr marL="3657600" indent="0">
+              <a:buNone/>
+              <a:defRPr sz="1600"/>
+            </a:lvl9pPr>
+          </a:lstStyle>
+          <a:p>
+            <a:r>
+              <a:rPr lang="en-US"/>
+              <a:t>Click icon to add picture</a:t>
+            </a:r>
+            <a:endParaRPr lang="en-US" dirty="0"/>
+          </a:p>
+        </p:txBody>
+      </p:sp>
+      <p:sp>
+        <p:nvSpPr>
+          <p:cNvPr id="24" name="Text Placeholder 3"/>
+          <p:cNvSpPr>
+            <a:spLocks noGrp="1"/>
+          </p:cNvSpPr>
+          <p:nvPr>
+            <p:ph type="body" sz="half" idx="19"/>
+          </p:nvPr>
+        </p:nvSpPr>
+        <p:spPr>
+          <a:xfrm>
+            <a:off x="4374264" y="4873763"/>
+            <a:ext cx="3448935" cy="1344921"/>
+          </a:xfrm>
+        </p:spPr>
+        <p:txBody>
+          <a:bodyPr anchor="t">
+            <a:normAutofit/>
+          </a:bodyPr>
+          <a:lstStyle>
+            <a:lvl1pPr marL="0" indent="0">
+              <a:buNone/>
+              <a:defRPr sz="1400"/>
+            </a:lvl1pPr>
+            <a:lvl2pPr marL="457200" indent="0">
+              <a:buNone/>
+              <a:defRPr sz="1200"/>
+            </a:lvl2pPr>
+            <a:lvl3pPr marL="914400" indent="0">
+              <a:buNone/>
+              <a:defRPr sz="1000"/>
+            </a:lvl3pPr>
+            <a:lvl4pPr marL="1371600" indent="0">
+              <a:buNone/>
+              <a:defRPr sz="900"/>
+            </a:lvl4pPr>
+            <a:lvl5pPr marL="1828800" indent="0">
+              <a:buNone/>
+              <a:defRPr sz="900"/>
+            </a:lvl5pPr>
+            <a:lvl6pPr marL="2286000" indent="0">
+              <a:buNone/>
+              <a:defRPr sz="900"/>
+            </a:lvl6pPr>
+            <a:lvl7pPr marL="2743200" indent="0">
+              <a:buNone/>
+              <a:defRPr sz="900"/>
+            </a:lvl7pPr>
+            <a:lvl8pPr marL="3200400" indent="0">
+              <a:buNone/>
+              <a:defRPr sz="900"/>
+            </a:lvl8pPr>
+            <a:lvl9pPr marL="3657600" indent="0">
+              <a:buNone/>
+              <a:defRPr sz="900"/>
+            </a:lvl9pPr>
+          </a:lstStyle>
+          <a:p>
+            <a:pPr lvl="0"/>
+            <a:r>
+              <a:rPr lang="en-US"/>
+              <a:t>Edit Master text styles</a:t>
+            </a:r>
+          </a:p>
+        </p:txBody>
+      </p:sp>
+      <p:sp>
+        <p:nvSpPr>
+          <p:cNvPr id="25" name="Text Placeholder 4"/>
+          <p:cNvSpPr>
+            <a:spLocks noGrp="1"/>
+          </p:cNvSpPr>
+          <p:nvPr>
+            <p:ph type="body" sz="quarter" idx="13"/>
+          </p:nvPr>
+        </p:nvSpPr>
+        <p:spPr>
+          <a:xfrm>
+            <a:off x="8049731" y="4191000"/>
+            <a:ext cx="3456469" cy="682765"/>
+          </a:xfrm>
+        </p:spPr>
+        <p:txBody>
+          <a:bodyPr anchor="b">
+            <a:noAutofit/>
+          </a:bodyPr>
+          <a:lstStyle>
+            <a:lvl1pPr marL="0" indent="0">
+              <a:buNone/>
+              <a:defRPr sz="2400" b="0">
+                <a:solidFill>
+                  <a:schemeClr val="tx1"/>
+                </a:solidFill>
+              </a:defRPr>
+            </a:lvl1pPr>
+            <a:lvl2pPr marL="457200" indent="0">
+              <a:buNone/>
+              <a:defRPr sz="2000" b="1"/>
+            </a:lvl2pPr>
+            <a:lvl3pPr marL="914400" indent="0">
+              <a:buNone/>
+              <a:defRPr sz="1800" b="1"/>
+            </a:lvl3pPr>
+            <a:lvl4pPr marL="1371600" indent="0">
+              <a:buNone/>
+              <a:defRPr sz="1600" b="1"/>
+            </a:lvl4pPr>
+            <a:lvl5pPr marL="1828800" indent="0">
+              <a:buNone/>
+              <a:defRPr sz="1600" b="1"/>
+            </a:lvl5pPr>
+            <a:lvl6pPr marL="2286000" indent="0">
+              <a:buNone/>
+              <a:defRPr sz="1600" b="1"/>
+            </a:lvl6pPr>
+            <a:lvl7pPr marL="2743200" indent="0">
+              <a:buNone/>
+              <a:defRPr sz="1600" b="1"/>
+            </a:lvl7pPr>
+            <a:lvl8pPr marL="3200400" indent="0">
+              <a:buNone/>
+              <a:defRPr sz="1600" b="1"/>
+            </a:lvl8pPr>
+            <a:lvl9pPr marL="3657600" indent="0">
+              <a:buNone/>
+              <a:defRPr sz="1600" b="1"/>
+            </a:lvl9pPr>
+          </a:lstStyle>
+          <a:p>
+            <a:pPr lvl="0"/>
+            <a:r>
+              <a:rPr lang="en-US"/>
+              <a:t>Edit Master text styles</a:t>
+            </a:r>
+          </a:p>
+        </p:txBody>
+      </p:sp>
+      <p:sp>
+        <p:nvSpPr>
+          <p:cNvPr id="26" name="Picture Placeholder 2"/>
+          <p:cNvSpPr>
+            <a:spLocks noGrp="1" noChangeAspect="1"/>
+          </p:cNvSpPr>
+          <p:nvPr>
+            <p:ph type="pic" idx="22"/>
+          </p:nvPr>
+        </p:nvSpPr>
+        <p:spPr>
+          <a:xfrm>
+            <a:off x="8049855" y="2362200"/>
+            <a:ext cx="3447878" cy="1524000"/>
+          </a:xfrm>
+          <a:prstGeom prst="roundRect">
+            <a:avLst>
+              <a:gd name="adj" fmla="val 0"/>
+            </a:avLst>
+          </a:prstGeom>
+          <a:effectLst>
+            <a:outerShdw blurRad="50800" dist="50800" dir="5400000" algn="tl" rotWithShape="0">
+              <a:srgbClr val="000000">
+                <a:alpha val="43000"/>
+              </a:srgbClr>
+            </a:outerShdw>
+          </a:effectLst>
+        </p:spPr>
+        <p:txBody>
+          <a:bodyPr anchor="t">
+            <a:normAutofit/>
+          </a:bodyPr>
+          <a:lstStyle>
+            <a:lvl1pPr marL="0" indent="0" algn="ctr">
+              <a:buNone/>
+              <a:defRPr sz="1600"/>
+            </a:lvl1pPr>
+            <a:lvl2pPr marL="457200" indent="0">
+              <a:buNone/>
+              <a:defRPr sz="1600"/>
+            </a:lvl2pPr>
+            <a:lvl3pPr marL="914400" indent="0">
+              <a:buNone/>
+              <a:defRPr sz="1600"/>
+            </a:lvl3pPr>
+            <a:lvl4pPr marL="1371600" indent="0">
+              <a:buNone/>
+              <a:defRPr sz="1600"/>
+            </a:lvl4pPr>
+            <a:lvl5pPr marL="1828800" indent="0">
+              <a:buNone/>
+              <a:defRPr sz="1600"/>
+            </a:lvl5pPr>
+            <a:lvl6pPr marL="2286000" indent="0">
+              <a:buNone/>
+              <a:defRPr sz="1600"/>
+            </a:lvl6pPr>
+            <a:lvl7pPr marL="2743200" indent="0">
+              <a:buNone/>
+              <a:defRPr sz="1600"/>
+            </a:lvl7pPr>
+            <a:lvl8pPr marL="3200400" indent="0">
+              <a:buNone/>
+              <a:defRPr sz="1600"/>
+            </a:lvl8pPr>
+            <a:lvl9pPr marL="3657600" indent="0">
+              <a:buNone/>
+              <a:defRPr sz="1600"/>
+            </a:lvl9pPr>
+          </a:lstStyle>
+          <a:p>
+            <a:r>
+              <a:rPr lang="en-US"/>
+              <a:t>Click icon to add picture</a:t>
+            </a:r>
+            <a:endParaRPr lang="en-US" dirty="0"/>
+          </a:p>
+        </p:txBody>
+      </p:sp>
+      <p:sp>
+        <p:nvSpPr>
+          <p:cNvPr id="27" name="Text Placeholder 3"/>
+          <p:cNvSpPr>
+            <a:spLocks noGrp="1"/>
+          </p:cNvSpPr>
+          <p:nvPr>
+            <p:ph type="body" sz="half" idx="20"/>
+          </p:nvPr>
+        </p:nvSpPr>
+        <p:spPr>
+          <a:xfrm>
+            <a:off x="8049731" y="4873761"/>
+            <a:ext cx="3452445" cy="1344921"/>
+          </a:xfrm>
+        </p:spPr>
+        <p:txBody>
+          <a:bodyPr anchor="t">
+            <a:normAutofit/>
+          </a:bodyPr>
+          <a:lstStyle>
+            <a:lvl1pPr marL="0" indent="0">
+              <a:buNone/>
+              <a:defRPr sz="1400"/>
+            </a:lvl1pPr>
+            <a:lvl2pPr marL="457200" indent="0">
+              <a:buNone/>
+              <a:defRPr sz="1200"/>
+            </a:lvl2pPr>
+            <a:lvl3pPr marL="914400" indent="0">
+              <a:buNone/>
+              <a:defRPr sz="1000"/>
+            </a:lvl3pPr>
+            <a:lvl4pPr marL="1371600" indent="0">
+              <a:buNone/>
+              <a:defRPr sz="900"/>
+            </a:lvl4pPr>
+            <a:lvl5pPr marL="1828800" indent="0">
+              <a:buNone/>
+              <a:defRPr sz="900"/>
+            </a:lvl5pPr>
+            <a:lvl6pPr marL="2286000" indent="0">
+              <a:buNone/>
+              <a:defRPr sz="900"/>
+            </a:lvl6pPr>
+            <a:lvl7pPr marL="2743200" indent="0">
+              <a:buNone/>
+              <a:defRPr sz="900"/>
+            </a:lvl7pPr>
+            <a:lvl8pPr marL="3200400" indent="0">
+              <a:buNone/>
+              <a:defRPr sz="900"/>
+            </a:lvl8pPr>
+            <a:lvl9pPr marL="3657600" indent="0">
+              <a:buNone/>
+              <a:defRPr sz="900"/>
+            </a:lvl9pPr>
+          </a:lstStyle>
+          <a:p>
+            <a:pPr lvl="0"/>
+            <a:r>
+              <a:rPr lang="en-US"/>
+              <a:t>Edit Master text styles</a:t>
+            </a:r>
+          </a:p>
+        </p:txBody>
+      </p:sp>
+      <p:sp>
+        <p:nvSpPr>
+          <p:cNvPr id="3" name="Date Placeholder 2"/>
+          <p:cNvSpPr>
+            <a:spLocks noGrp="1"/>
+          </p:cNvSpPr>
+          <p:nvPr>
+            <p:ph type="dt" sz="half" idx="10"/>
+          </p:nvPr>
+        </p:nvSpPr>
+        <p:spPr/>
+        <p:txBody>
+          <a:bodyPr/>
+          <a:lstStyle/>
+          <a:p>
+            <a:fld id="{E0CCE10F-5DED-4112-AA23-5655795CD594}" type="datetimeFigureOut">
+              <a:rPr lang="en-US" smtClean="0"/>
+              <a:t>1/19/2019</a:t>
+            </a:fld>
+            <a:endParaRPr lang="en-US" dirty="0"/>
+          </a:p>
+        </p:txBody>
+      </p:sp>
+      <p:sp>
+        <p:nvSpPr>
+          <p:cNvPr id="4" name="Footer Placeholder 3"/>
+          <p:cNvSpPr>
+            <a:spLocks noGrp="1"/>
+          </p:cNvSpPr>
+          <p:nvPr>
+            <p:ph type="ftr" sz="quarter" idx="11"/>
+          </p:nvPr>
+        </p:nvSpPr>
+        <p:spPr/>
+        <p:txBody>
+          <a:bodyPr/>
+          <a:lstStyle/>
+          <a:p>
+            <a:endParaRPr lang="en-US" dirty="0"/>
+          </a:p>
+        </p:txBody>
+      </p:sp>
+      <p:sp>
+        <p:nvSpPr>
+          <p:cNvPr id="5" name="Slide Number Placeholder 4"/>
+          <p:cNvSpPr>
+            <a:spLocks noGrp="1"/>
+          </p:cNvSpPr>
+          <p:nvPr>
+            <p:ph type="sldNum" sz="quarter" idx="12"/>
+          </p:nvPr>
+        </p:nvSpPr>
+        <p:spPr/>
+        <p:txBody>
+          <a:bodyPr/>
+          <a:lstStyle/>
+          <a:p>
+            <a:fld id="{F52AB978-B077-4E5A-85E9-EB58F75D4152}" type="slidenum">
+              <a:rPr lang="en-US" smtClean="0"/>
+              <a:t>‹#›</a:t>
+            </a:fld>
+            <a:endParaRPr lang="en-US" dirty="0"/>
+          </a:p>
+        </p:txBody>
+      </p:sp>
+    </p:spTree>
+    <p:extLst>
+      <p:ext uri="{BB962C8B-B14F-4D97-AF65-F5344CB8AC3E}">
+        <p14:creationId xmlns:p14="http://schemas.microsoft.com/office/powerpoint/2010/main" val="1412282774"/>
+      </p:ext>
+    </p:extLst>
+  </p:cSld>
+  <p:clrMapOvr>
+    <a:masterClrMapping/>
+  </p:clrMapOvr>
+</p:sldLayout>
+</file>
+
+<file path=ppt/slideLayouts/slideLayout16.xml><?xml version="1.0" encoding="utf-8"?>
 <p:sldLayout xmlns:a="http://schemas.openxmlformats.org/drawingml/2006/main" xmlns:r="http://schemas.openxmlformats.org/officeDocument/2006/relationships" xmlns:p="http://schemas.openxmlformats.org/presentationml/2006/main" type="vertTx" preserve="1">
   <p:cSld name="Title and Vertical Text">
     <p:spTree>
@@ -355,13 +2980,7 @@
       </p:grpSpPr>
       <p:sp>
         <p:nvSpPr>
-          <p:cNvPr id="2" name="Title 1">
-            <a:extLst>
-              <a:ext uri="{FF2B5EF4-FFF2-40B4-BE49-F238E27FC236}">
-                <a16:creationId xmlns:a16="http://schemas.microsoft.com/office/drawing/2014/main" id="{8584C3D1-CCFD-44AF-A988-389942AEF1C7}"/>
-              </a:ext>
-            </a:extLst>
-          </p:cNvPr>
+          <p:cNvPr id="2" name="Title 1"/>
           <p:cNvSpPr>
             <a:spLocks noGrp="1"/>
           </p:cNvSpPr>
@@ -378,18 +2997,13 @@
               <a:rPr lang="en-US"/>
               <a:t>Click to edit Master title style</a:t>
             </a:r>
-          </a:p>
-        </p:txBody>
-      </p:sp>
-      <p:sp>
-        <p:nvSpPr>
-          <p:cNvPr id="3" name="Vertical Text Placeholder 2">
-            <a:extLst>
-              <a:ext uri="{FF2B5EF4-FFF2-40B4-BE49-F238E27FC236}">
-                <a16:creationId xmlns:a16="http://schemas.microsoft.com/office/drawing/2014/main" id="{0B48778D-F893-4C5B-96AF-9AEEE67FBD40}"/>
-              </a:ext>
-            </a:extLst>
-          </p:cNvPr>
+            <a:endParaRPr lang="en-US" dirty="0"/>
+          </a:p>
+        </p:txBody>
+      </p:sp>
+      <p:sp>
+        <p:nvSpPr>
+          <p:cNvPr id="3" name="Vertical Text Placeholder 2"/>
           <p:cNvSpPr>
             <a:spLocks noGrp="1"/>
           </p:cNvSpPr>
@@ -397,7 +3011,12 @@
             <p:ph type="body" orient="vert" idx="1"/>
           </p:nvPr>
         </p:nvSpPr>
-        <p:spPr/>
+        <p:spPr>
+          <a:xfrm>
+            <a:off x="685800" y="2194559"/>
+            <a:ext cx="10820400" cy="4024125"/>
+          </a:xfrm>
+        </p:spPr>
         <p:txBody>
           <a:bodyPr vert="eaVert"/>
           <a:lstStyle/>
@@ -435,18 +3054,13 @@
               <a:rPr lang="en-US"/>
               <a:t>Fifth level</a:t>
             </a:r>
-          </a:p>
-        </p:txBody>
-      </p:sp>
-      <p:sp>
-        <p:nvSpPr>
-          <p:cNvPr id="4" name="Date Placeholder 3">
-            <a:extLst>
-              <a:ext uri="{FF2B5EF4-FFF2-40B4-BE49-F238E27FC236}">
-                <a16:creationId xmlns:a16="http://schemas.microsoft.com/office/drawing/2014/main" id="{4D70193F-9DB5-4E53-ACA2-7DA940C0254D}"/>
-              </a:ext>
-            </a:extLst>
-          </p:cNvPr>
+            <a:endParaRPr lang="en-US" dirty="0"/>
+          </a:p>
+        </p:txBody>
+      </p:sp>
+      <p:sp>
+        <p:nvSpPr>
+          <p:cNvPr id="4" name="Date Placeholder 3"/>
           <p:cNvSpPr>
             <a:spLocks noGrp="1"/>
           </p:cNvSpPr>
@@ -469,13 +3083,7 @@
       </p:sp>
       <p:sp>
         <p:nvSpPr>
-          <p:cNvPr id="5" name="Footer Placeholder 4">
-            <a:extLst>
-              <a:ext uri="{FF2B5EF4-FFF2-40B4-BE49-F238E27FC236}">
-                <a16:creationId xmlns:a16="http://schemas.microsoft.com/office/drawing/2014/main" id="{3759A009-2549-4711-8B7F-8C9D4DB997B1}"/>
-              </a:ext>
-            </a:extLst>
-          </p:cNvPr>
+          <p:cNvPr id="5" name="Footer Placeholder 4"/>
           <p:cNvSpPr>
             <a:spLocks noGrp="1"/>
           </p:cNvSpPr>
@@ -494,13 +3102,7 @@
       </p:sp>
       <p:sp>
         <p:nvSpPr>
-          <p:cNvPr id="6" name="Slide Number Placeholder 5">
-            <a:extLst>
-              <a:ext uri="{FF2B5EF4-FFF2-40B4-BE49-F238E27FC236}">
-                <a16:creationId xmlns:a16="http://schemas.microsoft.com/office/drawing/2014/main" id="{D1A57155-6F2F-47C5-A2BE-9F24EB6BCA69}"/>
-              </a:ext>
-            </a:extLst>
-          </p:cNvPr>
+          <p:cNvPr id="6" name="Slide Number Placeholder 5"/>
           <p:cNvSpPr>
             <a:spLocks noGrp="1"/>
           </p:cNvSpPr>
@@ -524,7 +3126,7 @@
     </p:spTree>
     <p:extLst>
       <p:ext uri="{BB962C8B-B14F-4D97-AF65-F5344CB8AC3E}">
-        <p14:creationId xmlns:p14="http://schemas.microsoft.com/office/powerpoint/2010/main" val="1288197571"/>
+        <p14:creationId xmlns:p14="http://schemas.microsoft.com/office/powerpoint/2010/main" val="374828688"/>
       </p:ext>
     </p:extLst>
   </p:cSld>
@@ -534,8 +3136,8 @@
 </p:sldLayout>
 </file>
 
-<file path=ppt/slideLayouts/slideLayout11.xml><?xml version="1.0" encoding="utf-8"?>
-<p:sldLayout xmlns:a="http://schemas.openxmlformats.org/drawingml/2006/main" xmlns:r="http://schemas.openxmlformats.org/officeDocument/2006/relationships" xmlns:p="http://schemas.openxmlformats.org/presentationml/2006/main" type="vertTitleAndTx" preserve="1">
+<file path=ppt/slideLayouts/slideLayout17.xml><?xml version="1.0" encoding="utf-8"?>
+<p:sldLayout xmlns:a="http://schemas.openxmlformats.org/drawingml/2006/main" xmlns:r="http://schemas.openxmlformats.org/officeDocument/2006/relationships" xmlns:p="http://schemas.openxmlformats.org/presentationml/2006/main" showMasterSp="0" type="vertTitleAndTx" preserve="1">
   <p:cSld name="Vertical Title and Text">
     <p:spTree>
       <p:nvGrpSpPr>
@@ -551,15 +3153,39 @@
           <a:chExt cx="0" cy="0"/>
         </a:xfrm>
       </p:grpSpPr>
-      <p:sp>
-        <p:nvSpPr>
-          <p:cNvPr id="2" name="Vertical Title 1">
+      <p:pic>
+        <p:nvPicPr>
+          <p:cNvPr id="8" name="Picture 7" descr="C0-HD-BTM.png"/>
+          <p:cNvPicPr>
+            <a:picLocks noChangeAspect="1"/>
+          </p:cNvPicPr>
+          <p:nvPr/>
+        </p:nvPicPr>
+        <p:blipFill>
+          <a:blip r:embed="rId2">
             <a:extLst>
-              <a:ext uri="{FF2B5EF4-FFF2-40B4-BE49-F238E27FC236}">
-                <a16:creationId xmlns:a16="http://schemas.microsoft.com/office/drawing/2014/main" id="{DBB12CB8-281D-4F3B-BB99-73ACCDEE9D86}"/>
+              <a:ext uri="{28A0092B-C50C-407E-A947-70E740481C1C}">
+                <a14:useLocalDpi xmlns:a14="http://schemas.microsoft.com/office/drawing/2010/main" val="0"/>
               </a:ext>
             </a:extLst>
-          </p:cNvPr>
+          </a:blip>
+          <a:stretch>
+            <a:fillRect/>
+          </a:stretch>
+        </p:blipFill>
+        <p:spPr>
+          <a:xfrm>
+            <a:off x="0" y="4375150"/>
+            <a:ext cx="12192000" cy="2482850"/>
+          </a:xfrm>
+          <a:prstGeom prst="rect">
+            <a:avLst/>
+          </a:prstGeom>
+        </p:spPr>
+      </p:pic>
+      <p:sp>
+        <p:nvSpPr>
+          <p:cNvPr id="2" name="Vertical Title 1"/>
           <p:cNvSpPr>
             <a:spLocks noGrp="1"/>
           </p:cNvSpPr>
@@ -569,30 +3195,29 @@
         </p:nvSpPr>
         <p:spPr>
           <a:xfrm>
-            <a:off x="8724900" y="365125"/>
-            <a:ext cx="2628900" cy="5811838"/>
+            <a:off x="9448800" y="745066"/>
+            <a:ext cx="2057400" cy="3903133"/>
           </a:xfrm>
         </p:spPr>
         <p:txBody>
           <a:bodyPr vert="eaVert"/>
-          <a:lstStyle/>
+          <a:lstStyle>
+            <a:lvl1pPr algn="l">
+              <a:defRPr/>
+            </a:lvl1pPr>
+          </a:lstStyle>
           <a:p>
             <a:r>
               <a:rPr lang="en-US"/>
               <a:t>Click to edit Master title style</a:t>
             </a:r>
-          </a:p>
-        </p:txBody>
-      </p:sp>
-      <p:sp>
-        <p:nvSpPr>
-          <p:cNvPr id="3" name="Vertical Text Placeholder 2">
-            <a:extLst>
-              <a:ext uri="{FF2B5EF4-FFF2-40B4-BE49-F238E27FC236}">
-                <a16:creationId xmlns:a16="http://schemas.microsoft.com/office/drawing/2014/main" id="{2ADC99F9-08CD-4F79-B4CD-38FB3196BCBD}"/>
-              </a:ext>
-            </a:extLst>
-          </p:cNvPr>
+            <a:endParaRPr lang="en-US" dirty="0"/>
+          </a:p>
+        </p:txBody>
+      </p:sp>
+      <p:sp>
+        <p:nvSpPr>
+          <p:cNvPr id="3" name="Vertical Text Placeholder 2"/>
           <p:cNvSpPr>
             <a:spLocks noGrp="1"/>
           </p:cNvSpPr>
@@ -602,8 +3227,8 @@
         </p:nvSpPr>
         <p:spPr>
           <a:xfrm>
-            <a:off x="838200" y="365125"/>
-            <a:ext cx="7734300" cy="5811838"/>
+            <a:off x="1024466" y="745067"/>
+            <a:ext cx="8204201" cy="3903133"/>
           </a:xfrm>
         </p:spPr>
         <p:txBody>
@@ -643,18 +3268,13 @@
               <a:rPr lang="en-US"/>
               <a:t>Fifth level</a:t>
             </a:r>
-          </a:p>
-        </p:txBody>
-      </p:sp>
-      <p:sp>
-        <p:nvSpPr>
-          <p:cNvPr id="4" name="Date Placeholder 3">
-            <a:extLst>
-              <a:ext uri="{FF2B5EF4-FFF2-40B4-BE49-F238E27FC236}">
-                <a16:creationId xmlns:a16="http://schemas.microsoft.com/office/drawing/2014/main" id="{A15B8880-77E4-429C-86FA-A73A2BADA101}"/>
-              </a:ext>
-            </a:extLst>
-          </p:cNvPr>
+            <a:endParaRPr lang="en-US" dirty="0"/>
+          </a:p>
+        </p:txBody>
+      </p:sp>
+      <p:sp>
+        <p:nvSpPr>
+          <p:cNvPr id="4" name="Date Placeholder 3"/>
           <p:cNvSpPr>
             <a:spLocks noGrp="1"/>
           </p:cNvSpPr>
@@ -662,10 +3282,19 @@
             <p:ph type="dt" sz="half" idx="10"/>
           </p:nvPr>
         </p:nvSpPr>
-        <p:spPr/>
+        <p:spPr>
+          <a:xfrm>
+            <a:off x="7814452" y="379941"/>
+            <a:ext cx="2910840" cy="365125"/>
+          </a:xfrm>
+        </p:spPr>
         <p:txBody>
           <a:bodyPr/>
-          <a:lstStyle/>
+          <a:lstStyle>
+            <a:lvl1pPr algn="r">
+              <a:defRPr/>
+            </a:lvl1pPr>
+          </a:lstStyle>
           <a:p>
             <a:fld id="{E0CCE10F-5DED-4112-AA23-5655795CD594}" type="datetimeFigureOut">
               <a:rPr lang="en-US" smtClean="0"/>
@@ -677,13 +3306,7 @@
       </p:sp>
       <p:sp>
         <p:nvSpPr>
-          <p:cNvPr id="5" name="Footer Placeholder 4">
-            <a:extLst>
-              <a:ext uri="{FF2B5EF4-FFF2-40B4-BE49-F238E27FC236}">
-                <a16:creationId xmlns:a16="http://schemas.microsoft.com/office/drawing/2014/main" id="{3E3E38D0-F232-48A6-9D7A-EC496E021929}"/>
-              </a:ext>
-            </a:extLst>
-          </p:cNvPr>
+          <p:cNvPr id="5" name="Footer Placeholder 4"/>
           <p:cNvSpPr>
             <a:spLocks noGrp="1"/>
           </p:cNvSpPr>
@@ -691,7 +3314,12 @@
             <p:ph type="ftr" sz="quarter" idx="11"/>
           </p:nvPr>
         </p:nvSpPr>
-        <p:spPr/>
+        <p:spPr>
+          <a:xfrm>
+            <a:off x="685800" y="381000"/>
+            <a:ext cx="6991492" cy="365125"/>
+          </a:xfrm>
+        </p:spPr>
         <p:txBody>
           <a:bodyPr/>
           <a:lstStyle/>
@@ -702,13 +3330,7 @@
       </p:sp>
       <p:sp>
         <p:nvSpPr>
-          <p:cNvPr id="6" name="Slide Number Placeholder 5">
-            <a:extLst>
-              <a:ext uri="{FF2B5EF4-FFF2-40B4-BE49-F238E27FC236}">
-                <a16:creationId xmlns:a16="http://schemas.microsoft.com/office/drawing/2014/main" id="{48059487-176A-4F06-B2C9-ED220F7BD8C8}"/>
-              </a:ext>
-            </a:extLst>
-          </p:cNvPr>
+          <p:cNvPr id="6" name="Slide Number Placeholder 5"/>
           <p:cNvSpPr>
             <a:spLocks noGrp="1"/>
           </p:cNvSpPr>
@@ -716,7 +3338,12 @@
             <p:ph type="sldNum" sz="quarter" idx="12"/>
           </p:nvPr>
         </p:nvSpPr>
-        <p:spPr/>
+        <p:spPr>
+          <a:xfrm>
+            <a:off x="10862452" y="381000"/>
+            <a:ext cx="643748" cy="365125"/>
+          </a:xfrm>
+        </p:spPr>
         <p:txBody>
           <a:bodyPr/>
           <a:lstStyle/>
@@ -732,7 +3359,7 @@
     </p:spTree>
     <p:extLst>
       <p:ext uri="{BB962C8B-B14F-4D97-AF65-F5344CB8AC3E}">
-        <p14:creationId xmlns:p14="http://schemas.microsoft.com/office/powerpoint/2010/main" val="432884294"/>
+        <p14:creationId xmlns:p14="http://schemas.microsoft.com/office/powerpoint/2010/main" val="791303102"/>
       </p:ext>
     </p:extLst>
   </p:cSld>
@@ -761,13 +3388,7 @@
       </p:grpSpPr>
       <p:sp>
         <p:nvSpPr>
-          <p:cNvPr id="2" name="Title 1">
-            <a:extLst>
-              <a:ext uri="{FF2B5EF4-FFF2-40B4-BE49-F238E27FC236}">
-                <a16:creationId xmlns:a16="http://schemas.microsoft.com/office/drawing/2014/main" id="{FC9265F1-2D82-4E35-8156-77272EA82F8B}"/>
-              </a:ext>
-            </a:extLst>
-          </p:cNvPr>
+          <p:cNvPr id="2" name="Title 1"/>
           <p:cNvSpPr>
             <a:spLocks noGrp="1"/>
           </p:cNvSpPr>
@@ -784,18 +3405,13 @@
               <a:rPr lang="en-US"/>
               <a:t>Click to edit Master title style</a:t>
             </a:r>
-          </a:p>
-        </p:txBody>
-      </p:sp>
-      <p:sp>
-        <p:nvSpPr>
-          <p:cNvPr id="3" name="Content Placeholder 2">
-            <a:extLst>
-              <a:ext uri="{FF2B5EF4-FFF2-40B4-BE49-F238E27FC236}">
-                <a16:creationId xmlns:a16="http://schemas.microsoft.com/office/drawing/2014/main" id="{CB4BA642-BD43-449C-9861-87003AE16BE9}"/>
-              </a:ext>
-            </a:extLst>
-          </p:cNvPr>
+            <a:endParaRPr lang="en-US" dirty="0"/>
+          </a:p>
+        </p:txBody>
+      </p:sp>
+      <p:sp>
+        <p:nvSpPr>
+          <p:cNvPr id="3" name="Content Placeholder 2"/>
           <p:cNvSpPr>
             <a:spLocks noGrp="1"/>
           </p:cNvSpPr>
@@ -841,18 +3457,13 @@
               <a:rPr lang="en-US"/>
               <a:t>Fifth level</a:t>
             </a:r>
-          </a:p>
-        </p:txBody>
-      </p:sp>
-      <p:sp>
-        <p:nvSpPr>
-          <p:cNvPr id="4" name="Date Placeholder 3">
-            <a:extLst>
-              <a:ext uri="{FF2B5EF4-FFF2-40B4-BE49-F238E27FC236}">
-                <a16:creationId xmlns:a16="http://schemas.microsoft.com/office/drawing/2014/main" id="{C596267C-369E-46F2-8C15-6EF16412CA56}"/>
-              </a:ext>
-            </a:extLst>
-          </p:cNvPr>
+            <a:endParaRPr lang="en-US" dirty="0"/>
+          </a:p>
+        </p:txBody>
+      </p:sp>
+      <p:sp>
+        <p:nvSpPr>
+          <p:cNvPr id="4" name="Date Placeholder 3"/>
           <p:cNvSpPr>
             <a:spLocks noGrp="1"/>
           </p:cNvSpPr>
@@ -875,13 +3486,7 @@
       </p:sp>
       <p:sp>
         <p:nvSpPr>
-          <p:cNvPr id="5" name="Footer Placeholder 4">
-            <a:extLst>
-              <a:ext uri="{FF2B5EF4-FFF2-40B4-BE49-F238E27FC236}">
-                <a16:creationId xmlns:a16="http://schemas.microsoft.com/office/drawing/2014/main" id="{76717923-19BB-4701-9139-7EA4E1C8CED0}"/>
-              </a:ext>
-            </a:extLst>
-          </p:cNvPr>
+          <p:cNvPr id="5" name="Footer Placeholder 4"/>
           <p:cNvSpPr>
             <a:spLocks noGrp="1"/>
           </p:cNvSpPr>
@@ -900,13 +3505,7 @@
       </p:sp>
       <p:sp>
         <p:nvSpPr>
-          <p:cNvPr id="6" name="Slide Number Placeholder 5">
-            <a:extLst>
-              <a:ext uri="{FF2B5EF4-FFF2-40B4-BE49-F238E27FC236}">
-                <a16:creationId xmlns:a16="http://schemas.microsoft.com/office/drawing/2014/main" id="{968828B9-8A23-48A7-990E-FD4E79D533D1}"/>
-              </a:ext>
-            </a:extLst>
-          </p:cNvPr>
+          <p:cNvPr id="6" name="Slide Number Placeholder 5"/>
           <p:cNvSpPr>
             <a:spLocks noGrp="1"/>
           </p:cNvSpPr>
@@ -930,7 +3529,7 @@
     </p:spTree>
     <p:extLst>
       <p:ext uri="{BB962C8B-B14F-4D97-AF65-F5344CB8AC3E}">
-        <p14:creationId xmlns:p14="http://schemas.microsoft.com/office/powerpoint/2010/main" val="896321383"/>
+        <p14:creationId xmlns:p14="http://schemas.microsoft.com/office/powerpoint/2010/main" val="1886167974"/>
       </p:ext>
     </p:extLst>
   </p:cSld>
@@ -941,7 +3540,7 @@
 </file>
 
 <file path=ppt/slideLayouts/slideLayout3.xml><?xml version="1.0" encoding="utf-8"?>
-<p:sldLayout xmlns:a="http://schemas.openxmlformats.org/drawingml/2006/main" xmlns:r="http://schemas.openxmlformats.org/officeDocument/2006/relationships" xmlns:p="http://schemas.openxmlformats.org/presentationml/2006/main" type="secHead" preserve="1">
+<p:sldLayout xmlns:a="http://schemas.openxmlformats.org/drawingml/2006/main" xmlns:r="http://schemas.openxmlformats.org/officeDocument/2006/relationships" xmlns:p="http://schemas.openxmlformats.org/presentationml/2006/main" showMasterSp="0" type="secHead" preserve="1">
   <p:cSld name="Section Header">
     <p:spTree>
       <p:nvGrpSpPr>
@@ -957,15 +3556,39 @@
           <a:chExt cx="0" cy="0"/>
         </a:xfrm>
       </p:grpSpPr>
-      <p:sp>
-        <p:nvSpPr>
-          <p:cNvPr id="2" name="Title 1">
+      <p:pic>
+        <p:nvPicPr>
+          <p:cNvPr id="9" name="Picture 8" descr="C0-HD-BTM.png"/>
+          <p:cNvPicPr>
+            <a:picLocks noChangeAspect="1"/>
+          </p:cNvPicPr>
+          <p:nvPr/>
+        </p:nvPicPr>
+        <p:blipFill>
+          <a:blip r:embed="rId2">
             <a:extLst>
-              <a:ext uri="{FF2B5EF4-FFF2-40B4-BE49-F238E27FC236}">
-                <a16:creationId xmlns:a16="http://schemas.microsoft.com/office/drawing/2014/main" id="{B5C05249-C47D-4516-8FCD-9B22DE4517D7}"/>
+              <a:ext uri="{28A0092B-C50C-407E-A947-70E740481C1C}">
+                <a14:useLocalDpi xmlns:a14="http://schemas.microsoft.com/office/drawing/2010/main" val="0"/>
               </a:ext>
             </a:extLst>
-          </p:cNvPr>
+          </a:blip>
+          <a:stretch>
+            <a:fillRect/>
+          </a:stretch>
+        </p:blipFill>
+        <p:spPr>
+          <a:xfrm>
+            <a:off x="0" y="4375150"/>
+            <a:ext cx="12192000" cy="2482850"/>
+          </a:xfrm>
+          <a:prstGeom prst="rect">
+            <a:avLst/>
+          </a:prstGeom>
+        </p:spPr>
+      </p:pic>
+      <p:sp>
+        <p:nvSpPr>
+          <p:cNvPr id="2" name="Title 1"/>
           <p:cNvSpPr>
             <a:spLocks noGrp="1"/>
           </p:cNvSpPr>
@@ -975,15 +3598,17 @@
         </p:nvSpPr>
         <p:spPr>
           <a:xfrm>
-            <a:off x="831850" y="1709738"/>
-            <a:ext cx="10515600" cy="2852737"/>
-          </a:xfrm>
-        </p:spPr>
-        <p:txBody>
-          <a:bodyPr anchor="b"/>
+            <a:off x="685800" y="753533"/>
+            <a:ext cx="10820399" cy="2801935"/>
+          </a:xfrm>
+        </p:spPr>
+        <p:txBody>
+          <a:bodyPr anchor="b">
+            <a:normAutofit/>
+          </a:bodyPr>
           <a:lstStyle>
-            <a:lvl1pPr>
-              <a:defRPr sz="6000"/>
+            <a:lvl1pPr algn="r">
+              <a:defRPr sz="4000"/>
             </a:lvl1pPr>
           </a:lstStyle>
           <a:p>
@@ -991,18 +3616,13 @@
               <a:rPr lang="en-US"/>
               <a:t>Click to edit Master title style</a:t>
             </a:r>
-          </a:p>
-        </p:txBody>
-      </p:sp>
-      <p:sp>
-        <p:nvSpPr>
-          <p:cNvPr id="3" name="Text Placeholder 2">
-            <a:extLst>
-              <a:ext uri="{FF2B5EF4-FFF2-40B4-BE49-F238E27FC236}">
-                <a16:creationId xmlns:a16="http://schemas.microsoft.com/office/drawing/2014/main" id="{392DA62E-4A1D-4D9D-81EF-5AE86021F5AB}"/>
-              </a:ext>
-            </a:extLst>
-          </p:cNvPr>
+            <a:endParaRPr lang="en-US" dirty="0"/>
+          </a:p>
+        </p:txBody>
+      </p:sp>
+      <p:sp>
+        <p:nvSpPr>
+          <p:cNvPr id="3" name="Text Placeholder 2"/>
           <p:cNvSpPr>
             <a:spLocks noGrp="1"/>
           </p:cNvSpPr>
@@ -1012,16 +3632,18 @@
         </p:nvSpPr>
         <p:spPr>
           <a:xfrm>
-            <a:off x="831850" y="4589463"/>
-            <a:ext cx="10515600" cy="1500187"/>
-          </a:xfrm>
-        </p:spPr>
-        <p:txBody>
-          <a:bodyPr/>
+            <a:off x="1024467" y="3641725"/>
+            <a:ext cx="10490200" cy="955675"/>
+          </a:xfrm>
+        </p:spPr>
+        <p:txBody>
+          <a:bodyPr>
+            <a:normAutofit/>
+          </a:bodyPr>
           <a:lstStyle>
-            <a:lvl1pPr marL="0" indent="0">
-              <a:buNone/>
-              <a:defRPr sz="2400">
+            <a:lvl1pPr marL="0" indent="0" algn="r">
+              <a:buNone/>
+              <a:defRPr sz="2200">
                 <a:solidFill>
                   <a:schemeClr val="tx1">
                     <a:tint val="75000"/>
@@ -1121,13 +3743,7 @@
       </p:sp>
       <p:sp>
         <p:nvSpPr>
-          <p:cNvPr id="4" name="Date Placeholder 3">
-            <a:extLst>
-              <a:ext uri="{FF2B5EF4-FFF2-40B4-BE49-F238E27FC236}">
-                <a16:creationId xmlns:a16="http://schemas.microsoft.com/office/drawing/2014/main" id="{2F2BFBD9-A91C-4C54-8B55-3A2A6062349F}"/>
-              </a:ext>
-            </a:extLst>
-          </p:cNvPr>
+          <p:cNvPr id="4" name="Date Placeholder 3"/>
           <p:cNvSpPr>
             <a:spLocks noGrp="1"/>
           </p:cNvSpPr>
@@ -1135,10 +3751,19 @@
             <p:ph type="dt" sz="half" idx="10"/>
           </p:nvPr>
         </p:nvSpPr>
-        <p:spPr/>
+        <p:spPr>
+          <a:xfrm>
+            <a:off x="7814452" y="381000"/>
+            <a:ext cx="2910840" cy="365125"/>
+          </a:xfrm>
+        </p:spPr>
         <p:txBody>
           <a:bodyPr/>
-          <a:lstStyle/>
+          <a:lstStyle>
+            <a:lvl1pPr algn="r">
+              <a:defRPr/>
+            </a:lvl1pPr>
+          </a:lstStyle>
           <a:p>
             <a:fld id="{E0CCE10F-5DED-4112-AA23-5655795CD594}" type="datetimeFigureOut">
               <a:rPr lang="en-US" smtClean="0"/>
@@ -1150,13 +3775,7 @@
       </p:sp>
       <p:sp>
         <p:nvSpPr>
-          <p:cNvPr id="5" name="Footer Placeholder 4">
-            <a:extLst>
-              <a:ext uri="{FF2B5EF4-FFF2-40B4-BE49-F238E27FC236}">
-                <a16:creationId xmlns:a16="http://schemas.microsoft.com/office/drawing/2014/main" id="{E4A7AFAF-8C47-4FC1-B480-38EA2E8D6054}"/>
-              </a:ext>
-            </a:extLst>
-          </p:cNvPr>
+          <p:cNvPr id="5" name="Footer Placeholder 4"/>
           <p:cNvSpPr>
             <a:spLocks noGrp="1"/>
           </p:cNvSpPr>
@@ -1164,7 +3783,12 @@
             <p:ph type="ftr" sz="quarter" idx="11"/>
           </p:nvPr>
         </p:nvSpPr>
-        <p:spPr/>
+        <p:spPr>
+          <a:xfrm>
+            <a:off x="685800" y="381001"/>
+            <a:ext cx="6991492" cy="364065"/>
+          </a:xfrm>
+        </p:spPr>
         <p:txBody>
           <a:bodyPr/>
           <a:lstStyle/>
@@ -1175,13 +3799,7 @@
       </p:sp>
       <p:sp>
         <p:nvSpPr>
-          <p:cNvPr id="6" name="Slide Number Placeholder 5">
-            <a:extLst>
-              <a:ext uri="{FF2B5EF4-FFF2-40B4-BE49-F238E27FC236}">
-                <a16:creationId xmlns:a16="http://schemas.microsoft.com/office/drawing/2014/main" id="{AA2DE5D0-79A0-4A77-9FEC-096A533069A2}"/>
-              </a:ext>
-            </a:extLst>
-          </p:cNvPr>
+          <p:cNvPr id="6" name="Slide Number Placeholder 5"/>
           <p:cNvSpPr>
             <a:spLocks noGrp="1"/>
           </p:cNvSpPr>
@@ -1189,7 +3807,12 @@
             <p:ph type="sldNum" sz="quarter" idx="12"/>
           </p:nvPr>
         </p:nvSpPr>
-        <p:spPr/>
+        <p:spPr>
+          <a:xfrm>
+            <a:off x="10862452" y="381000"/>
+            <a:ext cx="643748" cy="365125"/>
+          </a:xfrm>
+        </p:spPr>
         <p:txBody>
           <a:bodyPr/>
           <a:lstStyle/>
@@ -1205,7 +3828,7 @@
     </p:spTree>
     <p:extLst>
       <p:ext uri="{BB962C8B-B14F-4D97-AF65-F5344CB8AC3E}">
-        <p14:creationId xmlns:p14="http://schemas.microsoft.com/office/powerpoint/2010/main" val="3119199911"/>
+        <p14:creationId xmlns:p14="http://schemas.microsoft.com/office/powerpoint/2010/main" val="2840788161"/>
       </p:ext>
     </p:extLst>
   </p:cSld>
@@ -1234,13 +3857,7 @@
       </p:grpSpPr>
       <p:sp>
         <p:nvSpPr>
-          <p:cNvPr id="2" name="Title 1">
-            <a:extLst>
-              <a:ext uri="{FF2B5EF4-FFF2-40B4-BE49-F238E27FC236}">
-                <a16:creationId xmlns:a16="http://schemas.microsoft.com/office/drawing/2014/main" id="{D6076642-A9F9-4820-989C-A5E083A68E32}"/>
-              </a:ext>
-            </a:extLst>
-          </p:cNvPr>
+          <p:cNvPr id="2" name="Title 1"/>
           <p:cNvSpPr>
             <a:spLocks noGrp="1"/>
           </p:cNvSpPr>
@@ -1257,18 +3874,13 @@
               <a:rPr lang="en-US"/>
               <a:t>Click to edit Master title style</a:t>
             </a:r>
-          </a:p>
-        </p:txBody>
-      </p:sp>
-      <p:sp>
-        <p:nvSpPr>
-          <p:cNvPr id="3" name="Content Placeholder 2">
-            <a:extLst>
-              <a:ext uri="{FF2B5EF4-FFF2-40B4-BE49-F238E27FC236}">
-                <a16:creationId xmlns:a16="http://schemas.microsoft.com/office/drawing/2014/main" id="{1D49723E-BD85-463C-8C24-900D543BE8CC}"/>
-              </a:ext>
-            </a:extLst>
-          </p:cNvPr>
+            <a:endParaRPr lang="en-US" dirty="0"/>
+          </a:p>
+        </p:txBody>
+      </p:sp>
+      <p:sp>
+        <p:nvSpPr>
+          <p:cNvPr id="3" name="Content Placeholder 2"/>
           <p:cNvSpPr>
             <a:spLocks noGrp="1"/>
           </p:cNvSpPr>
@@ -1278,8 +3890,8 @@
         </p:nvSpPr>
         <p:spPr>
           <a:xfrm>
-            <a:off x="838200" y="1825625"/>
-            <a:ext cx="5181600" cy="4351338"/>
+            <a:off x="685800" y="2194559"/>
+            <a:ext cx="5334000" cy="4024125"/>
           </a:xfrm>
         </p:spPr>
         <p:txBody>
@@ -1319,18 +3931,13 @@
               <a:rPr lang="en-US"/>
               <a:t>Fifth level</a:t>
             </a:r>
-          </a:p>
-        </p:txBody>
-      </p:sp>
-      <p:sp>
-        <p:nvSpPr>
-          <p:cNvPr id="4" name="Content Placeholder 3">
-            <a:extLst>
-              <a:ext uri="{FF2B5EF4-FFF2-40B4-BE49-F238E27FC236}">
-                <a16:creationId xmlns:a16="http://schemas.microsoft.com/office/drawing/2014/main" id="{BDFBAF43-0EB9-49D6-A64C-9F47CC082641}"/>
-              </a:ext>
-            </a:extLst>
-          </p:cNvPr>
+            <a:endParaRPr lang="en-US" dirty="0"/>
+          </a:p>
+        </p:txBody>
+      </p:sp>
+      <p:sp>
+        <p:nvSpPr>
+          <p:cNvPr id="4" name="Content Placeholder 3"/>
           <p:cNvSpPr>
             <a:spLocks noGrp="1"/>
           </p:cNvSpPr>
@@ -1340,8 +3947,8 @@
         </p:nvSpPr>
         <p:spPr>
           <a:xfrm>
-            <a:off x="6172200" y="1825625"/>
-            <a:ext cx="5181600" cy="4351338"/>
+            <a:off x="6172200" y="2194559"/>
+            <a:ext cx="5334000" cy="4024125"/>
           </a:xfrm>
         </p:spPr>
         <p:txBody>
@@ -1381,18 +3988,13 @@
               <a:rPr lang="en-US"/>
               <a:t>Fifth level</a:t>
             </a:r>
-          </a:p>
-        </p:txBody>
-      </p:sp>
-      <p:sp>
-        <p:nvSpPr>
-          <p:cNvPr id="5" name="Date Placeholder 4">
-            <a:extLst>
-              <a:ext uri="{FF2B5EF4-FFF2-40B4-BE49-F238E27FC236}">
-                <a16:creationId xmlns:a16="http://schemas.microsoft.com/office/drawing/2014/main" id="{ED1CF67E-FAA1-4BCC-8780-E2E47B05818D}"/>
-              </a:ext>
-            </a:extLst>
-          </p:cNvPr>
+            <a:endParaRPr lang="en-US" dirty="0"/>
+          </a:p>
+        </p:txBody>
+      </p:sp>
+      <p:sp>
+        <p:nvSpPr>
+          <p:cNvPr id="5" name="Date Placeholder 4"/>
           <p:cNvSpPr>
             <a:spLocks noGrp="1"/>
           </p:cNvSpPr>
@@ -1415,13 +4017,7 @@
       </p:sp>
       <p:sp>
         <p:nvSpPr>
-          <p:cNvPr id="6" name="Footer Placeholder 5">
-            <a:extLst>
-              <a:ext uri="{FF2B5EF4-FFF2-40B4-BE49-F238E27FC236}">
-                <a16:creationId xmlns:a16="http://schemas.microsoft.com/office/drawing/2014/main" id="{548903FD-13E3-4104-9A32-486F9A2A08E4}"/>
-              </a:ext>
-            </a:extLst>
-          </p:cNvPr>
+          <p:cNvPr id="6" name="Footer Placeholder 5"/>
           <p:cNvSpPr>
             <a:spLocks noGrp="1"/>
           </p:cNvSpPr>
@@ -1440,13 +4036,7 @@
       </p:sp>
       <p:sp>
         <p:nvSpPr>
-          <p:cNvPr id="7" name="Slide Number Placeholder 6">
-            <a:extLst>
-              <a:ext uri="{FF2B5EF4-FFF2-40B4-BE49-F238E27FC236}">
-                <a16:creationId xmlns:a16="http://schemas.microsoft.com/office/drawing/2014/main" id="{14411D42-2955-4B2A-A820-BF9FD6BB48FB}"/>
-              </a:ext>
-            </a:extLst>
-          </p:cNvPr>
+          <p:cNvPr id="7" name="Slide Number Placeholder 6"/>
           <p:cNvSpPr>
             <a:spLocks noGrp="1"/>
           </p:cNvSpPr>
@@ -1470,7 +4060,7 @@
     </p:spTree>
     <p:extLst>
       <p:ext uri="{BB962C8B-B14F-4D97-AF65-F5344CB8AC3E}">
-        <p14:creationId xmlns:p14="http://schemas.microsoft.com/office/powerpoint/2010/main" val="740247031"/>
+        <p14:creationId xmlns:p14="http://schemas.microsoft.com/office/powerpoint/2010/main" val="2552418743"/>
       </p:ext>
     </p:extLst>
   </p:cSld>
@@ -1499,13 +4089,7 @@
       </p:grpSpPr>
       <p:sp>
         <p:nvSpPr>
-          <p:cNvPr id="2" name="Title 1">
-            <a:extLst>
-              <a:ext uri="{FF2B5EF4-FFF2-40B4-BE49-F238E27FC236}">
-                <a16:creationId xmlns:a16="http://schemas.microsoft.com/office/drawing/2014/main" id="{5C3AE58E-2D65-44A9-B78D-6701D8276637}"/>
-              </a:ext>
-            </a:extLst>
-          </p:cNvPr>
+          <p:cNvPr id="2" name="Title 1"/>
           <p:cNvSpPr>
             <a:spLocks noGrp="1"/>
           </p:cNvSpPr>
@@ -1515,8 +4099,8 @@
         </p:nvSpPr>
         <p:spPr>
           <a:xfrm>
-            <a:off x="839788" y="365125"/>
-            <a:ext cx="10515600" cy="1325563"/>
+            <a:off x="2895600" y="762000"/>
+            <a:ext cx="8610600" cy="1295400"/>
           </a:xfrm>
         </p:spPr>
         <p:txBody>
@@ -1527,18 +4111,13 @@
               <a:rPr lang="en-US"/>
               <a:t>Click to edit Master title style</a:t>
             </a:r>
-          </a:p>
-        </p:txBody>
-      </p:sp>
-      <p:sp>
-        <p:nvSpPr>
-          <p:cNvPr id="3" name="Text Placeholder 2">
-            <a:extLst>
-              <a:ext uri="{FF2B5EF4-FFF2-40B4-BE49-F238E27FC236}">
-                <a16:creationId xmlns:a16="http://schemas.microsoft.com/office/drawing/2014/main" id="{4D0716EC-E8AE-4EDC-BAF3-92F80ECF7A84}"/>
-              </a:ext>
-            </a:extLst>
-          </p:cNvPr>
+            <a:endParaRPr lang="en-US" dirty="0"/>
+          </a:p>
+        </p:txBody>
+      </p:sp>
+      <p:sp>
+        <p:nvSpPr>
+          <p:cNvPr id="3" name="Text Placeholder 2"/>
           <p:cNvSpPr>
             <a:spLocks noGrp="1"/>
           </p:cNvSpPr>
@@ -1548,16 +4127,22 @@
         </p:nvSpPr>
         <p:spPr>
           <a:xfrm>
-            <a:off x="839788" y="1681163"/>
-            <a:ext cx="5157787" cy="823912"/>
-          </a:xfrm>
-        </p:spPr>
-        <p:txBody>
-          <a:bodyPr anchor="b"/>
+            <a:off x="914409" y="2183802"/>
+            <a:ext cx="5079991" cy="823912"/>
+          </a:xfrm>
+        </p:spPr>
+        <p:txBody>
+          <a:bodyPr anchor="b">
+            <a:normAutofit/>
+          </a:bodyPr>
           <a:lstStyle>
             <a:lvl1pPr marL="0" indent="0">
               <a:buNone/>
-              <a:defRPr sz="2400" b="1"/>
+              <a:defRPr sz="2800" b="0">
+                <a:solidFill>
+                  <a:schemeClr val="tx1"/>
+                </a:solidFill>
+              </a:defRPr>
             </a:lvl1pPr>
             <a:lvl2pPr marL="457200" indent="0">
               <a:buNone/>
@@ -1603,13 +4188,7 @@
       </p:sp>
       <p:sp>
         <p:nvSpPr>
-          <p:cNvPr id="4" name="Content Placeholder 3">
-            <a:extLst>
-              <a:ext uri="{FF2B5EF4-FFF2-40B4-BE49-F238E27FC236}">
-                <a16:creationId xmlns:a16="http://schemas.microsoft.com/office/drawing/2014/main" id="{1572CCD7-6A85-464D-B43D-288425A791F1}"/>
-              </a:ext>
-            </a:extLst>
-          </p:cNvPr>
+          <p:cNvPr id="4" name="Content Placeholder 3"/>
           <p:cNvSpPr>
             <a:spLocks noGrp="1"/>
           </p:cNvSpPr>
@@ -1619,8 +4198,8 @@
         </p:nvSpPr>
         <p:spPr>
           <a:xfrm>
-            <a:off x="839788" y="2505075"/>
-            <a:ext cx="5157787" cy="3684588"/>
+            <a:off x="685800" y="3132666"/>
+            <a:ext cx="5311775" cy="3086019"/>
           </a:xfrm>
         </p:spPr>
         <p:txBody>
@@ -1660,18 +4239,13 @@
               <a:rPr lang="en-US"/>
               <a:t>Fifth level</a:t>
             </a:r>
-          </a:p>
-        </p:txBody>
-      </p:sp>
-      <p:sp>
-        <p:nvSpPr>
-          <p:cNvPr id="5" name="Text Placeholder 4">
-            <a:extLst>
-              <a:ext uri="{FF2B5EF4-FFF2-40B4-BE49-F238E27FC236}">
-                <a16:creationId xmlns:a16="http://schemas.microsoft.com/office/drawing/2014/main" id="{33059F3C-6834-450E-B4CB-F379D2EFC908}"/>
-              </a:ext>
-            </a:extLst>
-          </p:cNvPr>
+            <a:endParaRPr lang="en-US" dirty="0"/>
+          </a:p>
+        </p:txBody>
+      </p:sp>
+      <p:sp>
+        <p:nvSpPr>
+          <p:cNvPr id="5" name="Text Placeholder 4"/>
           <p:cNvSpPr>
             <a:spLocks noGrp="1"/>
           </p:cNvSpPr>
@@ -1681,16 +4255,22 @@
         </p:nvSpPr>
         <p:spPr>
           <a:xfrm>
-            <a:off x="6172200" y="1681163"/>
-            <a:ext cx="5183188" cy="823912"/>
-          </a:xfrm>
-        </p:spPr>
-        <p:txBody>
-          <a:bodyPr anchor="b"/>
+            <a:off x="6400800" y="2183802"/>
+            <a:ext cx="5105400" cy="823912"/>
+          </a:xfrm>
+        </p:spPr>
+        <p:txBody>
+          <a:bodyPr anchor="b">
+            <a:normAutofit/>
+          </a:bodyPr>
           <a:lstStyle>
             <a:lvl1pPr marL="0" indent="0">
               <a:buNone/>
-              <a:defRPr sz="2400" b="1"/>
+              <a:defRPr sz="2800" b="0">
+                <a:solidFill>
+                  <a:schemeClr val="tx1"/>
+                </a:solidFill>
+              </a:defRPr>
             </a:lvl1pPr>
             <a:lvl2pPr marL="457200" indent="0">
               <a:buNone/>
@@ -1736,13 +4316,7 @@
       </p:sp>
       <p:sp>
         <p:nvSpPr>
-          <p:cNvPr id="6" name="Content Placeholder 5">
-            <a:extLst>
-              <a:ext uri="{FF2B5EF4-FFF2-40B4-BE49-F238E27FC236}">
-                <a16:creationId xmlns:a16="http://schemas.microsoft.com/office/drawing/2014/main" id="{6792CB1C-B8C1-41A4-A65E-EE429570179A}"/>
-              </a:ext>
-            </a:extLst>
-          </p:cNvPr>
+          <p:cNvPr id="6" name="Content Placeholder 5"/>
           <p:cNvSpPr>
             <a:spLocks noGrp="1"/>
           </p:cNvSpPr>
@@ -1752,8 +4326,8 @@
         </p:nvSpPr>
         <p:spPr>
           <a:xfrm>
-            <a:off x="6172200" y="2505075"/>
-            <a:ext cx="5183188" cy="3684588"/>
+            <a:off x="6172200" y="3132666"/>
+            <a:ext cx="5334000" cy="3086019"/>
           </a:xfrm>
         </p:spPr>
         <p:txBody>
@@ -1793,18 +4367,13 @@
               <a:rPr lang="en-US"/>
               <a:t>Fifth level</a:t>
             </a:r>
-          </a:p>
-        </p:txBody>
-      </p:sp>
-      <p:sp>
-        <p:nvSpPr>
-          <p:cNvPr id="7" name="Date Placeholder 6">
-            <a:extLst>
-              <a:ext uri="{FF2B5EF4-FFF2-40B4-BE49-F238E27FC236}">
-                <a16:creationId xmlns:a16="http://schemas.microsoft.com/office/drawing/2014/main" id="{FDF56D84-C1BE-4F92-9C77-7BF86496D8A9}"/>
-              </a:ext>
-            </a:extLst>
-          </p:cNvPr>
+            <a:endParaRPr lang="en-US" dirty="0"/>
+          </a:p>
+        </p:txBody>
+      </p:sp>
+      <p:sp>
+        <p:nvSpPr>
+          <p:cNvPr id="7" name="Date Placeholder 6"/>
           <p:cNvSpPr>
             <a:spLocks noGrp="1"/>
           </p:cNvSpPr>
@@ -1827,13 +4396,7 @@
       </p:sp>
       <p:sp>
         <p:nvSpPr>
-          <p:cNvPr id="8" name="Footer Placeholder 7">
-            <a:extLst>
-              <a:ext uri="{FF2B5EF4-FFF2-40B4-BE49-F238E27FC236}">
-                <a16:creationId xmlns:a16="http://schemas.microsoft.com/office/drawing/2014/main" id="{1B1A1995-4230-4BBA-85FF-098327A92D12}"/>
-              </a:ext>
-            </a:extLst>
-          </p:cNvPr>
+          <p:cNvPr id="8" name="Footer Placeholder 7"/>
           <p:cNvSpPr>
             <a:spLocks noGrp="1"/>
           </p:cNvSpPr>
@@ -1852,13 +4415,7 @@
       </p:sp>
       <p:sp>
         <p:nvSpPr>
-          <p:cNvPr id="9" name="Slide Number Placeholder 8">
-            <a:extLst>
-              <a:ext uri="{FF2B5EF4-FFF2-40B4-BE49-F238E27FC236}">
-                <a16:creationId xmlns:a16="http://schemas.microsoft.com/office/drawing/2014/main" id="{B9C9CD4A-1C9B-41DD-8F99-99AEF1239340}"/>
-              </a:ext>
-            </a:extLst>
-          </p:cNvPr>
+          <p:cNvPr id="9" name="Slide Number Placeholder 8"/>
           <p:cNvSpPr>
             <a:spLocks noGrp="1"/>
           </p:cNvSpPr>
@@ -1882,7 +4439,7 @@
     </p:spTree>
     <p:extLst>
       <p:ext uri="{BB962C8B-B14F-4D97-AF65-F5344CB8AC3E}">
-        <p14:creationId xmlns:p14="http://schemas.microsoft.com/office/powerpoint/2010/main" val="1967927219"/>
+        <p14:creationId xmlns:p14="http://schemas.microsoft.com/office/powerpoint/2010/main" val="2557367934"/>
       </p:ext>
     </p:extLst>
   </p:cSld>
@@ -1911,13 +4468,7 @@
       </p:grpSpPr>
       <p:sp>
         <p:nvSpPr>
-          <p:cNvPr id="2" name="Title 1">
-            <a:extLst>
-              <a:ext uri="{FF2B5EF4-FFF2-40B4-BE49-F238E27FC236}">
-                <a16:creationId xmlns:a16="http://schemas.microsoft.com/office/drawing/2014/main" id="{EFB4538F-7C5E-4CD3-B40C-344626D63E78}"/>
-              </a:ext>
-            </a:extLst>
-          </p:cNvPr>
+          <p:cNvPr id="2" name="Title 1"/>
           <p:cNvSpPr>
             <a:spLocks noGrp="1"/>
           </p:cNvSpPr>
@@ -1934,18 +4485,13 @@
               <a:rPr lang="en-US"/>
               <a:t>Click to edit Master title style</a:t>
             </a:r>
-          </a:p>
-        </p:txBody>
-      </p:sp>
-      <p:sp>
-        <p:nvSpPr>
-          <p:cNvPr id="3" name="Date Placeholder 2">
-            <a:extLst>
-              <a:ext uri="{FF2B5EF4-FFF2-40B4-BE49-F238E27FC236}">
-                <a16:creationId xmlns:a16="http://schemas.microsoft.com/office/drawing/2014/main" id="{66256EC4-6C25-4C46-8107-9410414CDA06}"/>
-              </a:ext>
-            </a:extLst>
-          </p:cNvPr>
+            <a:endParaRPr lang="en-US" dirty="0"/>
+          </a:p>
+        </p:txBody>
+      </p:sp>
+      <p:sp>
+        <p:nvSpPr>
+          <p:cNvPr id="3" name="Date Placeholder 2"/>
           <p:cNvSpPr>
             <a:spLocks noGrp="1"/>
           </p:cNvSpPr>
@@ -1968,13 +4514,7 @@
       </p:sp>
       <p:sp>
         <p:nvSpPr>
-          <p:cNvPr id="4" name="Footer Placeholder 3">
-            <a:extLst>
-              <a:ext uri="{FF2B5EF4-FFF2-40B4-BE49-F238E27FC236}">
-                <a16:creationId xmlns:a16="http://schemas.microsoft.com/office/drawing/2014/main" id="{31D2239A-EE48-4CBD-A7D3-71CFA181B396}"/>
-              </a:ext>
-            </a:extLst>
-          </p:cNvPr>
+          <p:cNvPr id="4" name="Footer Placeholder 3"/>
           <p:cNvSpPr>
             <a:spLocks noGrp="1"/>
           </p:cNvSpPr>
@@ -1993,13 +4533,7 @@
       </p:sp>
       <p:sp>
         <p:nvSpPr>
-          <p:cNvPr id="5" name="Slide Number Placeholder 4">
-            <a:extLst>
-              <a:ext uri="{FF2B5EF4-FFF2-40B4-BE49-F238E27FC236}">
-                <a16:creationId xmlns:a16="http://schemas.microsoft.com/office/drawing/2014/main" id="{6488976E-D665-4781-8D1D-AD242431DB11}"/>
-              </a:ext>
-            </a:extLst>
-          </p:cNvPr>
+          <p:cNvPr id="5" name="Slide Number Placeholder 4"/>
           <p:cNvSpPr>
             <a:spLocks noGrp="1"/>
           </p:cNvSpPr>
@@ -2023,7 +4557,7 @@
     </p:spTree>
     <p:extLst>
       <p:ext uri="{BB962C8B-B14F-4D97-AF65-F5344CB8AC3E}">
-        <p14:creationId xmlns:p14="http://schemas.microsoft.com/office/powerpoint/2010/main" val="3103454384"/>
+        <p14:creationId xmlns:p14="http://schemas.microsoft.com/office/powerpoint/2010/main" val="4178704726"/>
       </p:ext>
     </p:extLst>
   </p:cSld>
@@ -2052,13 +4586,7 @@
       </p:grpSpPr>
       <p:sp>
         <p:nvSpPr>
-          <p:cNvPr id="2" name="Date Placeholder 1">
-            <a:extLst>
-              <a:ext uri="{FF2B5EF4-FFF2-40B4-BE49-F238E27FC236}">
-                <a16:creationId xmlns:a16="http://schemas.microsoft.com/office/drawing/2014/main" id="{18C27C39-CF58-40CC-97DB-3E76F050C4FE}"/>
-              </a:ext>
-            </a:extLst>
-          </p:cNvPr>
+          <p:cNvPr id="2" name="Date Placeholder 1"/>
           <p:cNvSpPr>
             <a:spLocks noGrp="1"/>
           </p:cNvSpPr>
@@ -2081,13 +4609,7 @@
       </p:sp>
       <p:sp>
         <p:nvSpPr>
-          <p:cNvPr id="3" name="Footer Placeholder 2">
-            <a:extLst>
-              <a:ext uri="{FF2B5EF4-FFF2-40B4-BE49-F238E27FC236}">
-                <a16:creationId xmlns:a16="http://schemas.microsoft.com/office/drawing/2014/main" id="{2B79CE64-C81D-4FE8-8C5F-299D1AAEF5C1}"/>
-              </a:ext>
-            </a:extLst>
-          </p:cNvPr>
+          <p:cNvPr id="3" name="Footer Placeholder 2"/>
           <p:cNvSpPr>
             <a:spLocks noGrp="1"/>
           </p:cNvSpPr>
@@ -2106,13 +4628,7 @@
       </p:sp>
       <p:sp>
         <p:nvSpPr>
-          <p:cNvPr id="4" name="Slide Number Placeholder 3">
-            <a:extLst>
-              <a:ext uri="{FF2B5EF4-FFF2-40B4-BE49-F238E27FC236}">
-                <a16:creationId xmlns:a16="http://schemas.microsoft.com/office/drawing/2014/main" id="{6EA25369-DA4D-4404-8BAA-2678D9EC33AF}"/>
-              </a:ext>
-            </a:extLst>
-          </p:cNvPr>
+          <p:cNvPr id="4" name="Slide Number Placeholder 3"/>
           <p:cNvSpPr>
             <a:spLocks noGrp="1"/>
           </p:cNvSpPr>
@@ -2136,7 +4652,7 @@
     </p:spTree>
     <p:extLst>
       <p:ext uri="{BB962C8B-B14F-4D97-AF65-F5344CB8AC3E}">
-        <p14:creationId xmlns:p14="http://schemas.microsoft.com/office/powerpoint/2010/main" val="1312414377"/>
+        <p14:creationId xmlns:p14="http://schemas.microsoft.com/office/powerpoint/2010/main" val="1256551130"/>
       </p:ext>
     </p:extLst>
   </p:cSld>
@@ -2165,13 +4681,7 @@
       </p:grpSpPr>
       <p:sp>
         <p:nvSpPr>
-          <p:cNvPr id="2" name="Title 1">
-            <a:extLst>
-              <a:ext uri="{FF2B5EF4-FFF2-40B4-BE49-F238E27FC236}">
-                <a16:creationId xmlns:a16="http://schemas.microsoft.com/office/drawing/2014/main" id="{9C41778E-2DCA-496B-A2C5-F69E705B379F}"/>
-              </a:ext>
-            </a:extLst>
-          </p:cNvPr>
+          <p:cNvPr id="2" name="Title 1"/>
           <p:cNvSpPr>
             <a:spLocks noGrp="1"/>
           </p:cNvSpPr>
@@ -2181,14 +4691,14 @@
         </p:nvSpPr>
         <p:spPr>
           <a:xfrm>
-            <a:off x="839788" y="457200"/>
-            <a:ext cx="3932237" cy="1600200"/>
+            <a:off x="685800" y="1524000"/>
+            <a:ext cx="4114800" cy="1600200"/>
           </a:xfrm>
         </p:spPr>
         <p:txBody>
           <a:bodyPr anchor="b"/>
           <a:lstStyle>
-            <a:lvl1pPr>
+            <a:lvl1pPr algn="l">
               <a:defRPr sz="3200"/>
             </a:lvl1pPr>
           </a:lstStyle>
@@ -2197,18 +4707,13 @@
               <a:rPr lang="en-US"/>
               <a:t>Click to edit Master title style</a:t>
             </a:r>
-          </a:p>
-        </p:txBody>
-      </p:sp>
-      <p:sp>
-        <p:nvSpPr>
-          <p:cNvPr id="3" name="Content Placeholder 2">
-            <a:extLst>
-              <a:ext uri="{FF2B5EF4-FFF2-40B4-BE49-F238E27FC236}">
-                <a16:creationId xmlns:a16="http://schemas.microsoft.com/office/drawing/2014/main" id="{3CAED01E-DCB4-466B-B743-66A8BEB253A8}"/>
-              </a:ext>
-            </a:extLst>
-          </p:cNvPr>
+            <a:endParaRPr lang="en-US" dirty="0"/>
+          </a:p>
+        </p:txBody>
+      </p:sp>
+      <p:sp>
+        <p:nvSpPr>
+          <p:cNvPr id="3" name="Content Placeholder 2"/>
           <p:cNvSpPr>
             <a:spLocks noGrp="1"/>
           </p:cNvSpPr>
@@ -2218,41 +4723,13 @@
         </p:nvSpPr>
         <p:spPr>
           <a:xfrm>
-            <a:off x="5183188" y="987425"/>
-            <a:ext cx="6172200" cy="4873625"/>
-          </a:xfrm>
-        </p:spPr>
-        <p:txBody>
-          <a:bodyPr/>
-          <a:lstStyle>
-            <a:lvl1pPr>
-              <a:defRPr sz="3200"/>
-            </a:lvl1pPr>
-            <a:lvl2pPr>
-              <a:defRPr sz="2800"/>
-            </a:lvl2pPr>
-            <a:lvl3pPr>
-              <a:defRPr sz="2400"/>
-            </a:lvl3pPr>
-            <a:lvl4pPr>
-              <a:defRPr sz="2000"/>
-            </a:lvl4pPr>
-            <a:lvl5pPr>
-              <a:defRPr sz="2000"/>
-            </a:lvl5pPr>
-            <a:lvl6pPr>
-              <a:defRPr sz="2000"/>
-            </a:lvl6pPr>
-            <a:lvl7pPr>
-              <a:defRPr sz="2000"/>
-            </a:lvl7pPr>
-            <a:lvl8pPr>
-              <a:defRPr sz="2000"/>
-            </a:lvl8pPr>
-            <a:lvl9pPr>
-              <a:defRPr sz="2000"/>
-            </a:lvl9pPr>
-          </a:lstStyle>
+            <a:off x="4995582" y="746759"/>
+            <a:ext cx="6510618" cy="5471925"/>
+          </a:xfrm>
+        </p:spPr>
+        <p:txBody>
+          <a:bodyPr anchor="ctr"/>
+          <a:lstStyle/>
           <a:p>
             <a:pPr lvl="0"/>
             <a:r>
@@ -2287,18 +4764,13 @@
               <a:rPr lang="en-US"/>
               <a:t>Fifth level</a:t>
             </a:r>
-          </a:p>
-        </p:txBody>
-      </p:sp>
-      <p:sp>
-        <p:nvSpPr>
-          <p:cNvPr id="4" name="Text Placeholder 3">
-            <a:extLst>
-              <a:ext uri="{FF2B5EF4-FFF2-40B4-BE49-F238E27FC236}">
-                <a16:creationId xmlns:a16="http://schemas.microsoft.com/office/drawing/2014/main" id="{3B901F4F-78D0-4247-8519-ACB617D34107}"/>
-              </a:ext>
-            </a:extLst>
-          </p:cNvPr>
+            <a:endParaRPr lang="en-US" dirty="0"/>
+          </a:p>
+        </p:txBody>
+      </p:sp>
+      <p:sp>
+        <p:nvSpPr>
+          <p:cNvPr id="4" name="Text Placeholder 3"/>
           <p:cNvSpPr>
             <a:spLocks noGrp="1"/>
           </p:cNvSpPr>
@@ -2308,8 +4780,8 @@
         </p:nvSpPr>
         <p:spPr>
           <a:xfrm>
-            <a:off x="839788" y="2057400"/>
-            <a:ext cx="3932237" cy="3811588"/>
+            <a:off x="685800" y="3124199"/>
+            <a:ext cx="4114800" cy="3094485"/>
           </a:xfrm>
         </p:spPr>
         <p:txBody>
@@ -2363,13 +4835,7 @@
       </p:sp>
       <p:sp>
         <p:nvSpPr>
-          <p:cNvPr id="5" name="Date Placeholder 4">
-            <a:extLst>
-              <a:ext uri="{FF2B5EF4-FFF2-40B4-BE49-F238E27FC236}">
-                <a16:creationId xmlns:a16="http://schemas.microsoft.com/office/drawing/2014/main" id="{BAC2F5B4-4EDB-4505-856A-A5C8AF473C9E}"/>
-              </a:ext>
-            </a:extLst>
-          </p:cNvPr>
+          <p:cNvPr id="5" name="Date Placeholder 4"/>
           <p:cNvSpPr>
             <a:spLocks noGrp="1"/>
           </p:cNvSpPr>
@@ -2392,13 +4858,7 @@
       </p:sp>
       <p:sp>
         <p:nvSpPr>
-          <p:cNvPr id="6" name="Footer Placeholder 5">
-            <a:extLst>
-              <a:ext uri="{FF2B5EF4-FFF2-40B4-BE49-F238E27FC236}">
-                <a16:creationId xmlns:a16="http://schemas.microsoft.com/office/drawing/2014/main" id="{EC06AC39-9CE2-4255-AD94-FE93B2E13369}"/>
-              </a:ext>
-            </a:extLst>
-          </p:cNvPr>
+          <p:cNvPr id="6" name="Footer Placeholder 5"/>
           <p:cNvSpPr>
             <a:spLocks noGrp="1"/>
           </p:cNvSpPr>
@@ -2417,13 +4877,7 @@
       </p:sp>
       <p:sp>
         <p:nvSpPr>
-          <p:cNvPr id="7" name="Slide Number Placeholder 6">
-            <a:extLst>
-              <a:ext uri="{FF2B5EF4-FFF2-40B4-BE49-F238E27FC236}">
-                <a16:creationId xmlns:a16="http://schemas.microsoft.com/office/drawing/2014/main" id="{450E0140-342F-413F-A360-7601B9B6CCEF}"/>
-              </a:ext>
-            </a:extLst>
-          </p:cNvPr>
+          <p:cNvPr id="7" name="Slide Number Placeholder 6"/>
           <p:cNvSpPr>
             <a:spLocks noGrp="1"/>
           </p:cNvSpPr>
@@ -2447,7 +4901,7 @@
     </p:spTree>
     <p:extLst>
       <p:ext uri="{BB962C8B-B14F-4D97-AF65-F5344CB8AC3E}">
-        <p14:creationId xmlns:p14="http://schemas.microsoft.com/office/powerpoint/2010/main" val="4228643485"/>
+        <p14:creationId xmlns:p14="http://schemas.microsoft.com/office/powerpoint/2010/main" val="3800463297"/>
       </p:ext>
     </p:extLst>
   </p:cSld>
@@ -2476,13 +4930,7 @@
       </p:grpSpPr>
       <p:sp>
         <p:nvSpPr>
-          <p:cNvPr id="2" name="Title 1">
-            <a:extLst>
-              <a:ext uri="{FF2B5EF4-FFF2-40B4-BE49-F238E27FC236}">
-                <a16:creationId xmlns:a16="http://schemas.microsoft.com/office/drawing/2014/main" id="{C5001C45-EBAE-4123-87E2-C1648CCC6193}"/>
-              </a:ext>
-            </a:extLst>
-          </p:cNvPr>
+          <p:cNvPr id="2" name="Title 1"/>
           <p:cNvSpPr>
             <a:spLocks noGrp="1"/>
           </p:cNvSpPr>
@@ -2492,14 +4940,14 @@
         </p:nvSpPr>
         <p:spPr>
           <a:xfrm>
-            <a:off x="839788" y="457200"/>
-            <a:ext cx="3932237" cy="1600200"/>
+            <a:off x="685800" y="1524000"/>
+            <a:ext cx="6873240" cy="1600200"/>
           </a:xfrm>
         </p:spPr>
         <p:txBody>
           <a:bodyPr anchor="b"/>
           <a:lstStyle>
-            <a:lvl1pPr>
+            <a:lvl1pPr algn="l">
               <a:defRPr sz="3200"/>
             </a:lvl1pPr>
           </a:lstStyle>
@@ -2508,20 +4956,15 @@
               <a:rPr lang="en-US"/>
               <a:t>Click to edit Master title style</a:t>
             </a:r>
-          </a:p>
-        </p:txBody>
-      </p:sp>
-      <p:sp>
-        <p:nvSpPr>
-          <p:cNvPr id="3" name="Picture Placeholder 2">
-            <a:extLst>
-              <a:ext uri="{FF2B5EF4-FFF2-40B4-BE49-F238E27FC236}">
-                <a16:creationId xmlns:a16="http://schemas.microsoft.com/office/drawing/2014/main" id="{D4A17959-21BC-4891-8732-CC3993E941B9}"/>
-              </a:ext>
-            </a:extLst>
-          </p:cNvPr>
-          <p:cNvSpPr>
-            <a:spLocks noGrp="1"/>
+            <a:endParaRPr lang="en-US" dirty="0"/>
+          </a:p>
+        </p:txBody>
+      </p:sp>
+      <p:sp>
+        <p:nvSpPr>
+          <p:cNvPr id="3" name="Picture Placeholder 2"/>
+          <p:cNvSpPr>
+            <a:spLocks noGrp="1" noChangeAspect="1"/>
           </p:cNvSpPr>
           <p:nvPr>
             <p:ph type="pic" idx="1"/>
@@ -2529,8 +4972,73 @@
         </p:nvSpPr>
         <p:spPr>
           <a:xfrm>
-            <a:off x="5183188" y="987425"/>
-            <a:ext cx="6172200" cy="4873625"/>
+            <a:off x="7861238" y="751241"/>
+            <a:ext cx="3644962" cy="5467443"/>
+          </a:xfrm>
+        </p:spPr>
+        <p:txBody>
+          <a:bodyPr anchor="t"/>
+          <a:lstStyle>
+            <a:lvl1pPr marL="0" indent="0">
+              <a:buNone/>
+              <a:defRPr sz="3200"/>
+            </a:lvl1pPr>
+            <a:lvl2pPr marL="457200" indent="0">
+              <a:buNone/>
+              <a:defRPr sz="2800"/>
+            </a:lvl2pPr>
+            <a:lvl3pPr marL="914400" indent="0">
+              <a:buNone/>
+              <a:defRPr sz="2400"/>
+            </a:lvl3pPr>
+            <a:lvl4pPr marL="1371600" indent="0">
+              <a:buNone/>
+              <a:defRPr sz="2000"/>
+            </a:lvl4pPr>
+            <a:lvl5pPr marL="1828800" indent="0">
+              <a:buNone/>
+              <a:defRPr sz="2000"/>
+            </a:lvl5pPr>
+            <a:lvl6pPr marL="2286000" indent="0">
+              <a:buNone/>
+              <a:defRPr sz="2000"/>
+            </a:lvl6pPr>
+            <a:lvl7pPr marL="2743200" indent="0">
+              <a:buNone/>
+              <a:defRPr sz="2000"/>
+            </a:lvl7pPr>
+            <a:lvl8pPr marL="3200400" indent="0">
+              <a:buNone/>
+              <a:defRPr sz="2000"/>
+            </a:lvl8pPr>
+            <a:lvl9pPr marL="3657600" indent="0">
+              <a:buNone/>
+              <a:defRPr sz="2000"/>
+            </a:lvl9pPr>
+          </a:lstStyle>
+          <a:p>
+            <a:r>
+              <a:rPr lang="en-US"/>
+              <a:t>Click icon to add picture</a:t>
+            </a:r>
+            <a:endParaRPr lang="en-US" dirty="0"/>
+          </a:p>
+        </p:txBody>
+      </p:sp>
+      <p:sp>
+        <p:nvSpPr>
+          <p:cNvPr id="4" name="Text Placeholder 3"/>
+          <p:cNvSpPr>
+            <a:spLocks noGrp="1"/>
+          </p:cNvSpPr>
+          <p:nvPr>
+            <p:ph type="body" sz="half" idx="2"/>
+          </p:nvPr>
+        </p:nvSpPr>
+        <p:spPr>
+          <a:xfrm>
+            <a:off x="685800" y="3124199"/>
+            <a:ext cx="6873240" cy="3094485"/>
           </a:xfrm>
         </p:spPr>
         <p:txBody>
@@ -2538,73 +5046,6 @@
           <a:lstStyle>
             <a:lvl1pPr marL="0" indent="0">
               <a:buNone/>
-              <a:defRPr sz="3200"/>
-            </a:lvl1pPr>
-            <a:lvl2pPr marL="457200" indent="0">
-              <a:buNone/>
-              <a:defRPr sz="2800"/>
-            </a:lvl2pPr>
-            <a:lvl3pPr marL="914400" indent="0">
-              <a:buNone/>
-              <a:defRPr sz="2400"/>
-            </a:lvl3pPr>
-            <a:lvl4pPr marL="1371600" indent="0">
-              <a:buNone/>
-              <a:defRPr sz="2000"/>
-            </a:lvl4pPr>
-            <a:lvl5pPr marL="1828800" indent="0">
-              <a:buNone/>
-              <a:defRPr sz="2000"/>
-            </a:lvl5pPr>
-            <a:lvl6pPr marL="2286000" indent="0">
-              <a:buNone/>
-              <a:defRPr sz="2000"/>
-            </a:lvl6pPr>
-            <a:lvl7pPr marL="2743200" indent="0">
-              <a:buNone/>
-              <a:defRPr sz="2000"/>
-            </a:lvl7pPr>
-            <a:lvl8pPr marL="3200400" indent="0">
-              <a:buNone/>
-              <a:defRPr sz="2000"/>
-            </a:lvl8pPr>
-            <a:lvl9pPr marL="3657600" indent="0">
-              <a:buNone/>
-              <a:defRPr sz="2000"/>
-            </a:lvl9pPr>
-          </a:lstStyle>
-          <a:p>
-            <a:endParaRPr lang="en-US" dirty="0"/>
-          </a:p>
-        </p:txBody>
-      </p:sp>
-      <p:sp>
-        <p:nvSpPr>
-          <p:cNvPr id="4" name="Text Placeholder 3">
-            <a:extLst>
-              <a:ext uri="{FF2B5EF4-FFF2-40B4-BE49-F238E27FC236}">
-                <a16:creationId xmlns:a16="http://schemas.microsoft.com/office/drawing/2014/main" id="{60CDB9F1-751B-4AC9-9414-D8F8363E1EB1}"/>
-              </a:ext>
-            </a:extLst>
-          </p:cNvPr>
-          <p:cNvSpPr>
-            <a:spLocks noGrp="1"/>
-          </p:cNvSpPr>
-          <p:nvPr>
-            <p:ph type="body" sz="half" idx="2"/>
-          </p:nvPr>
-        </p:nvSpPr>
-        <p:spPr>
-          <a:xfrm>
-            <a:off x="839788" y="2057400"/>
-            <a:ext cx="3932237" cy="3811588"/>
-          </a:xfrm>
-        </p:spPr>
-        <p:txBody>
-          <a:bodyPr/>
-          <a:lstStyle>
-            <a:lvl1pPr marL="0" indent="0">
-              <a:buNone/>
               <a:defRPr sz="1600"/>
             </a:lvl1pPr>
             <a:lvl2pPr marL="457200" indent="0">
@@ -2651,13 +5092,7 @@
       </p:sp>
       <p:sp>
         <p:nvSpPr>
-          <p:cNvPr id="5" name="Date Placeholder 4">
-            <a:extLst>
-              <a:ext uri="{FF2B5EF4-FFF2-40B4-BE49-F238E27FC236}">
-                <a16:creationId xmlns:a16="http://schemas.microsoft.com/office/drawing/2014/main" id="{AD3227A2-0C95-4E4F-8492-E9FE4712A89A}"/>
-              </a:ext>
-            </a:extLst>
-          </p:cNvPr>
+          <p:cNvPr id="5" name="Date Placeholder 4"/>
           <p:cNvSpPr>
             <a:spLocks noGrp="1"/>
           </p:cNvSpPr>
@@ -2680,13 +5115,7 @@
       </p:sp>
       <p:sp>
         <p:nvSpPr>
-          <p:cNvPr id="6" name="Footer Placeholder 5">
-            <a:extLst>
-              <a:ext uri="{FF2B5EF4-FFF2-40B4-BE49-F238E27FC236}">
-                <a16:creationId xmlns:a16="http://schemas.microsoft.com/office/drawing/2014/main" id="{FF9C5F0B-0EE3-486B-9E59-F0E45F07AA9E}"/>
-              </a:ext>
-            </a:extLst>
-          </p:cNvPr>
+          <p:cNvPr id="6" name="Footer Placeholder 5"/>
           <p:cNvSpPr>
             <a:spLocks noGrp="1"/>
           </p:cNvSpPr>
@@ -2705,13 +5134,7 @@
       </p:sp>
       <p:sp>
         <p:nvSpPr>
-          <p:cNvPr id="7" name="Slide Number Placeholder 6">
-            <a:extLst>
-              <a:ext uri="{FF2B5EF4-FFF2-40B4-BE49-F238E27FC236}">
-                <a16:creationId xmlns:a16="http://schemas.microsoft.com/office/drawing/2014/main" id="{5D8554E2-3AF1-41AE-881C-DAD9828D07DE}"/>
-              </a:ext>
-            </a:extLst>
-          </p:cNvPr>
+          <p:cNvPr id="7" name="Slide Number Placeholder 6"/>
           <p:cNvSpPr>
             <a:spLocks noGrp="1"/>
           </p:cNvSpPr>
@@ -2735,7 +5158,7 @@
     </p:spTree>
     <p:extLst>
       <p:ext uri="{BB962C8B-B14F-4D97-AF65-F5344CB8AC3E}">
-        <p14:creationId xmlns:p14="http://schemas.microsoft.com/office/powerpoint/2010/main" val="1819476551"/>
+        <p14:creationId xmlns:p14="http://schemas.microsoft.com/office/powerpoint/2010/main" val="3828983036"/>
       </p:ext>
     </p:extLst>
   </p:cSld>
@@ -2767,31 +5190,55 @@
           <a:chExt cx="0" cy="0"/>
         </a:xfrm>
       </p:grpSpPr>
-      <p:sp>
-        <p:nvSpPr>
-          <p:cNvPr id="2" name="Title Placeholder 1">
+      <p:pic>
+        <p:nvPicPr>
+          <p:cNvPr id="7" name="Picture 6" descr="C0-HD-TOP.png"/>
+          <p:cNvPicPr>
+            <a:picLocks noChangeAspect="1"/>
+          </p:cNvPicPr>
+          <p:nvPr/>
+        </p:nvPicPr>
+        <p:blipFill>
+          <a:blip r:embed="rId19">
             <a:extLst>
-              <a:ext uri="{FF2B5EF4-FFF2-40B4-BE49-F238E27FC236}">
-                <a16:creationId xmlns:a16="http://schemas.microsoft.com/office/drawing/2014/main" id="{00E19C99-6375-42E4-9EE3-56E137D08548}"/>
+              <a:ext uri="{28A0092B-C50C-407E-A947-70E740481C1C}">
+                <a14:useLocalDpi xmlns:a14="http://schemas.microsoft.com/office/drawing/2010/main" val="0"/>
               </a:ext>
             </a:extLst>
-          </p:cNvPr>
-          <p:cNvSpPr>
-            <a:spLocks noGrp="1"/>
-          </p:cNvSpPr>
-          <p:nvPr>
-            <p:ph type="title"/>
-          </p:nvPr>
-        </p:nvSpPr>
-        <p:spPr>
-          <a:xfrm>
-            <a:off x="838200" y="365125"/>
-            <a:ext cx="10515600" cy="1325563"/>
+          </a:blip>
+          <a:stretch>
+            <a:fillRect/>
+          </a:stretch>
+        </p:blipFill>
+        <p:spPr>
+          <a:xfrm>
+            <a:off x="0" y="0"/>
+            <a:ext cx="12192000" cy="1441450"/>
           </a:xfrm>
           <a:prstGeom prst="rect">
             <a:avLst/>
           </a:prstGeom>
         </p:spPr>
+      </p:pic>
+      <p:sp>
+        <p:nvSpPr>
+          <p:cNvPr id="2" name="Title Placeholder 1"/>
+          <p:cNvSpPr>
+            <a:spLocks noGrp="1"/>
+          </p:cNvSpPr>
+          <p:nvPr>
+            <p:ph type="title"/>
+          </p:nvPr>
+        </p:nvSpPr>
+        <p:spPr>
+          <a:xfrm>
+            <a:off x="2895600" y="764373"/>
+            <a:ext cx="8610600" cy="1293028"/>
+          </a:xfrm>
+          <a:prstGeom prst="rect">
+            <a:avLst/>
+          </a:prstGeom>
+        </p:spPr>
         <p:txBody>
           <a:bodyPr vert="horz" lIns="91440" tIns="45720" rIns="91440" bIns="45720" rtlCol="0" anchor="ctr">
             <a:normAutofit/>
@@ -2802,18 +5249,13 @@
               <a:rPr lang="en-US"/>
               <a:t>Click to edit Master title style</a:t>
             </a:r>
-          </a:p>
-        </p:txBody>
-      </p:sp>
-      <p:sp>
-        <p:nvSpPr>
-          <p:cNvPr id="3" name="Text Placeholder 2">
-            <a:extLst>
-              <a:ext uri="{FF2B5EF4-FFF2-40B4-BE49-F238E27FC236}">
-                <a16:creationId xmlns:a16="http://schemas.microsoft.com/office/drawing/2014/main" id="{3E8964CD-94B9-4499-ACEF-4F4C6977B481}"/>
-              </a:ext>
-            </a:extLst>
-          </p:cNvPr>
+            <a:endParaRPr lang="en-US" dirty="0"/>
+          </a:p>
+        </p:txBody>
+      </p:sp>
+      <p:sp>
+        <p:nvSpPr>
+          <p:cNvPr id="3" name="Text Placeholder 2"/>
           <p:cNvSpPr>
             <a:spLocks noGrp="1"/>
           </p:cNvSpPr>
@@ -2823,8 +5265,8 @@
         </p:nvSpPr>
         <p:spPr>
           <a:xfrm>
-            <a:off x="838200" y="1825625"/>
-            <a:ext cx="10515600" cy="4351338"/>
+            <a:off x="685800" y="2194560"/>
+            <a:ext cx="10820400" cy="4024125"/>
           </a:xfrm>
           <a:prstGeom prst="rect">
             <a:avLst/>
@@ -2869,18 +5311,13 @@
               <a:rPr lang="en-US"/>
               <a:t>Fifth level</a:t>
             </a:r>
-          </a:p>
-        </p:txBody>
-      </p:sp>
-      <p:sp>
-        <p:nvSpPr>
-          <p:cNvPr id="4" name="Date Placeholder 3">
-            <a:extLst>
-              <a:ext uri="{FF2B5EF4-FFF2-40B4-BE49-F238E27FC236}">
-                <a16:creationId xmlns:a16="http://schemas.microsoft.com/office/drawing/2014/main" id="{9F9F657A-809F-4D97-9468-026A73B47F3F}"/>
-              </a:ext>
-            </a:extLst>
-          </p:cNvPr>
+            <a:endParaRPr lang="en-US" dirty="0"/>
+          </a:p>
+        </p:txBody>
+      </p:sp>
+      <p:sp>
+        <p:nvSpPr>
+          <p:cNvPr id="4" name="Date Placeholder 3"/>
           <p:cNvSpPr>
             <a:spLocks noGrp="1"/>
           </p:cNvSpPr>
@@ -2890,8 +5327,8 @@
         </p:nvSpPr>
         <p:spPr>
           <a:xfrm>
-            <a:off x="838200" y="6356350"/>
-            <a:ext cx="2743200" cy="365125"/>
+            <a:off x="8595360" y="6356350"/>
+            <a:ext cx="2910840" cy="365125"/>
           </a:xfrm>
           <a:prstGeom prst="rect">
             <a:avLst/>
@@ -2900,8 +5337,8 @@
         <p:txBody>
           <a:bodyPr vert="horz" lIns="91440" tIns="45720" rIns="91440" bIns="45720" rtlCol="0" anchor="ctr"/>
           <a:lstStyle>
-            <a:lvl1pPr algn="l">
-              <a:defRPr sz="1200">
+            <a:lvl1pPr algn="r">
+              <a:defRPr sz="1050">
                 <a:solidFill>
                   <a:schemeClr val="tx1">
                     <a:tint val="75000"/>
@@ -2921,13 +5358,7 @@
       </p:sp>
       <p:sp>
         <p:nvSpPr>
-          <p:cNvPr id="5" name="Footer Placeholder 4">
-            <a:extLst>
-              <a:ext uri="{FF2B5EF4-FFF2-40B4-BE49-F238E27FC236}">
-                <a16:creationId xmlns:a16="http://schemas.microsoft.com/office/drawing/2014/main" id="{69A8EE05-F435-4FD1-91F7-01D1CD9C9BF6}"/>
-              </a:ext>
-            </a:extLst>
-          </p:cNvPr>
+          <p:cNvPr id="5" name="Footer Placeholder 4"/>
           <p:cNvSpPr>
             <a:spLocks noGrp="1"/>
           </p:cNvSpPr>
@@ -2937,8 +5368,8 @@
         </p:nvSpPr>
         <p:spPr>
           <a:xfrm>
-            <a:off x="4038600" y="6356350"/>
-            <a:ext cx="4114800" cy="365125"/>
+            <a:off x="685800" y="6355845"/>
+            <a:ext cx="7772400" cy="365125"/>
           </a:xfrm>
           <a:prstGeom prst="rect">
             <a:avLst/>
@@ -2947,8 +5378,8 @@
         <p:txBody>
           <a:bodyPr vert="horz" lIns="91440" tIns="45720" rIns="91440" bIns="45720" rtlCol="0" anchor="ctr"/>
           <a:lstStyle>
-            <a:lvl1pPr algn="ctr">
-              <a:defRPr sz="1200">
+            <a:lvl1pPr algn="l">
+              <a:defRPr sz="1050">
                 <a:solidFill>
                   <a:schemeClr val="tx1">
                     <a:tint val="75000"/>
@@ -2964,13 +5395,7 @@
       </p:sp>
       <p:sp>
         <p:nvSpPr>
-          <p:cNvPr id="6" name="Slide Number Placeholder 5">
-            <a:extLst>
-              <a:ext uri="{FF2B5EF4-FFF2-40B4-BE49-F238E27FC236}">
-                <a16:creationId xmlns:a16="http://schemas.microsoft.com/office/drawing/2014/main" id="{C53D00EA-E404-4D6C-8633-28053E91BEC6}"/>
-              </a:ext>
-            </a:extLst>
-          </p:cNvPr>
+          <p:cNvPr id="6" name="Slide Number Placeholder 5"/>
           <p:cNvSpPr>
             <a:spLocks noGrp="1"/>
           </p:cNvSpPr>
@@ -2980,7 +5405,7 @@
         </p:nvSpPr>
         <p:spPr>
           <a:xfrm>
-            <a:off x="8610600" y="6356350"/>
+            <a:off x="8763000" y="381000"/>
             <a:ext cx="2743200" cy="365125"/>
           </a:xfrm>
           <a:prstGeom prst="rect">
@@ -2991,7 +5416,7 @@
           <a:bodyPr vert="horz" lIns="91440" tIns="45720" rIns="91440" bIns="45720" rtlCol="0" anchor="ctr"/>
           <a:lstStyle>
             <a:lvl1pPr algn="r">
-              <a:defRPr sz="1200">
+              <a:defRPr sz="1050">
                 <a:solidFill>
                   <a:schemeClr val="tx1">
                     <a:tint val="75000"/>
@@ -3012,27 +5437,33 @@
     </p:spTree>
     <p:extLst>
       <p:ext uri="{BB962C8B-B14F-4D97-AF65-F5344CB8AC3E}">
-        <p14:creationId xmlns:p14="http://schemas.microsoft.com/office/powerpoint/2010/main" val="3253440342"/>
+        <p14:creationId xmlns:p14="http://schemas.microsoft.com/office/powerpoint/2010/main" val="1453793093"/>
       </p:ext>
     </p:extLst>
   </p:cSld>
-  <p:clrMap bg1="lt1" tx1="dk1" bg2="lt2" tx2="dk2" accent1="accent1" accent2="accent2" accent3="accent3" accent4="accent4" accent5="accent5" accent6="accent6" hlink="hlink" folHlink="folHlink"/>
+  <p:clrMap bg1="dk1" tx1="lt1" bg2="dk2" tx2="lt2" accent1="accent1" accent2="accent2" accent3="accent3" accent4="accent4" accent5="accent5" accent6="accent6" hlink="hlink" folHlink="folHlink"/>
   <p:sldLayoutIdLst>
-    <p:sldLayoutId id="2147483649" r:id="rId1"/>
-    <p:sldLayoutId id="2147483650" r:id="rId2"/>
-    <p:sldLayoutId id="2147483651" r:id="rId3"/>
-    <p:sldLayoutId id="2147483652" r:id="rId4"/>
-    <p:sldLayoutId id="2147483653" r:id="rId5"/>
-    <p:sldLayoutId id="2147483654" r:id="rId6"/>
-    <p:sldLayoutId id="2147483655" r:id="rId7"/>
-    <p:sldLayoutId id="2147483656" r:id="rId8"/>
-    <p:sldLayoutId id="2147483657" r:id="rId9"/>
-    <p:sldLayoutId id="2147483658" r:id="rId10"/>
-    <p:sldLayoutId id="2147483659" r:id="rId11"/>
+    <p:sldLayoutId id="2147483661" r:id="rId1"/>
+    <p:sldLayoutId id="2147483662" r:id="rId2"/>
+    <p:sldLayoutId id="2147483663" r:id="rId3"/>
+    <p:sldLayoutId id="2147483664" r:id="rId4"/>
+    <p:sldLayoutId id="2147483665" r:id="rId5"/>
+    <p:sldLayoutId id="2147483666" r:id="rId6"/>
+    <p:sldLayoutId id="2147483667" r:id="rId7"/>
+    <p:sldLayoutId id="2147483668" r:id="rId8"/>
+    <p:sldLayoutId id="2147483669" r:id="rId9"/>
+    <p:sldLayoutId id="2147483670" r:id="rId10"/>
+    <p:sldLayoutId id="2147483671" r:id="rId11"/>
+    <p:sldLayoutId id="2147483672" r:id="rId12"/>
+    <p:sldLayoutId id="2147483673" r:id="rId13"/>
+    <p:sldLayoutId id="2147483674" r:id="rId14"/>
+    <p:sldLayoutId id="2147483675" r:id="rId15"/>
+    <p:sldLayoutId id="2147483676" r:id="rId16"/>
+    <p:sldLayoutId id="2147483677" r:id="rId17"/>
   </p:sldLayoutIdLst>
   <p:txStyles>
     <p:titleStyle>
-      <a:lvl1pPr algn="l" defTabSz="914400" rtl="0" eaLnBrk="1" latinLnBrk="0" hangingPunct="1">
+      <a:lvl1pPr algn="r" defTabSz="914400" rtl="0" eaLnBrk="1" latinLnBrk="0" hangingPunct="1">
         <a:lnSpc>
           <a:spcPct val="90000"/>
         </a:lnSpc>
@@ -3040,7 +5471,7 @@
           <a:spcPct val="0"/>
         </a:spcBef>
         <a:buNone/>
-        <a:defRPr sz="4400" kern="1200">
+        <a:defRPr sz="4000" kern="1200" cap="all" baseline="0">
           <a:solidFill>
             <a:schemeClr val="tx1"/>
           </a:solidFill>
@@ -3060,7 +5491,7 @@
         </a:spcBef>
         <a:buFont typeface="Arial" panose="020B0604020202020204" pitchFamily="34" charset="0"/>
         <a:buChar char="•"/>
-        <a:defRPr sz="2800" kern="1200">
+        <a:defRPr sz="2200" kern="1200">
           <a:solidFill>
             <a:schemeClr val="tx1"/>
           </a:solidFill>
@@ -3078,7 +5509,7 @@
         </a:spcBef>
         <a:buFont typeface="Arial" panose="020B0604020202020204" pitchFamily="34" charset="0"/>
         <a:buChar char="•"/>
-        <a:defRPr sz="2400" kern="1200">
+        <a:defRPr sz="2000" kern="1200">
           <a:solidFill>
             <a:schemeClr val="tx1"/>
           </a:solidFill>
@@ -3096,7 +5527,7 @@
         </a:spcBef>
         <a:buFont typeface="Arial" panose="020B0604020202020204" pitchFamily="34" charset="0"/>
         <a:buChar char="•"/>
-        <a:defRPr sz="2000" kern="1200">
+        <a:defRPr sz="1800" kern="1200">
           <a:solidFill>
             <a:schemeClr val="tx1"/>
           </a:solidFill>
@@ -3114,7 +5545,7 @@
         </a:spcBef>
         <a:buFont typeface="Arial" panose="020B0604020202020204" pitchFamily="34" charset="0"/>
         <a:buChar char="•"/>
-        <a:defRPr sz="1800" kern="1200">
+        <a:defRPr sz="1600" kern="1200">
           <a:solidFill>
             <a:schemeClr val="tx1"/>
           </a:solidFill>
@@ -3132,7 +5563,7 @@
         </a:spcBef>
         <a:buFont typeface="Arial" panose="020B0604020202020204" pitchFamily="34" charset="0"/>
         <a:buChar char="•"/>
-        <a:defRPr sz="1800" kern="1200">
+        <a:defRPr sz="1600" kern="1200">
           <a:solidFill>
             <a:schemeClr val="tx1"/>
           </a:solidFill>
@@ -3150,7 +5581,7 @@
         </a:spcBef>
         <a:buFont typeface="Arial" panose="020B0604020202020204" pitchFamily="34" charset="0"/>
         <a:buChar char="•"/>
-        <a:defRPr sz="1800" kern="1200">
+        <a:defRPr sz="1600" kern="1200">
           <a:solidFill>
             <a:schemeClr val="tx1"/>
           </a:solidFill>
@@ -3168,7 +5599,7 @@
         </a:spcBef>
         <a:buFont typeface="Arial" panose="020B0604020202020204" pitchFamily="34" charset="0"/>
         <a:buChar char="•"/>
-        <a:defRPr sz="1800" kern="1200">
+        <a:defRPr sz="1600" kern="1200">
           <a:solidFill>
             <a:schemeClr val="tx1"/>
           </a:solidFill>
@@ -3186,7 +5617,7 @@
         </a:spcBef>
         <a:buFont typeface="Arial" panose="020B0604020202020204" pitchFamily="34" charset="0"/>
         <a:buChar char="•"/>
-        <a:defRPr sz="1800" kern="1200">
+        <a:defRPr sz="1600" kern="1200">
           <a:solidFill>
             <a:schemeClr val="tx1"/>
           </a:solidFill>
@@ -3204,7 +5635,7 @@
         </a:spcBef>
         <a:buFont typeface="Arial" panose="020B0604020202020204" pitchFamily="34" charset="0"/>
         <a:buChar char="•"/>
-        <a:defRPr sz="1800" kern="1200">
+        <a:defRPr sz="1600" kern="1200">
           <a:solidFill>
             <a:schemeClr val="tx1"/>
           </a:solidFill>
@@ -3340,136 +5771,6 @@
       </p:grpSpPr>
       <p:sp>
         <p:nvSpPr>
-          <p:cNvPr id="22" name="Rectangle 9">
-            <a:extLst>
-              <a:ext uri="{FF2B5EF4-FFF2-40B4-BE49-F238E27FC236}">
-                <a16:creationId xmlns:a16="http://schemas.microsoft.com/office/drawing/2014/main" id="{23962611-DFD5-4092-AAFD-559E3DFCE2C9}"/>
-              </a:ext>
-              <a:ext uri="{C183D7F6-B498-43B3-948B-1728B52AA6E4}">
-                <adec:decorative xmlns:adec="http://schemas.microsoft.com/office/drawing/2017/decorative" val="1"/>
-              </a:ext>
-            </a:extLst>
-          </p:cNvPr>
-          <p:cNvSpPr>
-            <a:spLocks noGrp="1" noRot="1" noChangeAspect="1" noMove="1" noResize="1" noEditPoints="1" noAdjustHandles="1" noChangeArrowheads="1" noChangeShapeType="1" noTextEdit="1"/>
-          </p:cNvSpPr>
-          <p:nvPr>
-            <p:extLst>
-              <p:ext uri="{386F3935-93C4-4BCD-93E2-E3B085C9AB24}">
-                <p16:designElem xmlns:p16="http://schemas.microsoft.com/office/powerpoint/2015/main" val="1"/>
-              </p:ext>
-            </p:extLst>
-          </p:nvPr>
-        </p:nvSpPr>
-        <p:spPr>
-          <a:xfrm>
-            <a:off x="475488" y="0"/>
-            <a:ext cx="10910292" cy="6858000"/>
-          </a:xfrm>
-          <a:prstGeom prst="rect">
-            <a:avLst/>
-          </a:prstGeom>
-          <a:gradFill>
-            <a:gsLst>
-              <a:gs pos="0">
-                <a:schemeClr val="accent1">
-                  <a:lumMod val="90000"/>
-                </a:schemeClr>
-              </a:gs>
-              <a:gs pos="25000">
-                <a:schemeClr val="accent1">
-                  <a:lumMod val="90000"/>
-                </a:schemeClr>
-              </a:gs>
-              <a:gs pos="94000">
-                <a:schemeClr val="bg2">
-                  <a:lumMod val="25000"/>
-                </a:schemeClr>
-              </a:gs>
-              <a:gs pos="100000">
-                <a:schemeClr val="bg2">
-                  <a:lumMod val="25000"/>
-                </a:schemeClr>
-              </a:gs>
-            </a:gsLst>
-            <a:lin ang="4200000" scaled="0"/>
-          </a:gradFill>
-          <a:ln>
-            <a:noFill/>
-          </a:ln>
-        </p:spPr>
-        <p:style>
-          <a:lnRef idx="2">
-            <a:schemeClr val="accent1">
-              <a:shade val="50000"/>
-            </a:schemeClr>
-          </a:lnRef>
-          <a:fillRef idx="1">
-            <a:schemeClr val="accent1"/>
-          </a:fillRef>
-          <a:effectRef idx="0">
-            <a:schemeClr val="accent1"/>
-          </a:effectRef>
-          <a:fontRef idx="minor">
-            <a:schemeClr val="lt1"/>
-          </a:fontRef>
-        </p:style>
-        <p:txBody>
-          <a:bodyPr rtlCol="0" anchor="ctr"/>
-          <a:lstStyle/>
-          <a:p>
-            <a:pPr algn="ctr"/>
-            <a:endParaRPr lang="en-US" dirty="0"/>
-          </a:p>
-        </p:txBody>
-      </p:sp>
-      <p:pic>
-        <p:nvPicPr>
-          <p:cNvPr id="23" name="Picture 11">
-            <a:extLst>
-              <a:ext uri="{FF2B5EF4-FFF2-40B4-BE49-F238E27FC236}">
-                <a16:creationId xmlns:a16="http://schemas.microsoft.com/office/drawing/2014/main" id="{2270F1FA-0425-408F-9861-80BF5AFB276D}"/>
-              </a:ext>
-              <a:ext uri="{C183D7F6-B498-43B3-948B-1728B52AA6E4}">
-                <adec:decorative xmlns:adec="http://schemas.microsoft.com/office/drawing/2017/decorative" val="1"/>
-              </a:ext>
-            </a:extLst>
-          </p:cNvPr>
-          <p:cNvPicPr>
-            <a:picLocks noGrp="1" noRot="1" noChangeAspect="1" noMove="1" noResize="1" noEditPoints="1" noAdjustHandles="1" noChangeArrowheads="1" noChangeShapeType="1" noCrop="1"/>
-          </p:cNvPicPr>
-          <p:nvPr>
-            <p:extLst>
-              <p:ext uri="{386F3935-93C4-4BCD-93E2-E3B085C9AB24}">
-                <p16:designElem xmlns:p16="http://schemas.microsoft.com/office/powerpoint/2015/main" val="1"/>
-              </p:ext>
-            </p:extLst>
-          </p:nvPr>
-        </p:nvPicPr>
-        <p:blipFill>
-          <a:blip r:embed="rId2">
-            <a:extLst>
-              <a:ext uri="{28A0092B-C50C-407E-A947-70E740481C1C}">
-                <a14:useLocalDpi xmlns:a14="http://schemas.microsoft.com/office/drawing/2010/main" val="0"/>
-              </a:ext>
-            </a:extLst>
-          </a:blip>
-          <a:stretch>
-            <a:fillRect/>
-          </a:stretch>
-        </p:blipFill>
-        <p:spPr>
-          <a:xfrm>
-            <a:off x="0" y="0"/>
-            <a:ext cx="12192000" cy="6858000"/>
-          </a:xfrm>
-          <a:prstGeom prst="rect">
-            <a:avLst/>
-          </a:prstGeom>
-        </p:spPr>
-      </p:pic>
-      <p:sp>
-        <p:nvSpPr>
           <p:cNvPr id="4" name="Title 3">
             <a:extLst>
               <a:ext uri="{FF2B5EF4-FFF2-40B4-BE49-F238E27FC236}">
@@ -3486,8 +5787,8 @@
         </p:nvSpPr>
         <p:spPr>
           <a:xfrm>
-            <a:off x="2878037" y="1012055"/>
-            <a:ext cx="6105194" cy="1402671"/>
+            <a:off x="3043403" y="1021832"/>
+            <a:ext cx="6105194" cy="2031055"/>
           </a:xfrm>
         </p:spPr>
         <p:txBody>
@@ -3497,7 +5798,7 @@
           <a:lstStyle/>
           <a:p>
             <a:r>
-              <a:rPr lang="en-US" sz="4800" b="1" dirty="0">
+              <a:rPr lang="en-US" sz="5100" b="1" dirty="0" err="1">
                 <a:solidFill>
                   <a:srgbClr val="FFFFFF"/>
                 </a:solidFill>
@@ -3505,14 +5806,14 @@
               <a:t>ResFOr</a:t>
             </a:r>
             <a:br>
-              <a:rPr lang="en-US" sz="4800" b="1" dirty="0">
+              <a:rPr lang="en-US" sz="5100" b="1" dirty="0">
                 <a:solidFill>
                   <a:srgbClr val="FFFFFF"/>
                 </a:solidFill>
               </a:rPr>
             </a:br>
             <a:r>
-              <a:rPr lang="en-US" sz="4800" b="1" dirty="0">
+              <a:rPr lang="en-US" sz="5100" b="1" dirty="0">
                 <a:solidFill>
                   <a:srgbClr val="FFFFFF"/>
                 </a:solidFill>
@@ -3540,19 +5841,19 @@
         </p:nvSpPr>
         <p:spPr>
           <a:xfrm>
-            <a:off x="2677788" y="2610035"/>
-            <a:ext cx="6611548" cy="2217783"/>
+            <a:off x="3043403" y="3581400"/>
+            <a:ext cx="6105194" cy="1632597"/>
           </a:xfrm>
         </p:spPr>
         <p:txBody>
           <a:bodyPr>
-            <a:normAutofit/>
+            <a:normAutofit fontScale="77500" lnSpcReduction="20000"/>
           </a:bodyPr>
           <a:lstStyle/>
           <a:p>
             <a:pPr rtl="1"/>
             <a:r>
-              <a:rPr lang="he-IL" b="1" dirty="0">
+              <a:rPr lang="he-IL" sz="2900" b="1" dirty="0">
                 <a:solidFill>
                   <a:srgbClr val="FFFFFF"/>
                 </a:solidFill>
@@ -3560,20 +5861,20 @@
               <a:t>מרצה: </a:t>
             </a:r>
             <a:r>
-              <a:rPr lang="he-IL" dirty="0">
+              <a:rPr lang="he-IL" sz="2900" dirty="0">
                 <a:solidFill>
-                  <a:schemeClr val="bg1"/>
+                  <a:srgbClr val="FFFFFF"/>
                 </a:solidFill>
               </a:rPr>
               <a:t>מר פרץ אילן.</a:t>
             </a:r>
           </a:p>
           <a:p>
-            <a:pPr algn="r" rtl="1"/>
-            <a:r>
-              <a:rPr lang="he-IL" dirty="0">
+            <a:pPr rtl="1"/>
+            <a:r>
+              <a:rPr lang="he-IL" sz="2900" dirty="0">
                 <a:solidFill>
-                  <a:schemeClr val="bg1"/>
+                  <a:srgbClr val="FFFFFF"/>
                 </a:solidFill>
               </a:rPr>
               <a:t>פרויקט בקורס סדנא בתכנות יישומים ניידים באנדרואיד.</a:t>
@@ -3582,9 +5883,9 @@
           <a:p>
             <a:pPr rtl="1"/>
             <a:r>
-              <a:rPr lang="he-IL" dirty="0">
+              <a:rPr lang="he-IL" sz="2900" dirty="0">
                 <a:solidFill>
-                  <a:schemeClr val="bg1"/>
+                  <a:srgbClr val="FFFFFF"/>
                 </a:solidFill>
               </a:rPr>
               <a:t>סטודנטים:</a:t>
@@ -3593,19 +5894,19 @@
           <a:p>
             <a:pPr rtl="1"/>
             <a:r>
-              <a:rPr lang="he-IL" dirty="0">
+              <a:rPr lang="he-IL" sz="2900" dirty="0">
                 <a:solidFill>
-                  <a:schemeClr val="bg1"/>
+                  <a:srgbClr val="FFFFFF"/>
                 </a:solidFill>
               </a:rPr>
               <a:t>אברהים אדקידק ומונתצר ג'עאפרה</a:t>
             </a:r>
           </a:p>
           <a:p>
-            <a:pPr algn="r" rtl="1"/>
-            <a:endParaRPr lang="he-IL" dirty="0">
+            <a:pPr rtl="1"/>
+            <a:endParaRPr lang="he-IL" sz="600" dirty="0">
               <a:solidFill>
-                <a:schemeClr val="bg1"/>
+                <a:srgbClr val="FFFFFF"/>
               </a:solidFill>
             </a:endParaRPr>
           </a:p>
@@ -3627,6 +5928,17 @@
 <file path=ppt/slides/slide2.xml><?xml version="1.0" encoding="utf-8"?>
 <p:sld xmlns:a="http://schemas.openxmlformats.org/drawingml/2006/main" xmlns:r="http://schemas.openxmlformats.org/officeDocument/2006/relationships" xmlns:p="http://schemas.openxmlformats.org/presentationml/2006/main">
   <p:cSld>
+    <p:bg>
+      <p:bgPr>
+        <a:solidFill>
+          <a:schemeClr val="bg1">
+            <a:tint val="95000"/>
+            <a:satMod val="170000"/>
+          </a:schemeClr>
+        </a:solidFill>
+        <a:effectLst/>
+      </p:bgPr>
+    </p:bg>
     <p:spTree>
       <p:nvGrpSpPr>
         <p:cNvPr id="1" name=""/>
@@ -3641,6 +5953,42 @@
           <a:chExt cx="0" cy="0"/>
         </a:xfrm>
       </p:grpSpPr>
+      <p:pic>
+        <p:nvPicPr>
+          <p:cNvPr id="6" name="Picture 5" descr="A close up of a logo&#10;&#10;Description automatically generated">
+            <a:extLst>
+              <a:ext uri="{FF2B5EF4-FFF2-40B4-BE49-F238E27FC236}">
+                <a16:creationId xmlns:a16="http://schemas.microsoft.com/office/drawing/2014/main" id="{42ADE9CA-EBA1-426F-8840-18C5B852C169}"/>
+              </a:ext>
+            </a:extLst>
+          </p:cNvPr>
+          <p:cNvPicPr>
+            <a:picLocks noChangeAspect="1"/>
+          </p:cNvPicPr>
+          <p:nvPr/>
+        </p:nvPicPr>
+        <p:blipFill>
+          <a:blip r:embed="rId2">
+            <a:extLst>
+              <a:ext uri="{28A0092B-C50C-407E-A947-70E740481C1C}">
+                <a14:useLocalDpi xmlns:a14="http://schemas.microsoft.com/office/drawing/2010/main" val="0"/>
+              </a:ext>
+            </a:extLst>
+          </a:blip>
+          <a:stretch>
+            <a:fillRect/>
+          </a:stretch>
+        </p:blipFill>
+        <p:spPr>
+          <a:xfrm>
+            <a:off x="383877" y="1120183"/>
+            <a:ext cx="3835488" cy="3835488"/>
+          </a:xfrm>
+          <a:prstGeom prst="rect">
+            <a:avLst/>
+          </a:prstGeom>
+        </p:spPr>
+      </p:pic>
       <p:sp>
         <p:nvSpPr>
           <p:cNvPr id="3" name="Content Placeholder 2">
@@ -3659,30 +6007,32 @@
         </p:nvSpPr>
         <p:spPr>
           <a:xfrm>
-            <a:off x="2112886" y="1552956"/>
-            <a:ext cx="7315200" cy="3752087"/>
-          </a:xfrm>
-        </p:spPr>
-        <p:txBody>
-          <a:bodyPr/>
+            <a:off x="6053667" y="834501"/>
+            <a:ext cx="5314543" cy="5078027"/>
+          </a:xfrm>
+        </p:spPr>
+        <p:txBody>
+          <a:bodyPr anchor="t">
+            <a:noAutofit/>
+          </a:bodyPr>
           <a:lstStyle/>
           <a:p>
             <a:pPr marL="0" indent="0" algn="r" rtl="1">
               <a:buNone/>
             </a:pPr>
             <a:r>
-              <a:rPr lang="he-IL" dirty="0"/>
+              <a:rPr lang="he-IL" sz="2800" dirty="0"/>
               <a:t>מלא פעמים אנחנו מתלבטים מה לאכול, או מאיפה להזמין, ואם בוחרים במסעדה מסויימת אז מה התפריט של המסעדה הזו, ואז מחפשים באינטרנט מסעדות תפריטים שלהם וזה לוקח לפעמים מלא זמן, ומכיוון שהזמן יקר לחלקינו לפחות. עלה לנו בראש את הרעיון של האפליקציה </a:t>
             </a:r>
             <a:r>
-              <a:rPr lang="en-US" dirty="0"/>
+              <a:rPr lang="en-US" sz="2800" dirty="0" err="1"/>
               <a:t>ResFOr</a:t>
             </a:r>
             <a:r>
-              <a:rPr lang="he-IL" dirty="0"/>
+              <a:rPr lang="he-IL" sz="2800" dirty="0"/>
               <a:t>, אפליקציה שמקלה עלינו למצוא את המסעדה ולהזמין גם ולשלוח את המיקום שלנו בשביל שיהיה קל לנו ולשליח למצוא אותנו בקלות בלי הסתבכות.</a:t>
             </a:r>
-            <a:endParaRPr lang="en-US" dirty="0"/>
+            <a:endParaRPr lang="en-US" sz="2800" dirty="0"/>
           </a:p>
         </p:txBody>
       </p:sp>
@@ -3694,7 +6044,7 @@
     </p:extLst>
   </p:cSld>
   <p:clrMapOvr>
-    <a:masterClrMapping/>
+    <a:overrideClrMapping bg1="dk1" tx1="lt1" bg2="dk2" tx2="lt2" accent1="accent1" accent2="accent2" accent3="accent3" accent4="accent4" accent5="accent5" accent6="accent6" hlink="hlink" folHlink="folHlink"/>
   </p:clrMapOvr>
 </p:sld>
 </file>
@@ -3742,7 +6092,7 @@
             <a:pPr algn="r"/>
             <a:r>
               <a:rPr lang="he-IL" sz="2800" dirty="0"/>
-              <a:t>באפליקציה זו יש שני משתמשים עיקררים:לקוח שרוצה להזמין או מסעדה שמעלה את התפריט שלה ומקבלת הזמנות מלקוחות.</a:t>
+              <a:t>באפליקציה זו יש שני משתמשים עיקריים:לקוח שרוצה להזמין או מסעדה שמעלה את התפריט שלה ומקבלת הזמנות מלקוחות.</a:t>
             </a:r>
             <a:endParaRPr lang="en-US" sz="2800" dirty="0"/>
           </a:p>
@@ -3766,7 +6116,7 @@
         </p:nvSpPr>
         <p:spPr>
           <a:xfrm>
-            <a:off x="152400" y="1369959"/>
+            <a:off x="565815" y="2057400"/>
             <a:ext cx="5181600" cy="511175"/>
           </a:xfrm>
         </p:spPr>
@@ -3805,7 +6155,7 @@
         </p:nvSpPr>
         <p:spPr>
           <a:xfrm>
-            <a:off x="7192761" y="1533122"/>
+            <a:off x="7538990" y="2057401"/>
             <a:ext cx="2302276" cy="511175"/>
           </a:xfrm>
         </p:spPr>
@@ -3828,10 +6178,10 @@
       </p:sp>
       <p:pic>
         <p:nvPicPr>
-          <p:cNvPr id="6" name="Picture 5">
+          <p:cNvPr id="7" name="Picture 6" descr="A screenshot of a cell phone&#10;&#10;Description automatically generated">
             <a:extLst>
               <a:ext uri="{FF2B5EF4-FFF2-40B4-BE49-F238E27FC236}">
-                <a16:creationId xmlns:a16="http://schemas.microsoft.com/office/drawing/2014/main" id="{4D9C993E-D2DD-4F2D-99A0-9AEEA46BDA5C}"/>
+                <a16:creationId xmlns:a16="http://schemas.microsoft.com/office/drawing/2014/main" id="{1D230CD0-B8F1-4D3C-9572-D649076D94CA}"/>
               </a:ext>
             </a:extLst>
           </p:cNvPr>
@@ -3841,15 +6191,21 @@
           <p:nvPr/>
         </p:nvPicPr>
         <p:blipFill>
-          <a:blip r:embed="rId2"/>
+          <a:blip r:embed="rId2">
+            <a:extLst>
+              <a:ext uri="{28A0092B-C50C-407E-A947-70E740481C1C}">
+                <a14:useLocalDpi xmlns:a14="http://schemas.microsoft.com/office/drawing/2010/main" val="0"/>
+              </a:ext>
+            </a:extLst>
+          </a:blip>
           <a:stretch>
             <a:fillRect/>
           </a:stretch>
         </p:blipFill>
         <p:spPr>
           <a:xfrm>
-            <a:off x="495300" y="1825625"/>
-            <a:ext cx="4495800" cy="4933950"/>
+            <a:off x="1695082" y="2583401"/>
+            <a:ext cx="2923066" cy="3963313"/>
           </a:xfrm>
           <a:prstGeom prst="rect">
             <a:avLst/>
@@ -3858,10 +6214,10 @@
       </p:pic>
       <p:pic>
         <p:nvPicPr>
-          <p:cNvPr id="9" name="Picture 8">
+          <p:cNvPr id="10" name="Picture 9" descr="A screenshot of a cell phone&#10;&#10;Description automatically generated">
             <a:extLst>
               <a:ext uri="{FF2B5EF4-FFF2-40B4-BE49-F238E27FC236}">
-                <a16:creationId xmlns:a16="http://schemas.microsoft.com/office/drawing/2014/main" id="{B692A0F2-3EB6-461E-AB76-D977E8832527}"/>
+                <a16:creationId xmlns:a16="http://schemas.microsoft.com/office/drawing/2014/main" id="{5BEC4906-6122-440C-94B2-CB9847803609}"/>
               </a:ext>
             </a:extLst>
           </p:cNvPr>
@@ -3871,15 +6227,21 @@
           <p:nvPr/>
         </p:nvPicPr>
         <p:blipFill>
-          <a:blip r:embed="rId3"/>
+          <a:blip r:embed="rId3">
+            <a:extLst>
+              <a:ext uri="{28A0092B-C50C-407E-A947-70E740481C1C}">
+                <a14:useLocalDpi xmlns:a14="http://schemas.microsoft.com/office/drawing/2010/main" val="0"/>
+              </a:ext>
+            </a:extLst>
+          </a:blip>
           <a:stretch>
             <a:fillRect/>
           </a:stretch>
         </p:blipFill>
         <p:spPr>
           <a:xfrm>
-            <a:off x="6599460" y="1973009"/>
-            <a:ext cx="3488879" cy="4848548"/>
+            <a:off x="7381598" y="2583402"/>
+            <a:ext cx="2765579" cy="3776670"/>
           </a:xfrm>
           <a:prstGeom prst="rect">
             <a:avLst/>
@@ -3918,6 +6280,43 @@
       </p:grpSpPr>
       <p:sp>
         <p:nvSpPr>
+          <p:cNvPr id="5" name="Title 4">
+            <a:extLst>
+              <a:ext uri="{FF2B5EF4-FFF2-40B4-BE49-F238E27FC236}">
+                <a16:creationId xmlns:a16="http://schemas.microsoft.com/office/drawing/2014/main" id="{08B41997-AEB4-4A51-877F-480CC15F1518}"/>
+              </a:ext>
+            </a:extLst>
+          </p:cNvPr>
+          <p:cNvSpPr>
+            <a:spLocks noGrp="1"/>
+          </p:cNvSpPr>
+          <p:nvPr>
+            <p:ph type="title"/>
+          </p:nvPr>
+        </p:nvSpPr>
+        <p:spPr>
+          <a:xfrm>
+            <a:off x="3391685" y="536389"/>
+            <a:ext cx="1952625" cy="349251"/>
+          </a:xfrm>
+        </p:spPr>
+        <p:txBody>
+          <a:bodyPr>
+            <a:normAutofit/>
+          </a:bodyPr>
+          <a:lstStyle/>
+          <a:p>
+            <a:pPr algn="ctr"/>
+            <a:r>
+              <a:rPr lang="he-IL" sz="1800" dirty="0"/>
+              <a:t>מסך התפרית</a:t>
+            </a:r>
+            <a:endParaRPr lang="en-US" sz="1800" dirty="0"/>
+          </a:p>
+        </p:txBody>
+      </p:sp>
+      <p:sp>
+        <p:nvSpPr>
           <p:cNvPr id="3" name="Content Placeholder 2">
             <a:extLst>
               <a:ext uri="{FF2B5EF4-FFF2-40B4-BE49-F238E27FC236}">
@@ -3929,48 +6328,230 @@
             <a:spLocks noGrp="1"/>
           </p:cNvSpPr>
           <p:nvPr>
-            <p:ph idx="1"/>
-          </p:nvPr>
-        </p:nvSpPr>
-        <p:spPr>
-          <a:xfrm>
-            <a:off x="1997476" y="1139509"/>
-            <a:ext cx="7315200" cy="4364646"/>
-          </a:xfrm>
-        </p:spPr>
-        <p:txBody>
-          <a:bodyPr/>
+            <p:ph idx="4294967295"/>
+          </p:nvPr>
+        </p:nvSpPr>
+        <p:spPr>
+          <a:xfrm>
+            <a:off x="6924679" y="536389"/>
+            <a:ext cx="4370773" cy="6007100"/>
+          </a:xfrm>
+        </p:spPr>
+        <p:txBody>
+          <a:bodyPr>
+            <a:noAutofit/>
+          </a:bodyPr>
           <a:lstStyle/>
           <a:p>
             <a:pPr marL="0" indent="0" algn="ctr" rtl="1">
               <a:buNone/>
             </a:pPr>
             <a:r>
+              <a:rPr lang="he-IL" sz="2800" dirty="0"/>
+              <a:t>כאשר המשתמש הינו מסעדה</a:t>
+            </a:r>
+          </a:p>
+          <a:p>
+            <a:pPr marL="0" indent="0" algn="ctr" rtl="1">
+              <a:buNone/>
+            </a:pPr>
+            <a:endParaRPr lang="he-IL" sz="2800" dirty="0"/>
+          </a:p>
+          <a:p>
+            <a:pPr marL="0" indent="0" algn="r" rtl="1">
+              <a:buNone/>
+            </a:pPr>
+            <a:r>
+              <a:rPr lang="he-IL" sz="2800" dirty="0"/>
+              <a:t>כשמתמש נרשם כמסעדה הוא יכול לצפות בתפריט שלו, לעדכן ולמחוק. וגם כשהוא מקבל הזמנה חדשה יקבל </a:t>
+            </a:r>
+            <a:r>
+              <a:rPr lang="en-US" sz="2800" dirty="0"/>
+              <a:t>Notification</a:t>
+            </a:r>
+            <a:r>
+              <a:rPr lang="he-IL" sz="2800" dirty="0"/>
+              <a:t> שיש הזמנה חדשה, ברגע שלוחץ על ההזמנה נפתח לו מסך ההזמנות, וכשהשליח מגיע הוא לוחץ על כפתור ההגעה ואז הלקוח מקבל הודעה שהשליח הגיע וההזמנה נמחקה מרשימת ההזמנות של המסעדה.</a:t>
+            </a:r>
+            <a:endParaRPr lang="en-US" sz="2800" dirty="0"/>
+          </a:p>
+        </p:txBody>
+      </p:sp>
+      <p:pic>
+        <p:nvPicPr>
+          <p:cNvPr id="4" name="Picture 3" descr="A screenshot of a cell phone&#10;&#10;Description automatically generated">
+            <a:extLst>
+              <a:ext uri="{FF2B5EF4-FFF2-40B4-BE49-F238E27FC236}">
+                <a16:creationId xmlns:a16="http://schemas.microsoft.com/office/drawing/2014/main" id="{D6B75FB9-F9BB-4319-AF49-16CB19603D73}"/>
+              </a:ext>
+            </a:extLst>
+          </p:cNvPr>
+          <p:cNvPicPr>
+            <a:picLocks noChangeAspect="1"/>
+          </p:cNvPicPr>
+          <p:nvPr/>
+        </p:nvPicPr>
+        <p:blipFill>
+          <a:blip r:embed="rId2">
+            <a:extLst>
+              <a:ext uri="{28A0092B-C50C-407E-A947-70E740481C1C}">
+                <a14:useLocalDpi xmlns:a14="http://schemas.microsoft.com/office/drawing/2010/main" val="0"/>
+              </a:ext>
+            </a:extLst>
+          </a:blip>
+          <a:stretch>
+            <a:fillRect/>
+          </a:stretch>
+        </p:blipFill>
+        <p:spPr>
+          <a:xfrm>
+            <a:off x="3468670" y="885640"/>
+            <a:ext cx="1798653" cy="2632784"/>
+          </a:xfrm>
+          <a:prstGeom prst="rect">
+            <a:avLst/>
+          </a:prstGeom>
+        </p:spPr>
+      </p:pic>
+      <p:pic>
+        <p:nvPicPr>
+          <p:cNvPr id="7" name="Picture 6" descr="A screenshot of a cell phone&#10;&#10;Description automatically generated">
+            <a:extLst>
+              <a:ext uri="{FF2B5EF4-FFF2-40B4-BE49-F238E27FC236}">
+                <a16:creationId xmlns:a16="http://schemas.microsoft.com/office/drawing/2014/main" id="{A8DAE3C7-D61E-4AF3-88B0-7BA2D7D15F14}"/>
+              </a:ext>
+            </a:extLst>
+          </p:cNvPr>
+          <p:cNvPicPr>
+            <a:picLocks noChangeAspect="1"/>
+          </p:cNvPicPr>
+          <p:nvPr/>
+        </p:nvPicPr>
+        <p:blipFill>
+          <a:blip r:embed="rId3">
+            <a:extLst>
+              <a:ext uri="{28A0092B-C50C-407E-A947-70E740481C1C}">
+                <a14:useLocalDpi xmlns:a14="http://schemas.microsoft.com/office/drawing/2010/main" val="0"/>
+              </a:ext>
+            </a:extLst>
+          </a:blip>
+          <a:stretch>
+            <a:fillRect/>
+          </a:stretch>
+        </p:blipFill>
+        <p:spPr>
+          <a:xfrm>
+            <a:off x="540570" y="2555428"/>
+            <a:ext cx="1885950" cy="2632784"/>
+          </a:xfrm>
+          <a:prstGeom prst="rect">
+            <a:avLst/>
+          </a:prstGeom>
+        </p:spPr>
+      </p:pic>
+      <p:sp>
+        <p:nvSpPr>
+          <p:cNvPr id="8" name="Rectangle 7">
+            <a:extLst>
+              <a:ext uri="{FF2B5EF4-FFF2-40B4-BE49-F238E27FC236}">
+                <a16:creationId xmlns:a16="http://schemas.microsoft.com/office/drawing/2014/main" id="{14AACCEB-1E12-4C6F-9997-106E9662467A}"/>
+              </a:ext>
+            </a:extLst>
+          </p:cNvPr>
+          <p:cNvSpPr/>
+          <p:nvPr/>
+        </p:nvSpPr>
+        <p:spPr>
+          <a:xfrm>
+            <a:off x="828477" y="2017366"/>
+            <a:ext cx="1143117" cy="369332"/>
+          </a:xfrm>
+          <a:prstGeom prst="rect">
+            <a:avLst/>
+          </a:prstGeom>
+        </p:spPr>
+        <p:txBody>
+          <a:bodyPr wrap="square">
+            <a:spAutoFit/>
+          </a:bodyPr>
+          <a:lstStyle/>
+          <a:p>
+            <a:pPr algn="ctr"/>
+            <a:r>
               <a:rPr lang="he-IL" dirty="0"/>
-              <a:t>כאשר המשתמש הינו מסעדה</a:t>
-            </a:r>
-          </a:p>
-          <a:p>
-            <a:pPr marL="0" indent="0" algn="ctr" rtl="1">
-              <a:buNone/>
-            </a:pPr>
-            <a:endParaRPr lang="he-IL" dirty="0"/>
-          </a:p>
-          <a:p>
-            <a:pPr marL="0" indent="0" algn="r" rtl="1">
-              <a:buNone/>
-            </a:pPr>
+              <a:t>ההזמנה</a:t>
+            </a:r>
+            <a:endParaRPr lang="en-US" dirty="0"/>
+          </a:p>
+        </p:txBody>
+      </p:sp>
+      <p:pic>
+        <p:nvPicPr>
+          <p:cNvPr id="10" name="Picture 9" descr="A screenshot of a cell phone&#10;&#10;Description automatically generated">
+            <a:extLst>
+              <a:ext uri="{FF2B5EF4-FFF2-40B4-BE49-F238E27FC236}">
+                <a16:creationId xmlns:a16="http://schemas.microsoft.com/office/drawing/2014/main" id="{9FCE7706-6ED4-4343-95EA-2D5CB52F9134}"/>
+              </a:ext>
+            </a:extLst>
+          </p:cNvPr>
+          <p:cNvPicPr>
+            <a:picLocks noChangeAspect="1"/>
+          </p:cNvPicPr>
+          <p:nvPr/>
+        </p:nvPicPr>
+        <p:blipFill>
+          <a:blip r:embed="rId4">
+            <a:extLst>
+              <a:ext uri="{28A0092B-C50C-407E-A947-70E740481C1C}">
+                <a14:useLocalDpi xmlns:a14="http://schemas.microsoft.com/office/drawing/2010/main" val="0"/>
+              </a:ext>
+            </a:extLst>
+          </a:blip>
+          <a:stretch>
+            <a:fillRect/>
+          </a:stretch>
+        </p:blipFill>
+        <p:spPr>
+          <a:xfrm>
+            <a:off x="3435332" y="4225216"/>
+            <a:ext cx="1885951" cy="2632784"/>
+          </a:xfrm>
+          <a:prstGeom prst="rect">
+            <a:avLst/>
+          </a:prstGeom>
+        </p:spPr>
+      </p:pic>
+      <p:sp>
+        <p:nvSpPr>
+          <p:cNvPr id="11" name="Rectangle 10">
+            <a:extLst>
+              <a:ext uri="{FF2B5EF4-FFF2-40B4-BE49-F238E27FC236}">
+                <a16:creationId xmlns:a16="http://schemas.microsoft.com/office/drawing/2014/main" id="{CD691CEA-23DE-460F-B5DC-E4ECFFBBD6AC}"/>
+              </a:ext>
+            </a:extLst>
+          </p:cNvPr>
+          <p:cNvSpPr/>
+          <p:nvPr/>
+        </p:nvSpPr>
+        <p:spPr>
+          <a:xfrm>
+            <a:off x="3796437" y="3687154"/>
+            <a:ext cx="1143117" cy="369332"/>
+          </a:xfrm>
+          <a:prstGeom prst="rect">
+            <a:avLst/>
+          </a:prstGeom>
+        </p:spPr>
+        <p:txBody>
+          <a:bodyPr wrap="square">
+            <a:spAutoFit/>
+          </a:bodyPr>
+          <a:lstStyle/>
+          <a:p>
+            <a:pPr algn="ctr"/>
             <a:r>
               <a:rPr lang="he-IL" dirty="0"/>
-              <a:t>כשלקוח נרשם כמסעדה הוא יכול לצפות בתפריט שלו, לעדכן ולמחוק. וגם כשהוא מקבל הזמנה חדשה יקבל </a:t>
-            </a:r>
-            <a:r>
-              <a:rPr lang="en-US" dirty="0"/>
-              <a:t>Notification</a:t>
-            </a:r>
-            <a:r>
-              <a:rPr lang="he-IL" dirty="0"/>
-              <a:t> שיש הזמנה חדשה, ברגע שלוחץ על ההזמנה נפתח לו מסך ההזמנות, וכשהשליח מגיע הוא לוחץ על כפתור ההגעה ואז הלקוח מקבל הודעה שהשליח הגיע וההזמנה נמחקה מרשימת ההזמנות של המסעדה.</a:t>
+              <a:t>עדכון פריט</a:t>
             </a:r>
             <a:endParaRPr lang="en-US" dirty="0"/>
           </a:p>
@@ -4024,55 +6605,201 @@
         </p:nvSpPr>
         <p:spPr>
           <a:xfrm>
-            <a:off x="2175029" y="997466"/>
-            <a:ext cx="7315200" cy="4728631"/>
-          </a:xfrm>
-        </p:spPr>
-        <p:txBody>
-          <a:bodyPr/>
+            <a:off x="6619874" y="368816"/>
+            <a:ext cx="5394479" cy="6251059"/>
+          </a:xfrm>
+        </p:spPr>
+        <p:txBody>
+          <a:bodyPr>
+            <a:normAutofit/>
+          </a:bodyPr>
           <a:lstStyle/>
           <a:p>
             <a:pPr marL="0" indent="0" algn="ctr" rtl="1">
               <a:buNone/>
             </a:pPr>
             <a:r>
+              <a:rPr lang="he-IL" sz="2800" dirty="0"/>
+              <a:t>כאשר המשתמש הינו לקוח</a:t>
+            </a:r>
+          </a:p>
+          <a:p>
+            <a:pPr marL="0" indent="0" algn="ctr" rtl="1">
+              <a:buNone/>
+            </a:pPr>
+            <a:endParaRPr lang="he-IL" sz="2800" dirty="0"/>
+          </a:p>
+          <a:p>
+            <a:pPr marL="0" indent="0" algn="r" rtl="1">
+              <a:buNone/>
+            </a:pPr>
+            <a:r>
+              <a:rPr lang="he-IL" sz="2800" dirty="0"/>
+              <a:t>כשמשתמש נרשם כלקוח הוא יכול לצפות במסעדות הנרשמות לאפליקציה וגם בתפריטים שלהם, כשהמשתמש לוחץ על מסעדה מסויימת ייפתח לו את התפריט שלה, ואחרי שהוא בוחר בהזמנה שלו לוחץ על כפתור</a:t>
+            </a:r>
+            <a:r>
+              <a:rPr lang="en-US" sz="2800" dirty="0"/>
+              <a:t>cart</a:t>
+            </a:r>
+            <a:r>
+              <a:rPr lang="he-IL" sz="2800" dirty="0"/>
+              <a:t> ואם המיקום שלו כבוי אז הוא צריך להכניס את מיקום שלו ידני או שידליק את המיקום ואז כשלוחץ על כפתור </a:t>
+            </a:r>
+            <a:r>
+              <a:rPr lang="en-US" sz="2800" dirty="0"/>
+              <a:t> order</a:t>
+            </a:r>
+            <a:r>
+              <a:rPr lang="ar-SA" sz="2800" dirty="0"/>
+              <a:t> </a:t>
+            </a:r>
+            <a:r>
+              <a:rPr lang="he-IL" sz="2800" dirty="0"/>
+              <a:t>ההזמנה נשלחת למסעדה, וכשהשליח מגיע תצא לו הודעה שהשליח הגיע למקום.</a:t>
+            </a:r>
+            <a:endParaRPr lang="en-US" sz="2800" dirty="0"/>
+          </a:p>
+        </p:txBody>
+      </p:sp>
+      <p:pic>
+        <p:nvPicPr>
+          <p:cNvPr id="4" name="Picture 3" descr="A screenshot of a cell phone&#10;&#10;Description automatically generated">
+            <a:extLst>
+              <a:ext uri="{FF2B5EF4-FFF2-40B4-BE49-F238E27FC236}">
+                <a16:creationId xmlns:a16="http://schemas.microsoft.com/office/drawing/2014/main" id="{D2078F55-B9D0-4AC9-A6D3-8C4F595B2C36}"/>
+              </a:ext>
+            </a:extLst>
+          </p:cNvPr>
+          <p:cNvPicPr>
+            <a:picLocks noChangeAspect="1"/>
+          </p:cNvPicPr>
+          <p:nvPr/>
+        </p:nvPicPr>
+        <p:blipFill>
+          <a:blip r:embed="rId2">
+            <a:extLst>
+              <a:ext uri="{28A0092B-C50C-407E-A947-70E740481C1C}">
+                <a14:useLocalDpi xmlns:a14="http://schemas.microsoft.com/office/drawing/2010/main" val="0"/>
+              </a:ext>
+            </a:extLst>
+          </a:blip>
+          <a:stretch>
+            <a:fillRect/>
+          </a:stretch>
+        </p:blipFill>
+        <p:spPr>
+          <a:xfrm>
+            <a:off x="294299" y="2016515"/>
+            <a:ext cx="2420637" cy="3867150"/>
+          </a:xfrm>
+          <a:prstGeom prst="rect">
+            <a:avLst/>
+          </a:prstGeom>
+        </p:spPr>
+      </p:pic>
+      <p:pic>
+        <p:nvPicPr>
+          <p:cNvPr id="6" name="Picture 5" descr="A screenshot of a cell phone&#10;&#10;Description automatically generated">
+            <a:extLst>
+              <a:ext uri="{FF2B5EF4-FFF2-40B4-BE49-F238E27FC236}">
+                <a16:creationId xmlns:a16="http://schemas.microsoft.com/office/drawing/2014/main" id="{63DD5CCD-2F92-4261-91B7-45B659C5807E}"/>
+              </a:ext>
+            </a:extLst>
+          </p:cNvPr>
+          <p:cNvPicPr>
+            <a:picLocks noChangeAspect="1"/>
+          </p:cNvPicPr>
+          <p:nvPr/>
+        </p:nvPicPr>
+        <p:blipFill>
+          <a:blip r:embed="rId3">
+            <a:extLst>
+              <a:ext uri="{28A0092B-C50C-407E-A947-70E740481C1C}">
+                <a14:useLocalDpi xmlns:a14="http://schemas.microsoft.com/office/drawing/2010/main" val="0"/>
+              </a:ext>
+            </a:extLst>
+          </a:blip>
+          <a:stretch>
+            <a:fillRect/>
+          </a:stretch>
+        </p:blipFill>
+        <p:spPr>
+          <a:xfrm>
+            <a:off x="3209703" y="2016515"/>
+            <a:ext cx="2420637" cy="3889633"/>
+          </a:xfrm>
+          <a:prstGeom prst="rect">
+            <a:avLst/>
+          </a:prstGeom>
+        </p:spPr>
+      </p:pic>
+      <p:sp>
+        <p:nvSpPr>
+          <p:cNvPr id="7" name="Rectangle 6">
+            <a:extLst>
+              <a:ext uri="{FF2B5EF4-FFF2-40B4-BE49-F238E27FC236}">
+                <a16:creationId xmlns:a16="http://schemas.microsoft.com/office/drawing/2014/main" id="{465A1943-2641-4344-9237-CDB1DD02DEA8}"/>
+              </a:ext>
+            </a:extLst>
+          </p:cNvPr>
+          <p:cNvSpPr/>
+          <p:nvPr/>
+        </p:nvSpPr>
+        <p:spPr>
+          <a:xfrm>
+            <a:off x="1000261" y="1370184"/>
+            <a:ext cx="1143117" cy="646331"/>
+          </a:xfrm>
+          <a:prstGeom prst="rect">
+            <a:avLst/>
+          </a:prstGeom>
+        </p:spPr>
+        <p:txBody>
+          <a:bodyPr wrap="square">
+            <a:spAutoFit/>
+          </a:bodyPr>
+          <a:lstStyle/>
+          <a:p>
+            <a:pPr algn="ctr"/>
+            <a:r>
               <a:rPr lang="he-IL" dirty="0"/>
-              <a:t>כאשר המשתמש הינו לקוח</a:t>
-            </a:r>
-          </a:p>
-          <a:p>
-            <a:pPr marL="0" indent="0" algn="ctr" rtl="1">
-              <a:buNone/>
-            </a:pPr>
-            <a:endParaRPr lang="he-IL" dirty="0"/>
-          </a:p>
-          <a:p>
-            <a:pPr marL="0" indent="0" algn="r" rtl="1">
-              <a:buNone/>
-            </a:pPr>
+              <a:t>בחירת ההזמנה</a:t>
+            </a:r>
+            <a:endParaRPr lang="en-US" dirty="0"/>
+          </a:p>
+        </p:txBody>
+      </p:sp>
+      <p:sp>
+        <p:nvSpPr>
+          <p:cNvPr id="8" name="Rectangle 7">
+            <a:extLst>
+              <a:ext uri="{FF2B5EF4-FFF2-40B4-BE49-F238E27FC236}">
+                <a16:creationId xmlns:a16="http://schemas.microsoft.com/office/drawing/2014/main" id="{32D433B3-2123-427C-B6B6-053EB7E14F43}"/>
+              </a:ext>
+            </a:extLst>
+          </p:cNvPr>
+          <p:cNvSpPr/>
+          <p:nvPr/>
+        </p:nvSpPr>
+        <p:spPr>
+          <a:xfrm>
+            <a:off x="3704470" y="1370183"/>
+            <a:ext cx="1143117" cy="646331"/>
+          </a:xfrm>
+          <a:prstGeom prst="rect">
+            <a:avLst/>
+          </a:prstGeom>
+        </p:spPr>
+        <p:txBody>
+          <a:bodyPr wrap="square">
+            <a:spAutoFit/>
+          </a:bodyPr>
+          <a:lstStyle/>
+          <a:p>
+            <a:pPr algn="ctr"/>
             <a:r>
               <a:rPr lang="he-IL" dirty="0"/>
-              <a:t>כשלקוח נרשם כלקוח הוא יכול לצפות במסעדות הנרשמות לאפליקציה וגם בתפריטים שלהם, כשהמשתמש לוחץ על מסעדה מסויימת ייפתח לו את התפריט של המסעדה הזו, ואחרי שהוא בוחר בהזמנה שלו לוחץ על כפתור</a:t>
-            </a:r>
-            <a:r>
-              <a:rPr lang="en-US" dirty="0"/>
-              <a:t>cart</a:t>
-            </a:r>
-            <a:r>
-              <a:rPr lang="he-IL" dirty="0"/>
-              <a:t> ואם המיקום שלו כבוי אז הוא צריך להכניס את מיקום שלו ידני או שידליק את המיקום ואז כשלוחץ על כפתור </a:t>
-            </a:r>
-            <a:r>
-              <a:rPr lang="en-US" dirty="0"/>
-              <a:t> order</a:t>
-            </a:r>
-            <a:r>
-              <a:rPr lang="ar-SA" dirty="0"/>
-              <a:t> </a:t>
-            </a:r>
-            <a:r>
-              <a:rPr lang="he-IL" dirty="0"/>
-              <a:t>ההזמנה נשלחת למסעדה, וכשהשליח מגיע תצא לו הודעה שהשליח הגיע למקום.</a:t>
+              <a:t>שליחת ההזמנה</a:t>
             </a:r>
             <a:endParaRPr lang="en-US" dirty="0"/>
           </a:p>
@@ -4092,9 +6819,9 @@
 </file>
 
 <file path=ppt/theme/theme1.xml><?xml version="1.0" encoding="utf-8"?>
-<a:theme xmlns:a="http://schemas.openxmlformats.org/drawingml/2006/main" name="Office Theme">
+<a:theme xmlns:a="http://schemas.openxmlformats.org/drawingml/2006/main" name="Vapor Trail">
   <a:themeElements>
-    <a:clrScheme name="Office">
+    <a:clrScheme name="Vapor Trail">
       <a:dk1>
         <a:sysClr val="windowText" lastClr="000000"/>
       </a:dk1>
@@ -4102,44 +6829,44 @@
         <a:sysClr val="window" lastClr="FFFFFF"/>
       </a:lt1>
       <a:dk2>
-        <a:srgbClr val="44546A"/>
+        <a:srgbClr val="454545"/>
       </a:dk2>
       <a:lt2>
-        <a:srgbClr val="E7E6E6"/>
+        <a:srgbClr val="DADADA"/>
       </a:lt2>
       <a:accent1>
-        <a:srgbClr val="4472C4"/>
+        <a:srgbClr val="DF2E28"/>
       </a:accent1>
       <a:accent2>
-        <a:srgbClr val="ED7D31"/>
+        <a:srgbClr val="FE801A"/>
       </a:accent2>
       <a:accent3>
-        <a:srgbClr val="A5A5A5"/>
+        <a:srgbClr val="E9BF35"/>
       </a:accent3>
       <a:accent4>
-        <a:srgbClr val="FFC000"/>
+        <a:srgbClr val="81BB42"/>
       </a:accent4>
       <a:accent5>
-        <a:srgbClr val="5B9BD5"/>
+        <a:srgbClr val="32C7A9"/>
       </a:accent5>
       <a:accent6>
-        <a:srgbClr val="70AD47"/>
+        <a:srgbClr val="4A9BDC"/>
       </a:accent6>
       <a:hlink>
-        <a:srgbClr val="0563C1"/>
+        <a:srgbClr val="F0532B"/>
       </a:hlink>
       <a:folHlink>
-        <a:srgbClr val="954F72"/>
+        <a:srgbClr val="F38B53"/>
       </a:folHlink>
     </a:clrScheme>
-    <a:fontScheme name="Office">
+    <a:fontScheme name="Vapor Trail">
       <a:majorFont>
-        <a:latin typeface="Calibri Light" panose="020F0302020204030204"/>
+        <a:latin typeface="Century Gothic" panose="020B0502020202020204"/>
         <a:ea typeface=""/>
         <a:cs typeface=""/>
-        <a:font script="Jpan" typeface="游ゴシック Light"/>
+        <a:font script="Jpan" typeface="ＭＳ Ｐゴシック"/>
         <a:font script="Hang" typeface="맑은 고딕"/>
-        <a:font script="Hans" typeface="等线 Light"/>
+        <a:font script="Hans" typeface="宋体"/>
         <a:font script="Hant" typeface="新細明體"/>
         <a:font script="Arab" typeface="Times New Roman"/>
         <a:font script="Hebr" typeface="Times New Roman"/>
@@ -4167,31 +6894,14 @@
         <a:font script="Viet" typeface="Times New Roman"/>
         <a:font script="Uigh" typeface="Microsoft Uighur"/>
         <a:font script="Geor" typeface="Sylfaen"/>
-        <a:font script="Armn" typeface="Arial"/>
-        <a:font script="Bugi" typeface="Leelawadee UI"/>
-        <a:font script="Bopo" typeface="Microsoft JhengHei"/>
-        <a:font script="Java" typeface="Javanese Text"/>
-        <a:font script="Lisu" typeface="Segoe UI"/>
-        <a:font script="Mymr" typeface="Myanmar Text"/>
-        <a:font script="Nkoo" typeface="Ebrima"/>
-        <a:font script="Olck" typeface="Nirmala UI"/>
-        <a:font script="Osma" typeface="Ebrima"/>
-        <a:font script="Phag" typeface="Phagspa"/>
-        <a:font script="Syrn" typeface="Estrangelo Edessa"/>
-        <a:font script="Syrj" typeface="Estrangelo Edessa"/>
-        <a:font script="Syre" typeface="Estrangelo Edessa"/>
-        <a:font script="Sora" typeface="Nirmala UI"/>
-        <a:font script="Tale" typeface="Microsoft Tai Le"/>
-        <a:font script="Talu" typeface="Microsoft New Tai Lue"/>
-        <a:font script="Tfng" typeface="Ebrima"/>
       </a:majorFont>
       <a:minorFont>
-        <a:latin typeface="Calibri" panose="020F0502020204030204"/>
+        <a:latin typeface="Century Gothic" panose="020B0502020202020204"/>
         <a:ea typeface=""/>
         <a:cs typeface=""/>
-        <a:font script="Jpan" typeface="游ゴシック"/>
+        <a:font script="Jpan" typeface="ＭＳ Ｐゴシック"/>
         <a:font script="Hang" typeface="맑은 고딕"/>
-        <a:font script="Hans" typeface="等线"/>
+        <a:font script="Hans" typeface="宋体"/>
         <a:font script="Hant" typeface="新細明體"/>
         <a:font script="Arab" typeface="Arial"/>
         <a:font script="Hebr" typeface="Arial"/>
@@ -4219,26 +6929,9 @@
         <a:font script="Viet" typeface="Arial"/>
         <a:font script="Uigh" typeface="Microsoft Uighur"/>
         <a:font script="Geor" typeface="Sylfaen"/>
-        <a:font script="Armn" typeface="Arial"/>
-        <a:font script="Bugi" typeface="Leelawadee UI"/>
-        <a:font script="Bopo" typeface="Microsoft JhengHei"/>
-        <a:font script="Java" typeface="Javanese Text"/>
-        <a:font script="Lisu" typeface="Segoe UI"/>
-        <a:font script="Mymr" typeface="Myanmar Text"/>
-        <a:font script="Nkoo" typeface="Ebrima"/>
-        <a:font script="Olck" typeface="Nirmala UI"/>
-        <a:font script="Osma" typeface="Ebrima"/>
-        <a:font script="Phag" typeface="Phagspa"/>
-        <a:font script="Syrn" typeface="Estrangelo Edessa"/>
-        <a:font script="Syrj" typeface="Estrangelo Edessa"/>
-        <a:font script="Syre" typeface="Estrangelo Edessa"/>
-        <a:font script="Sora" typeface="Nirmala UI"/>
-        <a:font script="Tale" typeface="Microsoft Tai Le"/>
-        <a:font script="Talu" typeface="Microsoft New Tai Lue"/>
-        <a:font script="Tfng" typeface="Ebrima"/>
       </a:minorFont>
     </a:fontScheme>
-    <a:fmtScheme name="Office">
+    <a:fmtScheme name="Vapor Trail">
       <a:fillStyleLst>
         <a:solidFill>
           <a:schemeClr val="phClr"/>
@@ -4247,23 +6940,24 @@
           <a:gsLst>
             <a:gs pos="0">
               <a:schemeClr val="phClr">
+                <a:tint val="69000"/>
+                <a:alpha val="100000"/>
+                <a:satMod val="109000"/>
                 <a:lumMod val="110000"/>
-                <a:satMod val="105000"/>
-                <a:tint val="67000"/>
               </a:schemeClr>
             </a:gs>
-            <a:gs pos="50000">
+            <a:gs pos="52000">
               <a:schemeClr val="phClr">
-                <a:lumMod val="105000"/>
-                <a:satMod val="103000"/>
-                <a:tint val="73000"/>
+                <a:tint val="74000"/>
+                <a:satMod val="100000"/>
+                <a:lumMod val="104000"/>
               </a:schemeClr>
             </a:gs>
             <a:gs pos="100000">
               <a:schemeClr val="phClr">
-                <a:lumMod val="105000"/>
-                <a:satMod val="109000"/>
-                <a:tint val="81000"/>
+                <a:tint val="78000"/>
+                <a:satMod val="100000"/>
+                <a:lumMod val="100000"/>
               </a:schemeClr>
             </a:gs>
           </a:gsLst>
@@ -4273,23 +6967,16 @@
           <a:gsLst>
             <a:gs pos="0">
               <a:schemeClr val="phClr">
-                <a:satMod val="103000"/>
-                <a:lumMod val="102000"/>
-                <a:tint val="94000"/>
+                <a:tint val="96000"/>
+                <a:satMod val="100000"/>
+                <a:lumMod val="104000"/>
               </a:schemeClr>
             </a:gs>
-            <a:gs pos="50000">
+            <a:gs pos="78000">
               <a:schemeClr val="phClr">
+                <a:shade val="100000"/>
                 <a:satMod val="110000"/>
                 <a:lumMod val="100000"/>
-                <a:shade val="100000"/>
-              </a:schemeClr>
-            </a:gs>
-            <a:gs pos="100000">
-              <a:schemeClr val="phClr">
-                <a:lumMod val="99000"/>
-                <a:satMod val="120000"/>
-                <a:shade val="78000"/>
               </a:schemeClr>
             </a:gs>
           </a:gsLst>
@@ -4297,26 +6984,23 @@
         </a:gradFill>
       </a:fillStyleLst>
       <a:lnStyleLst>
-        <a:ln w="6350" cap="flat" cmpd="sng" algn="ctr">
+        <a:ln w="9525" cap="flat" cmpd="sng" algn="ctr">
           <a:solidFill>
             <a:schemeClr val="phClr"/>
           </a:solidFill>
           <a:prstDash val="solid"/>
-          <a:miter lim="800000"/>
         </a:ln>
         <a:ln w="12700" cap="flat" cmpd="sng" algn="ctr">
           <a:solidFill>
             <a:schemeClr val="phClr"/>
           </a:solidFill>
           <a:prstDash val="solid"/>
-          <a:miter lim="800000"/>
         </a:ln>
         <a:ln w="19050" cap="flat" cmpd="sng" algn="ctr">
           <a:solidFill>
             <a:schemeClr val="phClr"/>
           </a:solidFill>
           <a:prstDash val="solid"/>
-          <a:miter lim="800000"/>
         </a:ln>
       </a:lnStyleLst>
       <a:effectStyleLst>
@@ -4325,15 +7009,33 @@
         </a:effectStyle>
         <a:effectStyle>
           <a:effectLst/>
+          <a:scene3d>
+            <a:camera prst="orthographicFront">
+              <a:rot lat="0" lon="0" rev="0"/>
+            </a:camera>
+            <a:lightRig rig="threePt" dir="t"/>
+          </a:scene3d>
+          <a:sp3d>
+            <a:bevelT w="25400" h="12700"/>
+          </a:sp3d>
         </a:effectStyle>
         <a:effectStyle>
           <a:effectLst>
             <a:outerShdw blurRad="57150" dist="19050" dir="5400000" algn="ctr" rotWithShape="0">
               <a:srgbClr val="000000">
-                <a:alpha val="63000"/>
+                <a:alpha val="48000"/>
               </a:srgbClr>
             </a:outerShdw>
           </a:effectLst>
+          <a:scene3d>
+            <a:camera prst="orthographicFront">
+              <a:rot lat="0" lon="0" rev="0"/>
+            </a:camera>
+            <a:lightRig rig="threePt" dir="t"/>
+          </a:scene3d>
+          <a:sp3d>
+            <a:bevelT w="50800" h="25400"/>
+          </a:sp3d>
         </a:effectStyle>
       </a:effectStyleLst>
       <a:bgFillStyleLst>
@@ -4351,16 +7053,16 @@
             <a:gs pos="0">
               <a:schemeClr val="phClr">
                 <a:tint val="93000"/>
+                <a:shade val="98000"/>
                 <a:satMod val="150000"/>
-                <a:shade val="98000"/>
                 <a:lumMod val="102000"/>
               </a:schemeClr>
             </a:gs>
             <a:gs pos="50000">
               <a:schemeClr val="phClr">
                 <a:tint val="98000"/>
+                <a:shade val="90000"/>
                 <a:satMod val="130000"/>
-                <a:shade val="90000"/>
                 <a:lumMod val="103000"/>
               </a:schemeClr>
             </a:gs>
@@ -4380,7 +7082,7 @@
   <a:extraClrSchemeLst/>
   <a:extLst>
     <a:ext uri="{05A4C25C-085E-4340-85A3-A5531E510DB2}">
-      <thm15:themeFamily xmlns:thm15="http://schemas.microsoft.com/office/thememl/2012/main" name="Office Theme" id="{62F939B6-93AF-4DB8-9C6B-D6C7DFDC589F}" vid="{4A3C46E8-61CC-4603-A589-7422A47A8E4A}"/>
+      <thm15:themeFamily xmlns:thm15="http://schemas.microsoft.com/office/thememl/2012/main" name="Vapor Trail" id="{4FDF2955-7D9C-493C-B9F9-C205151B46CD}" vid="{8F31A783-2159-4870-BC29-2BA7D038EA44}"/>
     </a:ext>
   </a:extLst>
 </a:theme>
